--- a/report/tussentijdse/convNetsSR21dec2017.pptx
+++ b/report/tussentijdse/convNetsSR21dec2017.pptx
@@ -87,7 +87,21 @@
                 </a:uFill>
                 <a:latin typeface="Arial"/>
               </a:rPr>
-              <a:t>Click to edit the notes format</a:t>
+              <a:t>Click to edit the </a:t>
+            </a:r>
+            <a:r>
+              <a:rPr b="0" lang="zxx" sz="2000" spc="-1" strike="noStrike">
+                <a:solidFill>
+                  <a:srgbClr val="000000"/>
+                </a:solidFill>
+                <a:uFill>
+                  <a:solidFill>
+                    <a:srgbClr val="ffffff"/>
+                  </a:solidFill>
+                </a:uFill>
+                <a:latin typeface="Arial"/>
+              </a:rPr>
+              <a:t>notes format</a:t>
             </a:r>
             <a:endParaRPr b="0" lang="zxx" sz="2000" spc="-1" strike="noStrike">
               <a:solidFill>
@@ -188,7 +202,7 @@
                 </a:uFill>
                 <a:latin typeface="Times New Roman"/>
               </a:rPr>
-              <a:t>&lt;date/time&gt;</a:t>
+              <a:t> </a:t>
             </a:r>
             <a:endParaRPr b="0" lang="zxx" sz="1400" spc="-1" strike="noStrike">
               <a:solidFill>
@@ -238,7 +252,7 @@
                 </a:uFill>
                 <a:latin typeface="Times New Roman"/>
               </a:rPr>
-              <a:t>&lt;footer&gt;</a:t>
+              <a:t> </a:t>
             </a:r>
             <a:endParaRPr b="0" lang="zxx" sz="1400" spc="-1" strike="noStrike">
               <a:solidFill>
@@ -277,7 +291,7 @@
           <a:bodyPr lIns="0" rIns="0" tIns="0" bIns="0" anchor="b"/>
           <a:p>
             <a:pPr algn="r"/>
-            <a:fld id="{44125A99-4978-4736-ADC8-E83FE130BCEA}" type="slidenum">
+            <a:fld id="{A71AAED3-AA7E-4078-8E4E-06C06BDBDD38}" type="slidenum">
               <a:rPr b="0" lang="zxx" sz="1400" spc="-1" strike="noStrike">
                 <a:solidFill>
                   <a:srgbClr val="000000"/>
@@ -289,7 +303,7 @@
                 </a:uFill>
                 <a:latin typeface="Times New Roman"/>
               </a:rPr>
-              <a:t>&lt;number&gt;</a:t>
+              <a:t>1</a:t>
             </a:fld>
             <a:endParaRPr b="0" lang="zxx" sz="1400" spc="-1" strike="noStrike">
               <a:solidFill>
@@ -330,7 +344,7 @@
       </p:grpSpPr>
       <p:sp>
         <p:nvSpPr>
-          <p:cNvPr id="282" name="CustomShape 1"/>
+          <p:cNvPr id="283" name="CustomShape 1"/>
           <p:cNvSpPr/>
           <p:nvPr/>
         </p:nvSpPr>
@@ -361,7 +375,7 @@
                 <a:spcPct val="100000"/>
               </a:lnSpc>
             </a:pPr>
-            <a:fld id="{68E0C383-77D9-4017-95F5-6880C98A1C3A}" type="slidenum">
+            <a:fld id="{213A212D-1599-43B9-B82A-05824F57D4DC}" type="slidenum">
               <a:rPr b="0" lang="zxx" sz="1000" spc="-1" strike="noStrike">
                 <a:solidFill>
                   <a:srgbClr val="000000"/>
@@ -373,7 +387,7 @@
                 </a:uFill>
                 <a:latin typeface="Arial"/>
               </a:rPr>
-              <a:t>&lt;number&gt;</a:t>
+              <a:t>1</a:t>
             </a:fld>
             <a:endParaRPr b="0" lang="zxx" sz="1800" spc="-1" strike="noStrike">
               <a:solidFill>
@@ -391,7 +405,7 @@
       </p:sp>
       <p:sp>
         <p:nvSpPr>
-          <p:cNvPr id="283" name="CustomShape 2"/>
+          <p:cNvPr id="284" name="CustomShape 2"/>
           <p:cNvSpPr/>
           <p:nvPr/>
         </p:nvSpPr>
@@ -417,7 +431,7 @@
       </p:sp>
       <p:sp>
         <p:nvSpPr>
-          <p:cNvPr id="284" name="CustomShape 3"/>
+          <p:cNvPr id="285" name="CustomShape 3"/>
           <p:cNvSpPr/>
           <p:nvPr/>
         </p:nvSpPr>
@@ -479,7 +493,7 @@
       </p:sp>
       <p:sp>
         <p:nvSpPr>
-          <p:cNvPr id="285" name="CustomShape 4"/>
+          <p:cNvPr id="286" name="CustomShape 4"/>
           <p:cNvSpPr/>
           <p:nvPr/>
         </p:nvSpPr>
@@ -505,7 +519,7 @@
       </p:sp>
       <p:sp>
         <p:nvSpPr>
-          <p:cNvPr id="286" name="CustomShape 5"/>
+          <p:cNvPr id="287" name="CustomShape 5"/>
           <p:cNvSpPr/>
           <p:nvPr/>
         </p:nvSpPr>
@@ -531,7 +545,7 @@
       </p:sp>
       <p:sp>
         <p:nvSpPr>
-          <p:cNvPr id="287" name="PlaceHolder 6"/>
+          <p:cNvPr id="288" name="PlaceHolder 6"/>
           <p:cNvSpPr>
             <a:spLocks noGrp="1"/>
           </p:cNvSpPr>
@@ -589,7 +603,7 @@
       </p:grpSpPr>
       <p:sp>
         <p:nvSpPr>
-          <p:cNvPr id="288" name="CustomShape 1"/>
+          <p:cNvPr id="289" name="CustomShape 1"/>
           <p:cNvSpPr/>
           <p:nvPr/>
         </p:nvSpPr>
@@ -620,7 +634,7 @@
                 <a:spcPct val="100000"/>
               </a:lnSpc>
             </a:pPr>
-            <a:fld id="{F7293DE6-F4C1-42E1-88C9-27DDB23816D7}" type="slidenum">
+            <a:fld id="{95FD3069-158E-4AEC-9363-1C077576C675}" type="slidenum">
               <a:rPr b="0" lang="zxx" sz="1000" spc="-1" strike="noStrike">
                 <a:solidFill>
                   <a:srgbClr val="000000"/>
@@ -632,7 +646,7 @@
                 </a:uFill>
                 <a:latin typeface="Arial"/>
               </a:rPr>
-              <a:t>&lt;number&gt;</a:t>
+              <a:t>1</a:t>
             </a:fld>
             <a:endParaRPr b="0" lang="zxx" sz="1800" spc="-1" strike="noStrike">
               <a:solidFill>
@@ -650,7 +664,7 @@
       </p:sp>
       <p:sp>
         <p:nvSpPr>
-          <p:cNvPr id="289" name="CustomShape 2"/>
+          <p:cNvPr id="290" name="CustomShape 2"/>
           <p:cNvSpPr/>
           <p:nvPr/>
         </p:nvSpPr>
@@ -676,7 +690,7 @@
       </p:sp>
       <p:sp>
         <p:nvSpPr>
-          <p:cNvPr id="290" name="CustomShape 3"/>
+          <p:cNvPr id="291" name="CustomShape 3"/>
           <p:cNvSpPr/>
           <p:nvPr/>
         </p:nvSpPr>
@@ -738,7 +752,7 @@
       </p:sp>
       <p:sp>
         <p:nvSpPr>
-          <p:cNvPr id="291" name="CustomShape 4"/>
+          <p:cNvPr id="292" name="CustomShape 4"/>
           <p:cNvSpPr/>
           <p:nvPr/>
         </p:nvSpPr>
@@ -764,7 +778,7 @@
       </p:sp>
       <p:sp>
         <p:nvSpPr>
-          <p:cNvPr id="292" name="CustomShape 5"/>
+          <p:cNvPr id="293" name="CustomShape 5"/>
           <p:cNvSpPr/>
           <p:nvPr/>
         </p:nvSpPr>
@@ -790,7 +804,7 @@
       </p:sp>
       <p:sp>
         <p:nvSpPr>
-          <p:cNvPr id="293" name="PlaceHolder 6"/>
+          <p:cNvPr id="294" name="PlaceHolder 6"/>
           <p:cNvSpPr>
             <a:spLocks noGrp="1"/>
           </p:cNvSpPr>
@@ -889,7 +903,7 @@
       </p:grpSpPr>
       <p:sp>
         <p:nvSpPr>
-          <p:cNvPr id="294" name="CustomShape 1"/>
+          <p:cNvPr id="295" name="CustomShape 1"/>
           <p:cNvSpPr/>
           <p:nvPr/>
         </p:nvSpPr>
@@ -920,7 +934,7 @@
                 <a:spcPct val="100000"/>
               </a:lnSpc>
             </a:pPr>
-            <a:fld id="{56A2B3E0-7895-44E9-8A24-5F9DEEC364B9}" type="slidenum">
+            <a:fld id="{68270559-B35E-40D0-86E9-9E0263340865}" type="slidenum">
               <a:rPr b="0" lang="zxx" sz="1000" spc="-1" strike="noStrike">
                 <a:solidFill>
                   <a:srgbClr val="000000"/>
@@ -932,7 +946,7 @@
                 </a:uFill>
                 <a:latin typeface="Arial"/>
               </a:rPr>
-              <a:t>&lt;number&gt;</a:t>
+              <a:t>1</a:t>
             </a:fld>
             <a:endParaRPr b="0" lang="zxx" sz="1800" spc="-1" strike="noStrike">
               <a:solidFill>
@@ -950,7 +964,7 @@
       </p:sp>
       <p:sp>
         <p:nvSpPr>
-          <p:cNvPr id="295" name="CustomShape 2"/>
+          <p:cNvPr id="296" name="CustomShape 2"/>
           <p:cNvSpPr/>
           <p:nvPr/>
         </p:nvSpPr>
@@ -976,7 +990,7 @@
       </p:sp>
       <p:sp>
         <p:nvSpPr>
-          <p:cNvPr id="296" name="CustomShape 3"/>
+          <p:cNvPr id="297" name="CustomShape 3"/>
           <p:cNvSpPr/>
           <p:nvPr/>
         </p:nvSpPr>
@@ -1038,7 +1052,7 @@
       </p:sp>
       <p:sp>
         <p:nvSpPr>
-          <p:cNvPr id="297" name="CustomShape 4"/>
+          <p:cNvPr id="298" name="CustomShape 4"/>
           <p:cNvSpPr/>
           <p:nvPr/>
         </p:nvSpPr>
@@ -1064,7 +1078,7 @@
       </p:sp>
       <p:sp>
         <p:nvSpPr>
-          <p:cNvPr id="298" name="CustomShape 5"/>
+          <p:cNvPr id="299" name="CustomShape 5"/>
           <p:cNvSpPr/>
           <p:nvPr/>
         </p:nvSpPr>
@@ -1090,7 +1104,7 @@
       </p:sp>
       <p:sp>
         <p:nvSpPr>
-          <p:cNvPr id="299" name="PlaceHolder 6"/>
+          <p:cNvPr id="300" name="PlaceHolder 6"/>
           <p:cNvSpPr>
             <a:spLocks noGrp="1"/>
           </p:cNvSpPr>
@@ -1189,7 +1203,7 @@
       </p:grpSpPr>
       <p:sp>
         <p:nvSpPr>
-          <p:cNvPr id="300" name="CustomShape 1"/>
+          <p:cNvPr id="301" name="CustomShape 1"/>
           <p:cNvSpPr/>
           <p:nvPr/>
         </p:nvSpPr>
@@ -1220,7 +1234,7 @@
                 <a:spcPct val="100000"/>
               </a:lnSpc>
             </a:pPr>
-            <a:fld id="{09564B45-32CE-4A67-B8AA-7A4E1340BF1A}" type="slidenum">
+            <a:fld id="{2C428CD6-D0DB-4C06-904C-96D3FFE5326F}" type="slidenum">
               <a:rPr b="0" lang="zxx" sz="1000" spc="-1" strike="noStrike">
                 <a:solidFill>
                   <a:srgbClr val="000000"/>
@@ -1232,7 +1246,7 @@
                 </a:uFill>
                 <a:latin typeface="Arial"/>
               </a:rPr>
-              <a:t>&lt;number&gt;</a:t>
+              <a:t>1</a:t>
             </a:fld>
             <a:endParaRPr b="0" lang="zxx" sz="1800" spc="-1" strike="noStrike">
               <a:solidFill>
@@ -1250,7 +1264,7 @@
       </p:sp>
       <p:sp>
         <p:nvSpPr>
-          <p:cNvPr id="301" name="CustomShape 2"/>
+          <p:cNvPr id="302" name="CustomShape 2"/>
           <p:cNvSpPr/>
           <p:nvPr/>
         </p:nvSpPr>
@@ -1276,7 +1290,7 @@
       </p:sp>
       <p:sp>
         <p:nvSpPr>
-          <p:cNvPr id="302" name="CustomShape 3"/>
+          <p:cNvPr id="303" name="CustomShape 3"/>
           <p:cNvSpPr/>
           <p:nvPr/>
         </p:nvSpPr>
@@ -1338,7 +1352,7 @@
       </p:sp>
       <p:sp>
         <p:nvSpPr>
-          <p:cNvPr id="303" name="CustomShape 4"/>
+          <p:cNvPr id="304" name="CustomShape 4"/>
           <p:cNvSpPr/>
           <p:nvPr/>
         </p:nvSpPr>
@@ -1364,7 +1378,7 @@
       </p:sp>
       <p:sp>
         <p:nvSpPr>
-          <p:cNvPr id="304" name="CustomShape 5"/>
+          <p:cNvPr id="305" name="CustomShape 5"/>
           <p:cNvSpPr/>
           <p:nvPr/>
         </p:nvSpPr>
@@ -1390,7 +1404,7 @@
       </p:sp>
       <p:sp>
         <p:nvSpPr>
-          <p:cNvPr id="305" name="PlaceHolder 6"/>
+          <p:cNvPr id="306" name="PlaceHolder 6"/>
           <p:cNvSpPr>
             <a:spLocks noGrp="1"/>
           </p:cNvSpPr>
@@ -1429,7 +1443,7 @@
 </p:notes>
 </file>
 
-<file path=ppt/notesSlides/notesSlide17.xml><?xml version="1.0" encoding="utf-8"?>
+<file path=ppt/notesSlides/notesSlide14.xml><?xml version="1.0" encoding="utf-8"?>
 <p:notes xmlns:a="http://schemas.openxmlformats.org/drawingml/2006/main" xmlns:p="http://schemas.openxmlformats.org/presentationml/2006/main" xmlns:r="http://schemas.openxmlformats.org/officeDocument/2006/relationships" xmlns:p14="http://schemas.microsoft.com/office/powerpoint/2010/main" xmlns:p15="http://schemas.microsoft.com/office/powerpoint/2012/main" xmlns:mc="http://schemas.openxmlformats.org/markup-compatibility/2006">
   <p:cSld>
     <p:spTree>
@@ -1448,7 +1462,7 @@
       </p:grpSpPr>
       <p:sp>
         <p:nvSpPr>
-          <p:cNvPr id="306" name="CustomShape 1"/>
+          <p:cNvPr id="307" name="CustomShape 1"/>
           <p:cNvSpPr/>
           <p:nvPr/>
         </p:nvSpPr>
@@ -1479,7 +1493,7 @@
                 <a:spcPct val="100000"/>
               </a:lnSpc>
             </a:pPr>
-            <a:fld id="{C30BA03A-AD5B-4B44-A517-2937BB03FC59}" type="slidenum">
+            <a:fld id="{758800AB-3394-47B8-8882-F71B95D458CF}" type="slidenum">
               <a:rPr b="0" lang="zxx" sz="1000" spc="-1" strike="noStrike">
                 <a:solidFill>
                   <a:srgbClr val="000000"/>
@@ -1491,7 +1505,7 @@
                 </a:uFill>
                 <a:latin typeface="Arial"/>
               </a:rPr>
-              <a:t>&lt;number&gt;</a:t>
+              <a:t>1</a:t>
             </a:fld>
             <a:endParaRPr b="0" lang="zxx" sz="1800" spc="-1" strike="noStrike">
               <a:solidFill>
@@ -1509,7 +1523,7 @@
       </p:sp>
       <p:sp>
         <p:nvSpPr>
-          <p:cNvPr id="307" name="CustomShape 2"/>
+          <p:cNvPr id="308" name="CustomShape 2"/>
           <p:cNvSpPr/>
           <p:nvPr/>
         </p:nvSpPr>
@@ -1535,7 +1549,7 @@
       </p:sp>
       <p:sp>
         <p:nvSpPr>
-          <p:cNvPr id="308" name="CustomShape 3"/>
+          <p:cNvPr id="309" name="CustomShape 3"/>
           <p:cNvSpPr/>
           <p:nvPr/>
         </p:nvSpPr>
@@ -1597,7 +1611,7 @@
       </p:sp>
       <p:sp>
         <p:nvSpPr>
-          <p:cNvPr id="309" name="CustomShape 4"/>
+          <p:cNvPr id="310" name="CustomShape 4"/>
           <p:cNvSpPr/>
           <p:nvPr/>
         </p:nvSpPr>
@@ -1623,7 +1637,7 @@
       </p:sp>
       <p:sp>
         <p:nvSpPr>
-          <p:cNvPr id="310" name="CustomShape 5"/>
+          <p:cNvPr id="311" name="CustomShape 5"/>
           <p:cNvSpPr/>
           <p:nvPr/>
         </p:nvSpPr>
@@ -1649,7 +1663,7 @@
       </p:sp>
       <p:sp>
         <p:nvSpPr>
-          <p:cNvPr id="311" name="PlaceHolder 6"/>
+          <p:cNvPr id="312" name="PlaceHolder 6"/>
           <p:cNvSpPr>
             <a:spLocks noGrp="1"/>
           </p:cNvSpPr>
@@ -1688,7 +1702,7 @@
 </p:notes>
 </file>
 
-<file path=ppt/notesSlides/notesSlide18.xml><?xml version="1.0" encoding="utf-8"?>
+<file path=ppt/notesSlides/notesSlide15.xml><?xml version="1.0" encoding="utf-8"?>
 <p:notes xmlns:a="http://schemas.openxmlformats.org/drawingml/2006/main" xmlns:p="http://schemas.openxmlformats.org/presentationml/2006/main" xmlns:r="http://schemas.openxmlformats.org/officeDocument/2006/relationships" xmlns:p14="http://schemas.microsoft.com/office/powerpoint/2010/main" xmlns:p15="http://schemas.microsoft.com/office/powerpoint/2012/main" xmlns:mc="http://schemas.openxmlformats.org/markup-compatibility/2006">
   <p:cSld>
     <p:spTree>
@@ -1707,7 +1721,7 @@
       </p:grpSpPr>
       <p:sp>
         <p:nvSpPr>
-          <p:cNvPr id="312" name="CustomShape 1"/>
+          <p:cNvPr id="313" name="CustomShape 1"/>
           <p:cNvSpPr/>
           <p:nvPr/>
         </p:nvSpPr>
@@ -1738,7 +1752,7 @@
                 <a:spcPct val="100000"/>
               </a:lnSpc>
             </a:pPr>
-            <a:fld id="{93536DFD-CB99-404C-ABE5-CB8307677BFA}" type="slidenum">
+            <a:fld id="{BBCABF6B-1B8E-42EE-9D80-D86A14566CA8}" type="slidenum">
               <a:rPr b="0" lang="zxx" sz="1000" spc="-1" strike="noStrike">
                 <a:solidFill>
                   <a:srgbClr val="000000"/>
@@ -1750,7 +1764,7 @@
                 </a:uFill>
                 <a:latin typeface="Arial"/>
               </a:rPr>
-              <a:t>&lt;number&gt;</a:t>
+              <a:t>1</a:t>
             </a:fld>
             <a:endParaRPr b="0" lang="zxx" sz="1800" spc="-1" strike="noStrike">
               <a:solidFill>
@@ -1768,7 +1782,7 @@
       </p:sp>
       <p:sp>
         <p:nvSpPr>
-          <p:cNvPr id="313" name="CustomShape 2"/>
+          <p:cNvPr id="314" name="CustomShape 2"/>
           <p:cNvSpPr/>
           <p:nvPr/>
         </p:nvSpPr>
@@ -1794,7 +1808,7 @@
       </p:sp>
       <p:sp>
         <p:nvSpPr>
-          <p:cNvPr id="314" name="CustomShape 3"/>
+          <p:cNvPr id="315" name="CustomShape 3"/>
           <p:cNvSpPr/>
           <p:nvPr/>
         </p:nvSpPr>
@@ -1856,7 +1870,7 @@
       </p:sp>
       <p:sp>
         <p:nvSpPr>
-          <p:cNvPr id="315" name="CustomShape 4"/>
+          <p:cNvPr id="316" name="CustomShape 4"/>
           <p:cNvSpPr/>
           <p:nvPr/>
         </p:nvSpPr>
@@ -1882,7 +1896,7 @@
       </p:sp>
       <p:sp>
         <p:nvSpPr>
-          <p:cNvPr id="316" name="CustomShape 5"/>
+          <p:cNvPr id="317" name="CustomShape 5"/>
           <p:cNvSpPr/>
           <p:nvPr/>
         </p:nvSpPr>
@@ -1908,7 +1922,7 @@
       </p:sp>
       <p:sp>
         <p:nvSpPr>
-          <p:cNvPr id="317" name="PlaceHolder 6"/>
+          <p:cNvPr id="318" name="PlaceHolder 6"/>
           <p:cNvSpPr>
             <a:spLocks noGrp="1"/>
           </p:cNvSpPr>
@@ -1966,7 +1980,7 @@
       </p:grpSpPr>
       <p:sp>
         <p:nvSpPr>
-          <p:cNvPr id="318" name="CustomShape 1"/>
+          <p:cNvPr id="319" name="CustomShape 1"/>
           <p:cNvSpPr/>
           <p:nvPr/>
         </p:nvSpPr>
@@ -1997,7 +2011,7 @@
                 <a:spcPct val="100000"/>
               </a:lnSpc>
             </a:pPr>
-            <a:fld id="{C2C39035-D0C4-4339-A43B-80201FFE67AC}" type="slidenum">
+            <a:fld id="{6AC72332-2A68-4C85-B77C-80EF729A2B1E}" type="slidenum">
               <a:rPr b="0" lang="zxx" sz="1000" spc="-1" strike="noStrike">
                 <a:solidFill>
                   <a:srgbClr val="000000"/>
@@ -2009,7 +2023,7 @@
                 </a:uFill>
                 <a:latin typeface="Arial"/>
               </a:rPr>
-              <a:t>&lt;number&gt;</a:t>
+              <a:t>1</a:t>
             </a:fld>
             <a:endParaRPr b="0" lang="zxx" sz="1800" spc="-1" strike="noStrike">
               <a:solidFill>
@@ -2027,7 +2041,7 @@
       </p:sp>
       <p:sp>
         <p:nvSpPr>
-          <p:cNvPr id="319" name="CustomShape 2"/>
+          <p:cNvPr id="320" name="CustomShape 2"/>
           <p:cNvSpPr/>
           <p:nvPr/>
         </p:nvSpPr>
@@ -2053,7 +2067,7 @@
       </p:sp>
       <p:sp>
         <p:nvSpPr>
-          <p:cNvPr id="320" name="CustomShape 3"/>
+          <p:cNvPr id="321" name="CustomShape 3"/>
           <p:cNvSpPr/>
           <p:nvPr/>
         </p:nvSpPr>
@@ -2115,7 +2129,7 @@
       </p:sp>
       <p:sp>
         <p:nvSpPr>
-          <p:cNvPr id="321" name="CustomShape 4"/>
+          <p:cNvPr id="322" name="CustomShape 4"/>
           <p:cNvSpPr/>
           <p:nvPr/>
         </p:nvSpPr>
@@ -2141,7 +2155,7 @@
       </p:sp>
       <p:sp>
         <p:nvSpPr>
-          <p:cNvPr id="322" name="CustomShape 5"/>
+          <p:cNvPr id="323" name="CustomShape 5"/>
           <p:cNvSpPr/>
           <p:nvPr/>
         </p:nvSpPr>
@@ -2167,7 +2181,7 @@
       </p:sp>
       <p:sp>
         <p:nvSpPr>
-          <p:cNvPr id="323" name="PlaceHolder 6"/>
+          <p:cNvPr id="324" name="PlaceHolder 6"/>
           <p:cNvSpPr>
             <a:spLocks noGrp="1"/>
           </p:cNvSpPr>
@@ -2225,7 +2239,7 @@
       </p:grpSpPr>
       <p:sp>
         <p:nvSpPr>
-          <p:cNvPr id="234" name="CustomShape 1"/>
+          <p:cNvPr id="235" name="CustomShape 1"/>
           <p:cNvSpPr/>
           <p:nvPr/>
         </p:nvSpPr>
@@ -2256,7 +2270,7 @@
                 <a:spcPct val="100000"/>
               </a:lnSpc>
             </a:pPr>
-            <a:fld id="{8C680BA5-5DFF-4859-855E-29AFEDE551BF}" type="slidenum">
+            <a:fld id="{5301409F-0E3E-461B-BBA9-732AD85B801F}" type="slidenum">
               <a:rPr b="0" lang="zxx" sz="1000" spc="-1" strike="noStrike">
                 <a:solidFill>
                   <a:srgbClr val="000000"/>
@@ -2268,7 +2282,7 @@
                 </a:uFill>
                 <a:latin typeface="Arial"/>
               </a:rPr>
-              <a:t>&lt;number&gt;</a:t>
+              <a:t>1</a:t>
             </a:fld>
             <a:endParaRPr b="0" lang="zxx" sz="1800" spc="-1" strike="noStrike">
               <a:solidFill>
@@ -2286,7 +2300,7 @@
       </p:sp>
       <p:sp>
         <p:nvSpPr>
-          <p:cNvPr id="235" name="CustomShape 2"/>
+          <p:cNvPr id="236" name="CustomShape 2"/>
           <p:cNvSpPr/>
           <p:nvPr/>
         </p:nvSpPr>
@@ -2312,7 +2326,7 @@
       </p:sp>
       <p:sp>
         <p:nvSpPr>
-          <p:cNvPr id="236" name="CustomShape 3"/>
+          <p:cNvPr id="237" name="CustomShape 3"/>
           <p:cNvSpPr/>
           <p:nvPr/>
         </p:nvSpPr>
@@ -2374,7 +2388,7 @@
       </p:sp>
       <p:sp>
         <p:nvSpPr>
-          <p:cNvPr id="237" name="CustomShape 4"/>
+          <p:cNvPr id="238" name="CustomShape 4"/>
           <p:cNvSpPr/>
           <p:nvPr/>
         </p:nvSpPr>
@@ -2400,7 +2414,7 @@
       </p:sp>
       <p:sp>
         <p:nvSpPr>
-          <p:cNvPr id="238" name="CustomShape 5"/>
+          <p:cNvPr id="239" name="CustomShape 5"/>
           <p:cNvSpPr/>
           <p:nvPr/>
         </p:nvSpPr>
@@ -2426,7 +2440,7 @@
       </p:sp>
       <p:sp>
         <p:nvSpPr>
-          <p:cNvPr id="239" name="PlaceHolder 6"/>
+          <p:cNvPr id="240" name="PlaceHolder 6"/>
           <p:cNvSpPr>
             <a:spLocks noGrp="1"/>
           </p:cNvSpPr>
@@ -2484,7 +2498,7 @@
       </p:grpSpPr>
       <p:sp>
         <p:nvSpPr>
-          <p:cNvPr id="324" name="CustomShape 1"/>
+          <p:cNvPr id="325" name="CustomShape 1"/>
           <p:cNvSpPr/>
           <p:nvPr/>
         </p:nvSpPr>
@@ -2515,7 +2529,7 @@
                 <a:spcPct val="100000"/>
               </a:lnSpc>
             </a:pPr>
-            <a:fld id="{FFF810BD-0845-4CE0-8D2C-17C5D1A1C3AC}" type="slidenum">
+            <a:fld id="{91B7A7B9-62E3-4215-8214-955FFDAA50F0}" type="slidenum">
               <a:rPr b="0" lang="zxx" sz="1000" spc="-1" strike="noStrike">
                 <a:solidFill>
                   <a:srgbClr val="000000"/>
@@ -2527,7 +2541,7 @@
                 </a:uFill>
                 <a:latin typeface="Arial"/>
               </a:rPr>
-              <a:t>&lt;number&gt;</a:t>
+              <a:t>1</a:t>
             </a:fld>
             <a:endParaRPr b="0" lang="zxx" sz="1800" spc="-1" strike="noStrike">
               <a:solidFill>
@@ -2545,7 +2559,7 @@
       </p:sp>
       <p:sp>
         <p:nvSpPr>
-          <p:cNvPr id="325" name="CustomShape 2"/>
+          <p:cNvPr id="326" name="CustomShape 2"/>
           <p:cNvSpPr/>
           <p:nvPr/>
         </p:nvSpPr>
@@ -2571,7 +2585,7 @@
       </p:sp>
       <p:sp>
         <p:nvSpPr>
-          <p:cNvPr id="326" name="CustomShape 3"/>
+          <p:cNvPr id="327" name="CustomShape 3"/>
           <p:cNvSpPr/>
           <p:nvPr/>
         </p:nvSpPr>
@@ -2633,7 +2647,7 @@
       </p:sp>
       <p:sp>
         <p:nvSpPr>
-          <p:cNvPr id="327" name="CustomShape 4"/>
+          <p:cNvPr id="328" name="CustomShape 4"/>
           <p:cNvSpPr/>
           <p:nvPr/>
         </p:nvSpPr>
@@ -2659,7 +2673,7 @@
       </p:sp>
       <p:sp>
         <p:nvSpPr>
-          <p:cNvPr id="328" name="CustomShape 5"/>
+          <p:cNvPr id="329" name="CustomShape 5"/>
           <p:cNvSpPr/>
           <p:nvPr/>
         </p:nvSpPr>
@@ -2685,7 +2699,7 @@
       </p:sp>
       <p:sp>
         <p:nvSpPr>
-          <p:cNvPr id="329" name="PlaceHolder 6"/>
+          <p:cNvPr id="330" name="PlaceHolder 6"/>
           <p:cNvSpPr>
             <a:spLocks noGrp="1"/>
           </p:cNvSpPr>
@@ -2743,7 +2757,7 @@
       </p:grpSpPr>
       <p:sp>
         <p:nvSpPr>
-          <p:cNvPr id="330" name="CustomShape 1"/>
+          <p:cNvPr id="331" name="CustomShape 1"/>
           <p:cNvSpPr/>
           <p:nvPr/>
         </p:nvSpPr>
@@ -2774,7 +2788,7 @@
                 <a:spcPct val="100000"/>
               </a:lnSpc>
             </a:pPr>
-            <a:fld id="{57EA3D2D-A730-4BB5-843A-FD70FC79E32B}" type="slidenum">
+            <a:fld id="{89B0E27A-B1EE-4140-A100-0DD3F535EFDA}" type="slidenum">
               <a:rPr b="0" lang="zxx" sz="1000" spc="-1" strike="noStrike">
                 <a:solidFill>
                   <a:srgbClr val="000000"/>
@@ -2786,7 +2800,7 @@
                 </a:uFill>
                 <a:latin typeface="Arial"/>
               </a:rPr>
-              <a:t>&lt;number&gt;</a:t>
+              <a:t>1</a:t>
             </a:fld>
             <a:endParaRPr b="0" lang="zxx" sz="1800" spc="-1" strike="noStrike">
               <a:solidFill>
@@ -2804,7 +2818,7 @@
       </p:sp>
       <p:sp>
         <p:nvSpPr>
-          <p:cNvPr id="331" name="CustomShape 2"/>
+          <p:cNvPr id="332" name="CustomShape 2"/>
           <p:cNvSpPr/>
           <p:nvPr/>
         </p:nvSpPr>
@@ -2830,7 +2844,7 @@
       </p:sp>
       <p:sp>
         <p:nvSpPr>
-          <p:cNvPr id="332" name="CustomShape 3"/>
+          <p:cNvPr id="333" name="CustomShape 3"/>
           <p:cNvSpPr/>
           <p:nvPr/>
         </p:nvSpPr>
@@ -2892,7 +2906,7 @@
       </p:sp>
       <p:sp>
         <p:nvSpPr>
-          <p:cNvPr id="333" name="CustomShape 4"/>
+          <p:cNvPr id="334" name="CustomShape 4"/>
           <p:cNvSpPr/>
           <p:nvPr/>
         </p:nvSpPr>
@@ -2918,7 +2932,7 @@
       </p:sp>
       <p:sp>
         <p:nvSpPr>
-          <p:cNvPr id="334" name="CustomShape 5"/>
+          <p:cNvPr id="335" name="CustomShape 5"/>
           <p:cNvSpPr/>
           <p:nvPr/>
         </p:nvSpPr>
@@ -2944,7 +2958,7 @@
       </p:sp>
       <p:sp>
         <p:nvSpPr>
-          <p:cNvPr id="335" name="PlaceHolder 6"/>
+          <p:cNvPr id="336" name="PlaceHolder 6"/>
           <p:cNvSpPr>
             <a:spLocks noGrp="1"/>
           </p:cNvSpPr>
@@ -3002,7 +3016,7 @@
       </p:grpSpPr>
       <p:sp>
         <p:nvSpPr>
-          <p:cNvPr id="240" name="CustomShape 1"/>
+          <p:cNvPr id="241" name="CustomShape 1"/>
           <p:cNvSpPr/>
           <p:nvPr/>
         </p:nvSpPr>
@@ -3033,7 +3047,7 @@
                 <a:spcPct val="100000"/>
               </a:lnSpc>
             </a:pPr>
-            <a:fld id="{354E9B22-C080-44FC-94A0-945C9D58A53E}" type="slidenum">
+            <a:fld id="{6D27B905-0D2E-4B36-AAC1-95ECE1E2F813}" type="slidenum">
               <a:rPr b="0" lang="zxx" sz="1000" spc="-1" strike="noStrike">
                 <a:solidFill>
                   <a:srgbClr val="000000"/>
@@ -3045,7 +3059,7 @@
                 </a:uFill>
                 <a:latin typeface="Arial"/>
               </a:rPr>
-              <a:t>&lt;number&gt;</a:t>
+              <a:t>1</a:t>
             </a:fld>
             <a:endParaRPr b="0" lang="zxx" sz="1800" spc="-1" strike="noStrike">
               <a:solidFill>
@@ -3063,7 +3077,7 @@
       </p:sp>
       <p:sp>
         <p:nvSpPr>
-          <p:cNvPr id="241" name="CustomShape 2"/>
+          <p:cNvPr id="242" name="CustomShape 2"/>
           <p:cNvSpPr/>
           <p:nvPr/>
         </p:nvSpPr>
@@ -3089,7 +3103,7 @@
       </p:sp>
       <p:sp>
         <p:nvSpPr>
-          <p:cNvPr id="242" name="CustomShape 3"/>
+          <p:cNvPr id="243" name="CustomShape 3"/>
           <p:cNvSpPr/>
           <p:nvPr/>
         </p:nvSpPr>
@@ -3151,7 +3165,7 @@
       </p:sp>
       <p:sp>
         <p:nvSpPr>
-          <p:cNvPr id="243" name="CustomShape 4"/>
+          <p:cNvPr id="244" name="CustomShape 4"/>
           <p:cNvSpPr/>
           <p:nvPr/>
         </p:nvSpPr>
@@ -3177,7 +3191,7 @@
       </p:sp>
       <p:sp>
         <p:nvSpPr>
-          <p:cNvPr id="244" name="CustomShape 5"/>
+          <p:cNvPr id="245" name="CustomShape 5"/>
           <p:cNvSpPr/>
           <p:nvPr/>
         </p:nvSpPr>
@@ -3203,7 +3217,7 @@
       </p:sp>
       <p:sp>
         <p:nvSpPr>
-          <p:cNvPr id="245" name="PlaceHolder 6"/>
+          <p:cNvPr id="246" name="PlaceHolder 6"/>
           <p:cNvSpPr>
             <a:spLocks noGrp="1"/>
           </p:cNvSpPr>
@@ -3410,7 +3424,7 @@
       </p:grpSpPr>
       <p:sp>
         <p:nvSpPr>
-          <p:cNvPr id="246" name="CustomShape 1"/>
+          <p:cNvPr id="247" name="CustomShape 1"/>
           <p:cNvSpPr/>
           <p:nvPr/>
         </p:nvSpPr>
@@ -3441,7 +3455,7 @@
                 <a:spcPct val="100000"/>
               </a:lnSpc>
             </a:pPr>
-            <a:fld id="{BCDCB758-464A-46DE-8705-42DFB4E1FA6E}" type="slidenum">
+            <a:fld id="{7B0B797F-EE41-4928-9A3C-6545F5128512}" type="slidenum">
               <a:rPr b="0" lang="zxx" sz="1000" spc="-1" strike="noStrike">
                 <a:solidFill>
                   <a:srgbClr val="000000"/>
@@ -3453,7 +3467,7 @@
                 </a:uFill>
                 <a:latin typeface="Arial"/>
               </a:rPr>
-              <a:t>&lt;number&gt;</a:t>
+              <a:t>1</a:t>
             </a:fld>
             <a:endParaRPr b="0" lang="zxx" sz="1800" spc="-1" strike="noStrike">
               <a:solidFill>
@@ -3471,7 +3485,7 @@
       </p:sp>
       <p:sp>
         <p:nvSpPr>
-          <p:cNvPr id="247" name="CustomShape 2"/>
+          <p:cNvPr id="248" name="CustomShape 2"/>
           <p:cNvSpPr/>
           <p:nvPr/>
         </p:nvSpPr>
@@ -3497,7 +3511,7 @@
       </p:sp>
       <p:sp>
         <p:nvSpPr>
-          <p:cNvPr id="248" name="CustomShape 3"/>
+          <p:cNvPr id="249" name="CustomShape 3"/>
           <p:cNvSpPr/>
           <p:nvPr/>
         </p:nvSpPr>
@@ -3559,7 +3573,7 @@
       </p:sp>
       <p:sp>
         <p:nvSpPr>
-          <p:cNvPr id="249" name="CustomShape 4"/>
+          <p:cNvPr id="250" name="CustomShape 4"/>
           <p:cNvSpPr/>
           <p:nvPr/>
         </p:nvSpPr>
@@ -3585,7 +3599,7 @@
       </p:sp>
       <p:sp>
         <p:nvSpPr>
-          <p:cNvPr id="250" name="CustomShape 5"/>
+          <p:cNvPr id="251" name="CustomShape 5"/>
           <p:cNvSpPr/>
           <p:nvPr/>
         </p:nvSpPr>
@@ -3611,7 +3625,7 @@
       </p:sp>
       <p:sp>
         <p:nvSpPr>
-          <p:cNvPr id="251" name="PlaceHolder 6"/>
+          <p:cNvPr id="252" name="PlaceHolder 6"/>
           <p:cNvSpPr>
             <a:spLocks noGrp="1"/>
           </p:cNvSpPr>
@@ -3856,7 +3870,7 @@
       </p:grpSpPr>
       <p:sp>
         <p:nvSpPr>
-          <p:cNvPr id="252" name="CustomShape 1"/>
+          <p:cNvPr id="253" name="CustomShape 1"/>
           <p:cNvSpPr/>
           <p:nvPr/>
         </p:nvSpPr>
@@ -3887,7 +3901,7 @@
                 <a:spcPct val="100000"/>
               </a:lnSpc>
             </a:pPr>
-            <a:fld id="{23D12B94-C428-4250-A38A-FF9A9C9F7EA4}" type="slidenum">
+            <a:fld id="{7B1905A0-11FE-4546-A178-3CBC0F09DDED}" type="slidenum">
               <a:rPr b="0" lang="zxx" sz="1000" spc="-1" strike="noStrike">
                 <a:solidFill>
                   <a:srgbClr val="000000"/>
@@ -3899,7 +3913,7 @@
                 </a:uFill>
                 <a:latin typeface="Arial"/>
               </a:rPr>
-              <a:t>&lt;number&gt;</a:t>
+              <a:t>1</a:t>
             </a:fld>
             <a:endParaRPr b="0" lang="zxx" sz="1800" spc="-1" strike="noStrike">
               <a:solidFill>
@@ -3917,7 +3931,7 @@
       </p:sp>
       <p:sp>
         <p:nvSpPr>
-          <p:cNvPr id="253" name="CustomShape 2"/>
+          <p:cNvPr id="254" name="CustomShape 2"/>
           <p:cNvSpPr/>
           <p:nvPr/>
         </p:nvSpPr>
@@ -3943,7 +3957,7 @@
       </p:sp>
       <p:sp>
         <p:nvSpPr>
-          <p:cNvPr id="254" name="CustomShape 3"/>
+          <p:cNvPr id="255" name="CustomShape 3"/>
           <p:cNvSpPr/>
           <p:nvPr/>
         </p:nvSpPr>
@@ -4005,7 +4019,7 @@
       </p:sp>
       <p:sp>
         <p:nvSpPr>
-          <p:cNvPr id="255" name="CustomShape 4"/>
+          <p:cNvPr id="256" name="CustomShape 4"/>
           <p:cNvSpPr/>
           <p:nvPr/>
         </p:nvSpPr>
@@ -4031,7 +4045,7 @@
       </p:sp>
       <p:sp>
         <p:nvSpPr>
-          <p:cNvPr id="256" name="CustomShape 5"/>
+          <p:cNvPr id="257" name="CustomShape 5"/>
           <p:cNvSpPr/>
           <p:nvPr/>
         </p:nvSpPr>
@@ -4057,7 +4071,7 @@
       </p:sp>
       <p:sp>
         <p:nvSpPr>
-          <p:cNvPr id="257" name="PlaceHolder 6"/>
+          <p:cNvPr id="258" name="PlaceHolder 6"/>
           <p:cNvSpPr>
             <a:spLocks noGrp="1"/>
           </p:cNvSpPr>
@@ -4302,7 +4316,7 @@
       </p:grpSpPr>
       <p:sp>
         <p:nvSpPr>
-          <p:cNvPr id="258" name="CustomShape 1"/>
+          <p:cNvPr id="259" name="CustomShape 1"/>
           <p:cNvSpPr/>
           <p:nvPr/>
         </p:nvSpPr>
@@ -4333,7 +4347,7 @@
                 <a:spcPct val="100000"/>
               </a:lnSpc>
             </a:pPr>
-            <a:fld id="{8DC41D72-EEEB-4CB9-A7A4-DC09A42D1FBE}" type="slidenum">
+            <a:fld id="{44B55E5A-19D3-4431-9624-0FC22A2EFBC7}" type="slidenum">
               <a:rPr b="0" lang="zxx" sz="1000" spc="-1" strike="noStrike">
                 <a:solidFill>
                   <a:srgbClr val="000000"/>
@@ -4345,7 +4359,7 @@
                 </a:uFill>
                 <a:latin typeface="Arial"/>
               </a:rPr>
-              <a:t>&lt;number&gt;</a:t>
+              <a:t>1</a:t>
             </a:fld>
             <a:endParaRPr b="0" lang="zxx" sz="1800" spc="-1" strike="noStrike">
               <a:solidFill>
@@ -4363,7 +4377,7 @@
       </p:sp>
       <p:sp>
         <p:nvSpPr>
-          <p:cNvPr id="259" name="CustomShape 2"/>
+          <p:cNvPr id="260" name="CustomShape 2"/>
           <p:cNvSpPr/>
           <p:nvPr/>
         </p:nvSpPr>
@@ -4389,7 +4403,7 @@
       </p:sp>
       <p:sp>
         <p:nvSpPr>
-          <p:cNvPr id="260" name="CustomShape 3"/>
+          <p:cNvPr id="261" name="CustomShape 3"/>
           <p:cNvSpPr/>
           <p:nvPr/>
         </p:nvSpPr>
@@ -4451,7 +4465,7 @@
       </p:sp>
       <p:sp>
         <p:nvSpPr>
-          <p:cNvPr id="261" name="CustomShape 4"/>
+          <p:cNvPr id="262" name="CustomShape 4"/>
           <p:cNvSpPr/>
           <p:nvPr/>
         </p:nvSpPr>
@@ -4477,7 +4491,7 @@
       </p:sp>
       <p:sp>
         <p:nvSpPr>
-          <p:cNvPr id="262" name="CustomShape 5"/>
+          <p:cNvPr id="263" name="CustomShape 5"/>
           <p:cNvSpPr/>
           <p:nvPr/>
         </p:nvSpPr>
@@ -4503,7 +4517,7 @@
       </p:sp>
       <p:sp>
         <p:nvSpPr>
-          <p:cNvPr id="263" name="PlaceHolder 6"/>
+          <p:cNvPr id="264" name="PlaceHolder 6"/>
           <p:cNvSpPr>
             <a:spLocks noGrp="1"/>
           </p:cNvSpPr>
@@ -4561,7 +4575,7 @@
       </p:grpSpPr>
       <p:sp>
         <p:nvSpPr>
-          <p:cNvPr id="264" name="CustomShape 1"/>
+          <p:cNvPr id="265" name="CustomShape 1"/>
           <p:cNvSpPr/>
           <p:nvPr/>
         </p:nvSpPr>
@@ -4592,7 +4606,7 @@
                 <a:spcPct val="100000"/>
               </a:lnSpc>
             </a:pPr>
-            <a:fld id="{21C1A2BB-AAE5-458F-8CFC-A50BFA66BA78}" type="slidenum">
+            <a:fld id="{0DD578C9-5CC2-4B6B-97AE-235B6D8CCB92}" type="slidenum">
               <a:rPr b="0" lang="zxx" sz="1000" spc="-1" strike="noStrike">
                 <a:solidFill>
                   <a:srgbClr val="000000"/>
@@ -4604,7 +4618,7 @@
                 </a:uFill>
                 <a:latin typeface="Arial"/>
               </a:rPr>
-              <a:t>&lt;number&gt;</a:t>
+              <a:t>1</a:t>
             </a:fld>
             <a:endParaRPr b="0" lang="zxx" sz="1800" spc="-1" strike="noStrike">
               <a:solidFill>
@@ -4622,7 +4636,7 @@
       </p:sp>
       <p:sp>
         <p:nvSpPr>
-          <p:cNvPr id="265" name="CustomShape 2"/>
+          <p:cNvPr id="266" name="CustomShape 2"/>
           <p:cNvSpPr/>
           <p:nvPr/>
         </p:nvSpPr>
@@ -4648,7 +4662,7 @@
       </p:sp>
       <p:sp>
         <p:nvSpPr>
-          <p:cNvPr id="266" name="CustomShape 3"/>
+          <p:cNvPr id="267" name="CustomShape 3"/>
           <p:cNvSpPr/>
           <p:nvPr/>
         </p:nvSpPr>
@@ -4710,7 +4724,7 @@
       </p:sp>
       <p:sp>
         <p:nvSpPr>
-          <p:cNvPr id="267" name="CustomShape 4"/>
+          <p:cNvPr id="268" name="CustomShape 4"/>
           <p:cNvSpPr/>
           <p:nvPr/>
         </p:nvSpPr>
@@ -4736,7 +4750,7 @@
       </p:sp>
       <p:sp>
         <p:nvSpPr>
-          <p:cNvPr id="268" name="CustomShape 5"/>
+          <p:cNvPr id="269" name="CustomShape 5"/>
           <p:cNvSpPr/>
           <p:nvPr/>
         </p:nvSpPr>
@@ -4762,7 +4776,7 @@
       </p:sp>
       <p:sp>
         <p:nvSpPr>
-          <p:cNvPr id="269" name="PlaceHolder 6"/>
+          <p:cNvPr id="270" name="PlaceHolder 6"/>
           <p:cNvSpPr>
             <a:spLocks noGrp="1"/>
           </p:cNvSpPr>
@@ -4820,7 +4834,7 @@
       </p:grpSpPr>
       <p:sp>
         <p:nvSpPr>
-          <p:cNvPr id="270" name="CustomShape 1"/>
+          <p:cNvPr id="271" name="CustomShape 1"/>
           <p:cNvSpPr/>
           <p:nvPr/>
         </p:nvSpPr>
@@ -4851,7 +4865,7 @@
                 <a:spcPct val="100000"/>
               </a:lnSpc>
             </a:pPr>
-            <a:fld id="{080F56DE-5179-4F46-B38A-D989DFC604F9}" type="slidenum">
+            <a:fld id="{C2097B7F-6A08-4FC7-8C7A-C522779EA060}" type="slidenum">
               <a:rPr b="0" lang="zxx" sz="1000" spc="-1" strike="noStrike">
                 <a:solidFill>
                   <a:srgbClr val="000000"/>
@@ -4863,7 +4877,7 @@
                 </a:uFill>
                 <a:latin typeface="Arial"/>
               </a:rPr>
-              <a:t>&lt;number&gt;</a:t>
+              <a:t>1</a:t>
             </a:fld>
             <a:endParaRPr b="0" lang="zxx" sz="1800" spc="-1" strike="noStrike">
               <a:solidFill>
@@ -4881,7 +4895,7 @@
       </p:sp>
       <p:sp>
         <p:nvSpPr>
-          <p:cNvPr id="271" name="CustomShape 2"/>
+          <p:cNvPr id="272" name="CustomShape 2"/>
           <p:cNvSpPr/>
           <p:nvPr/>
         </p:nvSpPr>
@@ -4907,7 +4921,7 @@
       </p:sp>
       <p:sp>
         <p:nvSpPr>
-          <p:cNvPr id="272" name="CustomShape 3"/>
+          <p:cNvPr id="273" name="CustomShape 3"/>
           <p:cNvSpPr/>
           <p:nvPr/>
         </p:nvSpPr>
@@ -4969,7 +4983,7 @@
       </p:sp>
       <p:sp>
         <p:nvSpPr>
-          <p:cNvPr id="273" name="CustomShape 4"/>
+          <p:cNvPr id="274" name="CustomShape 4"/>
           <p:cNvSpPr/>
           <p:nvPr/>
         </p:nvSpPr>
@@ -4995,7 +5009,7 @@
       </p:sp>
       <p:sp>
         <p:nvSpPr>
-          <p:cNvPr id="274" name="CustomShape 5"/>
+          <p:cNvPr id="275" name="CustomShape 5"/>
           <p:cNvSpPr/>
           <p:nvPr/>
         </p:nvSpPr>
@@ -5021,7 +5035,7 @@
       </p:sp>
       <p:sp>
         <p:nvSpPr>
-          <p:cNvPr id="275" name="PlaceHolder 6"/>
+          <p:cNvPr id="276" name="PlaceHolder 6"/>
           <p:cNvSpPr>
             <a:spLocks noGrp="1"/>
           </p:cNvSpPr>
@@ -5240,7 +5254,7 @@
       </p:grpSpPr>
       <p:sp>
         <p:nvSpPr>
-          <p:cNvPr id="276" name="CustomShape 1"/>
+          <p:cNvPr id="277" name="CustomShape 1"/>
           <p:cNvSpPr/>
           <p:nvPr/>
         </p:nvSpPr>
@@ -5271,7 +5285,7 @@
                 <a:spcPct val="100000"/>
               </a:lnSpc>
             </a:pPr>
-            <a:fld id="{8398B36E-9C14-4567-BF93-EF7AE469CF54}" type="slidenum">
+            <a:fld id="{5E76EC00-82AE-47DB-BA30-E1F807B69D2B}" type="slidenum">
               <a:rPr b="0" lang="zxx" sz="1000" spc="-1" strike="noStrike">
                 <a:solidFill>
                   <a:srgbClr val="000000"/>
@@ -5283,7 +5297,7 @@
                 </a:uFill>
                 <a:latin typeface="Arial"/>
               </a:rPr>
-              <a:t>&lt;number&gt;</a:t>
+              <a:t>1</a:t>
             </a:fld>
             <a:endParaRPr b="0" lang="zxx" sz="1800" spc="-1" strike="noStrike">
               <a:solidFill>
@@ -5301,7 +5315,7 @@
       </p:sp>
       <p:sp>
         <p:nvSpPr>
-          <p:cNvPr id="277" name="CustomShape 2"/>
+          <p:cNvPr id="278" name="CustomShape 2"/>
           <p:cNvSpPr/>
           <p:nvPr/>
         </p:nvSpPr>
@@ -5327,7 +5341,7 @@
       </p:sp>
       <p:sp>
         <p:nvSpPr>
-          <p:cNvPr id="278" name="CustomShape 3"/>
+          <p:cNvPr id="279" name="CustomShape 3"/>
           <p:cNvSpPr/>
           <p:nvPr/>
         </p:nvSpPr>
@@ -5389,7 +5403,7 @@
       </p:sp>
       <p:sp>
         <p:nvSpPr>
-          <p:cNvPr id="279" name="CustomShape 4"/>
+          <p:cNvPr id="280" name="CustomShape 4"/>
           <p:cNvSpPr/>
           <p:nvPr/>
         </p:nvSpPr>
@@ -5415,7 +5429,7 @@
       </p:sp>
       <p:sp>
         <p:nvSpPr>
-          <p:cNvPr id="280" name="CustomShape 5"/>
+          <p:cNvPr id="281" name="CustomShape 5"/>
           <p:cNvSpPr/>
           <p:nvPr/>
         </p:nvSpPr>
@@ -5441,7 +5455,7 @@
       </p:sp>
       <p:sp>
         <p:nvSpPr>
-          <p:cNvPr id="281" name="PlaceHolder 6"/>
+          <p:cNvPr id="282" name="PlaceHolder 6"/>
           <p:cNvSpPr>
             <a:spLocks noGrp="1"/>
           </p:cNvSpPr>
@@ -9630,7 +9644,7 @@
                 <a:spcPct val="100000"/>
               </a:lnSpc>
             </a:pPr>
-            <a:fld id="{97771434-7265-4658-B797-2892A38B6E89}" type="slidenum">
+            <a:fld id="{A396CCD7-3825-4D10-BD15-0CC2DF150241}" type="slidenum">
               <a:rPr b="0" lang="zxx" sz="1600" spc="-1" strike="noStrike">
                 <a:solidFill>
                   <a:srgbClr val="ffffff"/>
@@ -9643,7 +9657,7 @@
                 <a:latin typeface="Arial"/>
                 <a:ea typeface="DejaVu Sans"/>
               </a:rPr>
-              <a:t>&lt;number&gt;</a:t>
+              <a:t>1</a:t>
             </a:fld>
             <a:endParaRPr b="0" lang="zxx" sz="1800" spc="-1" strike="noStrike">
               <a:solidFill>
@@ -11462,7 +11476,7 @@
                 <a:spcPct val="100000"/>
               </a:lnSpc>
             </a:pPr>
-            <a:fld id="{F61CAFE3-2BA2-42DE-BF1F-C76E2D1D9131}" type="slidenum">
+            <a:fld id="{B88207DE-C574-499E-86F7-670B849B74B7}" type="slidenum">
               <a:rPr b="0" lang="zxx" sz="1600" spc="-1" strike="noStrike">
                 <a:solidFill>
                   <a:srgbClr val="ffffff"/>
@@ -11475,7 +11489,7 @@
                 <a:latin typeface="Arial"/>
                 <a:ea typeface="DejaVu Sans"/>
               </a:rPr>
-              <a:t>&lt;number&gt;</a:t>
+              <a:t>1</a:t>
             </a:fld>
             <a:endParaRPr b="0" lang="zxx" sz="1800" spc="-1" strike="noStrike">
               <a:solidFill>
@@ -12407,7 +12421,7 @@
                 <a:spcPct val="100000"/>
               </a:lnSpc>
             </a:pPr>
-            <a:fld id="{08B6F795-F94C-4C09-A50E-7AC8EFC7D103}" type="slidenum">
+            <a:fld id="{2BB354D6-7417-4A83-AF63-21C8F1A7169D}" type="slidenum">
               <a:rPr b="0" lang="zxx" sz="1600" spc="-1" strike="noStrike">
                 <a:solidFill>
                   <a:srgbClr val="ffffff"/>
@@ -12420,7 +12434,7 @@
                 <a:latin typeface="Arial"/>
                 <a:ea typeface="DejaVu Sans"/>
               </a:rPr>
-              <a:t>&lt;number&gt;</a:t>
+              <a:t>1</a:t>
             </a:fld>
             <a:endParaRPr b="0" lang="zxx" sz="1800" spc="-1" strike="noStrike">
               <a:solidFill>
@@ -13247,7 +13261,7 @@
                 <a:spcPct val="100000"/>
               </a:lnSpc>
             </a:pPr>
-            <a:fld id="{27F44EAA-7492-4988-BF39-8DF9D19656C0}" type="slidenum">
+            <a:fld id="{2E85C0B1-CBA3-4D52-AF9E-C4B3B603B2A4}" type="slidenum">
               <a:rPr b="0" lang="zxx" sz="1600" spc="-1" strike="noStrike">
                 <a:solidFill>
                   <a:srgbClr val="ffffff"/>
@@ -13260,7 +13274,7 @@
                 <a:latin typeface="Arial"/>
                 <a:ea typeface="DejaVu Sans"/>
               </a:rPr>
-              <a:t>&lt;number&gt;</a:t>
+              <a:t>1</a:t>
             </a:fld>
             <a:endParaRPr b="0" lang="zxx" sz="1800" spc="-1" strike="noStrike">
               <a:solidFill>
@@ -13899,6 +13913,58 @@
         </p:nvSpPr>
         <p:spPr>
           <a:xfrm>
+            <a:off x="703440" y="6248520"/>
+            <a:ext cx="1897560" cy="456120"/>
+          </a:xfrm>
+          <a:prstGeom prst="rect">
+            <a:avLst/>
+          </a:prstGeom>
+          <a:noFill/>
+          <a:ln>
+            <a:noFill/>
+          </a:ln>
+        </p:spPr>
+        <p:style>
+          <a:lnRef idx="0"/>
+          <a:fillRef idx="0"/>
+          <a:effectRef idx="0"/>
+          <a:fontRef idx="minor"/>
+        </p:style>
+      </p:sp>
+      <p:sp>
+        <p:nvSpPr>
+          <p:cNvPr id="178" name="CustomShape 2"/>
+          <p:cNvSpPr/>
+          <p:nvPr/>
+        </p:nvSpPr>
+        <p:spPr>
+          <a:xfrm>
+            <a:off x="3165480" y="6248520"/>
+            <a:ext cx="2811960" cy="456120"/>
+          </a:xfrm>
+          <a:prstGeom prst="rect">
+            <a:avLst/>
+          </a:prstGeom>
+          <a:noFill/>
+          <a:ln>
+            <a:noFill/>
+          </a:ln>
+        </p:spPr>
+        <p:style>
+          <a:lnRef idx="0"/>
+          <a:fillRef idx="0"/>
+          <a:effectRef idx="0"/>
+          <a:fontRef idx="minor"/>
+        </p:style>
+      </p:sp>
+      <p:sp>
+        <p:nvSpPr>
+          <p:cNvPr id="179" name="CustomShape 3"/>
+          <p:cNvSpPr/>
+          <p:nvPr/>
+        </p:nvSpPr>
+        <p:spPr>
+          <a:xfrm>
             <a:off x="540000" y="180000"/>
             <a:ext cx="8332920" cy="898920"/>
           </a:xfrm>
@@ -13967,7 +14033,7 @@
                 <a:latin typeface="Arial"/>
                 <a:ea typeface="DejaVu Sans"/>
               </a:rPr>
-              <a:t>g: results </a:t>
+              <a:t>g: Google </a:t>
             </a:r>
             <a:r>
               <a:rPr b="0" lang="zxx" sz="3600" spc="-1" strike="noStrike">
@@ -13982,7 +14048,7 @@
                 <a:latin typeface="Arial"/>
                 <a:ea typeface="DejaVu Sans"/>
               </a:rPr>
-              <a:t>CIFAR10</a:t>
+              <a:t>WLAS</a:t>
             </a:r>
             <a:endParaRPr b="0" lang="zxx" sz="1800" spc="-1" strike="noStrike">
               <a:solidFill>
@@ -14000,14 +14066,76 @@
       </p:sp>
       <p:sp>
         <p:nvSpPr>
-          <p:cNvPr id="178" name="CustomShape 2"/>
+          <p:cNvPr id="180" name="CustomShape 4"/>
           <p:cNvSpPr/>
           <p:nvPr/>
         </p:nvSpPr>
         <p:spPr>
           <a:xfrm>
-            <a:off x="274320" y="731520"/>
-            <a:ext cx="4846320" cy="4023360"/>
+            <a:off x="0" y="6408000"/>
+            <a:ext cx="9142920" cy="484920"/>
+          </a:xfrm>
+          <a:prstGeom prst="rect">
+            <a:avLst/>
+          </a:prstGeom>
+          <a:noFill/>
+          <a:ln>
+            <a:noFill/>
+          </a:ln>
+        </p:spPr>
+        <p:style>
+          <a:lnRef idx="0"/>
+          <a:fillRef idx="0"/>
+          <a:effectRef idx="0"/>
+          <a:fontRef idx="minor"/>
+        </p:style>
+        <p:txBody>
+          <a:bodyPr lIns="0" rIns="0" tIns="0" bIns="0" anchor="ctr"/>
+          <a:p>
+            <a:pPr algn="ctr">
+              <a:lnSpc>
+                <a:spcPct val="100000"/>
+              </a:lnSpc>
+            </a:pPr>
+            <a:fld id="{CA269FEA-99EC-482F-A661-CECE9EC0497F}" type="slidenum">
+              <a:rPr b="0" lang="zxx" sz="1600" spc="-1" strike="noStrike">
+                <a:solidFill>
+                  <a:srgbClr val="ffffff"/>
+                </a:solidFill>
+                <a:uFill>
+                  <a:solidFill>
+                    <a:srgbClr val="ffffff"/>
+                  </a:solidFill>
+                </a:uFill>
+                <a:latin typeface="Arial"/>
+                <a:ea typeface="DejaVu Sans"/>
+              </a:rPr>
+              <a:t>1</a:t>
+            </a:fld>
+            <a:endParaRPr b="0" lang="zxx" sz="1800" spc="-1" strike="noStrike">
+              <a:solidFill>
+                <a:srgbClr val="000000"/>
+              </a:solidFill>
+              <a:uFill>
+                <a:solidFill>
+                  <a:srgbClr val="ffffff"/>
+                </a:solidFill>
+              </a:uFill>
+              <a:latin typeface="Arial"/>
+            </a:endParaRPr>
+          </a:p>
+        </p:txBody>
+      </p:sp>
+      <p:sp>
+        <p:nvSpPr>
+          <p:cNvPr id="181" name="CustomShape 5"/>
+          <p:cNvSpPr/>
+          <p:nvPr/>
+        </p:nvSpPr>
+        <p:spPr>
+          <a:xfrm>
+            <a:off x="251640" y="891360"/>
+            <a:ext cx="8621280" cy="5056920"/>
           </a:xfrm>
           <a:prstGeom prst="rect">
             <a:avLst/>
@@ -14026,6 +14154,110 @@
         <p:txBody>
           <a:bodyPr lIns="0" rIns="0" tIns="0" bIns="0"/>
           <a:p>
+            <a:pPr marL="360000" indent="-358920">
+              <a:lnSpc>
+                <a:spcPct val="100000"/>
+              </a:lnSpc>
+              <a:buClr>
+                <a:srgbClr val="00407a"/>
+              </a:buClr>
+              <a:buSzPct val="110000"/>
+              <a:buFont typeface="Arial"/>
+              <a:buChar char="•"/>
+            </a:pPr>
+            <a:r>
+              <a:rPr b="0" lang="zxx" sz="2000" spc="-1" strike="noStrike">
+                <a:solidFill>
+                  <a:srgbClr val="00407a"/>
+                </a:solidFill>
+                <a:uFill>
+                  <a:solidFill>
+                    <a:srgbClr val="ffffff"/>
+                  </a:solidFill>
+                </a:uFill>
+                <a:latin typeface="Arial"/>
+                <a:ea typeface="DejaVu Sans"/>
+              </a:rPr>
+              <a:t> </a:t>
+            </a:r>
+            <a:endParaRPr b="0" lang="zxx" sz="1800" spc="-1" strike="noStrike">
+              <a:solidFill>
+                <a:srgbClr val="000000"/>
+              </a:solidFill>
+              <a:uFill>
+                <a:solidFill>
+                  <a:srgbClr val="ffffff"/>
+                </a:solidFill>
+              </a:uFill>
+              <a:latin typeface="Arial"/>
+            </a:endParaRPr>
+          </a:p>
+          <a:p>
+            <a:pPr>
+              <a:lnSpc>
+                <a:spcPct val="100000"/>
+              </a:lnSpc>
+            </a:pPr>
+            <a:endParaRPr b="0" lang="zxx" sz="1800" spc="-1" strike="noStrike">
+              <a:solidFill>
+                <a:srgbClr val="000000"/>
+              </a:solidFill>
+              <a:uFill>
+                <a:solidFill>
+                  <a:srgbClr val="ffffff"/>
+                </a:solidFill>
+              </a:uFill>
+              <a:latin typeface="Arial"/>
+            </a:endParaRPr>
+          </a:p>
+          <a:p>
+            <a:pPr>
+              <a:lnSpc>
+                <a:spcPct val="100000"/>
+              </a:lnSpc>
+            </a:pPr>
+            <a:endParaRPr b="0" lang="zxx" sz="1800" spc="-1" strike="noStrike">
+              <a:solidFill>
+                <a:srgbClr val="000000"/>
+              </a:solidFill>
+              <a:uFill>
+                <a:solidFill>
+                  <a:srgbClr val="ffffff"/>
+                </a:solidFill>
+              </a:uFill>
+              <a:latin typeface="Arial"/>
+            </a:endParaRPr>
+          </a:p>
+        </p:txBody>
+      </p:sp>
+      <p:sp>
+        <p:nvSpPr>
+          <p:cNvPr id="182" name="CustomShape 6"/>
+          <p:cNvSpPr/>
+          <p:nvPr/>
+        </p:nvSpPr>
+        <p:spPr>
+          <a:xfrm>
+            <a:off x="251640" y="963720"/>
+            <a:ext cx="8784000" cy="4796280"/>
+          </a:xfrm>
+          <a:prstGeom prst="rect">
+            <a:avLst/>
+          </a:prstGeom>
+          <a:noFill/>
+          <a:ln>
+            <a:noFill/>
+          </a:ln>
+        </p:spPr>
+        <p:style>
+          <a:lnRef idx="0"/>
+          <a:fillRef idx="0"/>
+          <a:effectRef idx="0"/>
+          <a:fontRef idx="minor"/>
+        </p:style>
+        <p:txBody>
+          <a:bodyPr lIns="0" rIns="0" tIns="0" bIns="0"/>
+          <a:p>
             <a:pPr>
               <a:lnSpc>
                 <a:spcPct val="100000"/>
@@ -14068,100 +14300,7 @@
                 <a:latin typeface="Arial"/>
                 <a:ea typeface="DejaVu Sans"/>
               </a:rPr>
-              <a:t>Train and test </a:t>
-            </a:r>
-            <a:r>
-              <a:rPr b="0" lang="zxx" sz="2000" spc="-1" strike="noStrike">
-                <a:solidFill>
-                  <a:srgbClr val="00407a"/>
-                </a:solidFill>
-                <a:uFill>
-                  <a:solidFill>
-                    <a:srgbClr val="ffffff"/>
-                  </a:solidFill>
-                </a:uFill>
-                <a:latin typeface="Arial"/>
-                <a:ea typeface="DejaVu Sans"/>
-              </a:rPr>
-              <a:t>on lipspeakers:</a:t>
-            </a:r>
-            <a:endParaRPr b="0" lang="zxx" sz="1800" spc="-1" strike="noStrike">
-              <a:solidFill>
-                <a:srgbClr val="000000"/>
-              </a:solidFill>
-              <a:uFill>
-                <a:solidFill>
-                  <a:srgbClr val="ffffff"/>
-                </a:solidFill>
-              </a:uFill>
-              <a:latin typeface="Arial"/>
-            </a:endParaRPr>
-          </a:p>
-          <a:p>
-            <a:pPr lvl="4" marL="1080000" indent="-216000">
-              <a:lnSpc>
-                <a:spcPct val="100000"/>
-              </a:lnSpc>
-              <a:buClr>
-                <a:srgbClr val="000000"/>
-              </a:buClr>
-              <a:buSzPct val="45000"/>
-              <a:buFont typeface="Wingdings" charset="2"/>
-              <a:buChar char=""/>
-            </a:pPr>
-            <a:r>
-              <a:rPr b="0" lang="zxx" sz="2000" spc="-1" strike="noStrike">
-                <a:solidFill>
-                  <a:srgbClr val="00407a"/>
-                </a:solidFill>
-                <a:uFill>
-                  <a:solidFill>
-                    <a:srgbClr val="ffffff"/>
-                  </a:solidFill>
-                </a:uFill>
-                <a:latin typeface="Arial"/>
-                <a:ea typeface="DejaVu Sans"/>
-              </a:rPr>
-              <a:t> </a:t>
-            </a:r>
-            <a:endParaRPr b="0" lang="zxx" sz="1800" spc="-1" strike="noStrike">
-              <a:solidFill>
-                <a:srgbClr val="000000"/>
-              </a:solidFill>
-              <a:uFill>
-                <a:solidFill>
-                  <a:srgbClr val="ffffff"/>
-                </a:solidFill>
-              </a:uFill>
-              <a:latin typeface="Arial"/>
-            </a:endParaRPr>
-          </a:p>
-          <a:p>
-            <a:pPr lvl="4" marL="1080000" indent="-216000">
-              <a:lnSpc>
-                <a:spcPct val="100000"/>
-              </a:lnSpc>
-              <a:buClr>
-                <a:srgbClr val="000000"/>
-              </a:buClr>
-              <a:buSzPct val="45000"/>
-              <a:buFont typeface="Wingdings" charset="2"/>
-              <a:buChar char=""/>
-            </a:pPr>
-            <a:r>
-              <a:rPr b="0" lang="zxx" sz="2000" spc="-1" strike="noStrike">
-                <a:solidFill>
-                  <a:srgbClr val="00407a"/>
-                </a:solidFill>
-                <a:uFill>
-                  <a:solidFill>
-                    <a:srgbClr val="ffffff"/>
-                  </a:solidFill>
-                </a:uFill>
-                <a:latin typeface="Arial"/>
-                <a:ea typeface="DejaVu Sans"/>
-              </a:rPr>
-              <a:t> </a:t>
+              <a:t>Nov 2016</a:t>
             </a:r>
             <a:endParaRPr b="0" lang="zxx" sz="1800" spc="-1" strike="noStrike">
               <a:solidFill>
@@ -14200,7 +14339,22 @@
                 <a:latin typeface="Arial"/>
                 <a:ea typeface="DejaVu Sans"/>
               </a:rPr>
-              <a:t> </a:t>
+              <a:t>Goal: transcribe videos of </a:t>
+            </a:r>
+            <a:r>
+              <a:rPr b="0" lang="zxx" sz="2000" spc="-1" strike="noStrike">
+                <a:solidFill>
+                  <a:srgbClr val="00407a"/>
+                </a:solidFill>
+                <a:uFill>
+                  <a:solidFill>
+                    <a:srgbClr val="ffffff"/>
+                  </a:solidFill>
+                </a:uFill>
+                <a:latin typeface="Arial"/>
+                <a:ea typeface="DejaVu Sans"/>
+              </a:rPr>
+              <a:t>mouth motion to characters</a:t>
             </a:r>
             <a:endParaRPr b="0" lang="zxx" sz="1800" spc="-1" strike="noStrike">
               <a:solidFill>
@@ -14239,7 +14393,7 @@
                 <a:latin typeface="Arial"/>
                 <a:ea typeface="DejaVu Sans"/>
               </a:rPr>
-              <a:t>Trained and </a:t>
+              <a:t>Beats a professional lip </a:t>
             </a:r>
             <a:r>
               <a:rPr b="0" lang="zxx" sz="2000" spc="-1" strike="noStrike">
@@ -14254,7 +14408,7 @@
                 <a:latin typeface="Arial"/>
                 <a:ea typeface="DejaVu Sans"/>
               </a:rPr>
-              <a:t>test on </a:t>
+              <a:t>reader on videos from BBC </a:t>
             </a:r>
             <a:r>
               <a:rPr b="0" lang="zxx" sz="2000" spc="-1" strike="noStrike">
@@ -14269,7 +14423,7 @@
                 <a:latin typeface="Arial"/>
                 <a:ea typeface="DejaVu Sans"/>
               </a:rPr>
-              <a:t>volunteers:</a:t>
+              <a:t>television</a:t>
             </a:r>
             <a:endParaRPr b="0" lang="zxx" sz="1800" spc="-1" strike="noStrike">
               <a:solidFill>
@@ -14308,32 +14462,8 @@
                 <a:latin typeface="Arial"/>
                 <a:ea typeface="DejaVu Sans"/>
               </a:rPr>
-              <a:t> </a:t>
-            </a:r>
-            <a:endParaRPr b="0" lang="zxx" sz="1800" spc="-1" strike="noStrike">
-              <a:solidFill>
-                <a:srgbClr val="000000"/>
-              </a:solidFill>
-              <a:uFill>
-                <a:solidFill>
-                  <a:srgbClr val="ffffff"/>
-                </a:solidFill>
-              </a:uFill>
-              <a:latin typeface="Arial"/>
-            </a:endParaRPr>
-          </a:p>
-          <a:p>
-            <a:pPr marL="216000" indent="-215280">
-              <a:lnSpc>
-                <a:spcPct val="100000"/>
-              </a:lnSpc>
-              <a:buClr>
-                <a:srgbClr val="000000"/>
-              </a:buClr>
-              <a:buSzPct val="45000"/>
-              <a:buFont typeface="Wingdings" charset="2"/>
-              <a:buChar char=""/>
-            </a:pPr>
+              <a:t>3 parts, merged with </a:t>
+            </a:r>
             <a:r>
               <a:rPr b="0" lang="zxx" sz="2000" spc="-1" strike="noStrike">
                 <a:solidFill>
@@ -14347,177 +14477,8 @@
                 <a:latin typeface="Arial"/>
                 <a:ea typeface="DejaVu Sans"/>
               </a:rPr>
-              <a:t> </a:t>
-            </a:r>
-            <a:endParaRPr b="0" lang="zxx" sz="1800" spc="-1" strike="noStrike">
-              <a:solidFill>
-                <a:srgbClr val="000000"/>
-              </a:solidFill>
-              <a:uFill>
-                <a:solidFill>
-                  <a:srgbClr val="ffffff"/>
-                </a:solidFill>
-              </a:uFill>
-              <a:latin typeface="Arial"/>
-            </a:endParaRPr>
-          </a:p>
-          <a:p>
-            <a:pPr marL="216000" indent="-215280">
-              <a:lnSpc>
-                <a:spcPct val="100000"/>
-              </a:lnSpc>
-              <a:buClr>
-                <a:srgbClr val="000000"/>
-              </a:buClr>
-              <a:buSzPct val="45000"/>
-              <a:buFont typeface="Wingdings" charset="2"/>
-              <a:buChar char=""/>
-            </a:pPr>
-            <a:r>
-              <a:rPr b="0" lang="zxx" sz="2000" spc="-1" strike="noStrike">
-                <a:solidFill>
-                  <a:srgbClr val="00407a"/>
-                </a:solidFill>
-                <a:uFill>
-                  <a:solidFill>
-                    <a:srgbClr val="ffffff"/>
-                  </a:solidFill>
-                </a:uFill>
-                <a:latin typeface="Arial"/>
-                <a:ea typeface="DejaVu Sans"/>
-              </a:rPr>
-              <a:t> </a:t>
-            </a:r>
-            <a:endParaRPr b="0" lang="zxx" sz="1800" spc="-1" strike="noStrike">
-              <a:solidFill>
-                <a:srgbClr val="000000"/>
-              </a:solidFill>
-              <a:uFill>
-                <a:solidFill>
-                  <a:srgbClr val="ffffff"/>
-                </a:solidFill>
-              </a:uFill>
-              <a:latin typeface="Arial"/>
-            </a:endParaRPr>
-          </a:p>
-          <a:p>
-            <a:pPr marL="216000" indent="-215280">
-              <a:lnSpc>
-                <a:spcPct val="100000"/>
-              </a:lnSpc>
-              <a:buClr>
-                <a:srgbClr val="000000"/>
-              </a:buClr>
-              <a:buSzPct val="45000"/>
-              <a:buFont typeface="Wingdings" charset="2"/>
-              <a:buChar char=""/>
-            </a:pPr>
-            <a:r>
-              <a:rPr b="0" lang="zxx" sz="2000" spc="-1" strike="noStrike">
-                <a:solidFill>
-                  <a:srgbClr val="00407a"/>
-                </a:solidFill>
-                <a:uFill>
-                  <a:solidFill>
-                    <a:srgbClr val="ffffff"/>
-                  </a:solidFill>
-                </a:uFill>
-                <a:latin typeface="Arial"/>
-                <a:ea typeface="DejaVu Sans"/>
-              </a:rPr>
-              <a:t> </a:t>
-            </a:r>
-            <a:endParaRPr b="0" lang="zxx" sz="1800" spc="-1" strike="noStrike">
-              <a:solidFill>
-                <a:srgbClr val="000000"/>
-              </a:solidFill>
-              <a:uFill>
-                <a:solidFill>
-                  <a:srgbClr val="ffffff"/>
-                </a:solidFill>
-              </a:uFill>
-              <a:latin typeface="Arial"/>
-            </a:endParaRPr>
-          </a:p>
-          <a:p>
-            <a:pPr marL="216000" indent="-215280">
-              <a:lnSpc>
-                <a:spcPct val="100000"/>
-              </a:lnSpc>
-              <a:buClr>
-                <a:srgbClr val="000000"/>
-              </a:buClr>
-              <a:buSzPct val="45000"/>
-              <a:buFont typeface="Wingdings" charset="2"/>
-              <a:buChar char=""/>
-            </a:pPr>
-            <a:r>
-              <a:rPr b="0" lang="zxx" sz="2000" spc="-1" strike="noStrike">
-                <a:solidFill>
-                  <a:srgbClr val="00407a"/>
-                </a:solidFill>
-                <a:uFill>
-                  <a:solidFill>
-                    <a:srgbClr val="ffffff"/>
-                  </a:solidFill>
-                </a:uFill>
-                <a:latin typeface="Arial"/>
-                <a:ea typeface="DejaVu Sans"/>
-              </a:rPr>
-              <a:t> </a:t>
-            </a:r>
-            <a:endParaRPr b="0" lang="zxx" sz="1800" spc="-1" strike="noStrike">
-              <a:solidFill>
-                <a:srgbClr val="000000"/>
-              </a:solidFill>
-              <a:uFill>
-                <a:solidFill>
-                  <a:srgbClr val="ffffff"/>
-                </a:solidFill>
-              </a:uFill>
-              <a:latin typeface="Arial"/>
-            </a:endParaRPr>
-          </a:p>
-          <a:p>
-            <a:pPr marL="216000" indent="-215280">
-              <a:lnSpc>
-                <a:spcPct val="100000"/>
-              </a:lnSpc>
-              <a:buClr>
-                <a:srgbClr val="000000"/>
-              </a:buClr>
-              <a:buSzPct val="45000"/>
-              <a:buFont typeface="Wingdings" charset="2"/>
-              <a:buChar char=""/>
-            </a:pPr>
-            <a:r>
-              <a:rPr b="0" lang="zxx" sz="2000" spc="-1" strike="noStrike">
-                <a:solidFill>
-                  <a:srgbClr val="00407a"/>
-                </a:solidFill>
-                <a:uFill>
-                  <a:solidFill>
-                    <a:srgbClr val="ffffff"/>
-                  </a:solidFill>
-                </a:uFill>
-                <a:latin typeface="Arial"/>
-                <a:ea typeface="DejaVu Sans"/>
-              </a:rPr>
-              <a:t> </a:t>
-            </a:r>
-            <a:endParaRPr b="0" lang="zxx" sz="1800" spc="-1" strike="noStrike">
-              <a:solidFill>
-                <a:srgbClr val="000000"/>
-              </a:solidFill>
-              <a:uFill>
-                <a:solidFill>
-                  <a:srgbClr val="ffffff"/>
-                </a:solidFill>
-              </a:uFill>
-              <a:latin typeface="Arial"/>
-            </a:endParaRPr>
-          </a:p>
-          <a:p>
+              <a:t>alignment mechanism</a:t>
+            </a:r>
             <a:endParaRPr b="0" lang="zxx" sz="1800" spc="-1" strike="noStrike">
               <a:solidFill>
                 <a:srgbClr val="000000"/>
@@ -14532,270 +14493,39 @@
           </a:p>
         </p:txBody>
       </p:sp>
-      <p:graphicFrame>
-        <p:nvGraphicFramePr>
-          <p:cNvPr id="179" name="Table 3"/>
-          <p:cNvGraphicFramePr/>
+      <p:pic>
+        <p:nvPicPr>
+          <p:cNvPr id="183" name="" descr=""/>
+          <p:cNvPicPr/>
           <p:nvPr/>
-        </p:nvGraphicFramePr>
-        <p:xfrm>
-          <a:off x="542880" y="3281400"/>
-          <a:ext cx="3227040" cy="1211400"/>
-        </p:xfrm>
-        <a:graphic>
-          <a:graphicData uri="http://schemas.openxmlformats.org/drawingml/2006/table">
-            <a:tbl>
-              <a:tblPr/>
-              <a:tblGrid>
-                <a:gridCol w="2212560"/>
-                <a:gridCol w="1014480"/>
-              </a:tblGrid>
-              <a:tr h="279360">
-                <a:tc>
-                  <a:txBody>
-                    <a:bodyPr lIns="90000" rIns="90000" tIns="46800" bIns="46800"/>
-                    <a:p>
-                      <a:r>
-                        <a:rPr b="0" lang="zxx" sz="1800" spc="-1" strike="noStrike">
-                          <a:solidFill>
-                            <a:srgbClr val="ffffff"/>
-                          </a:solidFill>
-                          <a:uFill>
-                            <a:solidFill>
-                              <a:srgbClr val="ffffff"/>
-                            </a:solidFill>
-                          </a:uFill>
-                          <a:latin typeface="Arial"/>
-                        </a:rPr>
-                        <a:t>validation error rate: </a:t>
-                      </a:r>
-                      <a:endParaRPr b="0" lang="zxx" sz="1800" spc="-1" strike="noStrike">
-                        <a:solidFill>
-                          <a:srgbClr val="ffffff"/>
-                        </a:solidFill>
-                        <a:uFill>
-                          <a:solidFill>
-                            <a:srgbClr val="ffffff"/>
-                          </a:solidFill>
-                        </a:uFill>
-                        <a:latin typeface="Arial"/>
-                      </a:endParaRPr>
-                    </a:p>
-                  </a:txBody>
-                  <a:tcPr marL="90000" marR="90000">
-                    <a:lnL w="720">
-                      <a:solidFill>
-                        <a:srgbClr val="ffffff"/>
-                      </a:solidFill>
-                    </a:lnL>
-                    <a:lnR w="720">
-                      <a:solidFill>
-                        <a:srgbClr val="ffffff"/>
-                      </a:solidFill>
-                    </a:lnR>
-                    <a:lnT w="720">
-                      <a:solidFill>
-                        <a:srgbClr val="ffffff"/>
-                      </a:solidFill>
-                    </a:lnT>
-                    <a:lnB w="720">
-                      <a:solidFill>
-                        <a:srgbClr val="ffffff"/>
-                      </a:solidFill>
-                    </a:lnB>
-                    <a:solidFill>
-                      <a:srgbClr val="76b1c7"/>
-                    </a:solidFill>
-                  </a:tcPr>
-                </a:tc>
-                <a:tc>
-                  <a:txBody>
-                    <a:bodyPr lIns="90000" rIns="90000" tIns="46800" bIns="46800"/>
-                    <a:p>
-                      <a:r>
-                        <a:rPr b="0" lang="zxx" sz="1800" spc="-1" strike="noStrike">
-                          <a:solidFill>
-                            <a:srgbClr val="ffffff"/>
-                          </a:solidFill>
-                          <a:uFill>
-                            <a:solidFill>
-                              <a:srgbClr val="ffffff"/>
-                            </a:solidFill>
-                          </a:uFill>
-                          <a:latin typeface="Arial"/>
-                        </a:rPr>
-                        <a:t>74.48%</a:t>
-                      </a:r>
-                      <a:endParaRPr b="0" lang="zxx" sz="1800" spc="-1" strike="noStrike">
-                        <a:solidFill>
-                          <a:srgbClr val="ffffff"/>
-                        </a:solidFill>
-                        <a:uFill>
-                          <a:solidFill>
-                            <a:srgbClr val="ffffff"/>
-                          </a:solidFill>
-                        </a:uFill>
-                        <a:latin typeface="Arial"/>
-                      </a:endParaRPr>
-                    </a:p>
-                  </a:txBody>
-                  <a:tcPr marL="90000" marR="90000">
-                    <a:lnL w="720">
-                      <a:solidFill>
-                        <a:srgbClr val="ffffff"/>
-                      </a:solidFill>
-                    </a:lnL>
-                    <a:lnR w="720">
-                      <a:solidFill>
-                        <a:srgbClr val="ffffff"/>
-                      </a:solidFill>
-                    </a:lnR>
-                    <a:lnT w="720">
-                      <a:solidFill>
-                        <a:srgbClr val="ffffff"/>
-                      </a:solidFill>
-                    </a:lnT>
-                    <a:lnB w="720">
-                      <a:solidFill>
-                        <a:srgbClr val="ffffff"/>
-                      </a:solidFill>
-                    </a:lnB>
-                    <a:solidFill>
-                      <a:srgbClr val="76b1c7"/>
-                    </a:solidFill>
-                  </a:tcPr>
-                </a:tc>
-              </a:tr>
-              <a:tr h="349920">
-                <a:tc>
-                  <a:txBody>
-                    <a:bodyPr lIns="90000" rIns="90000" tIns="46800" bIns="46800"/>
-                    <a:p>
-                      <a:r>
-                        <a:rPr b="0" lang="zxx" sz="1800" spc="-1" strike="noStrike">
-                          <a:solidFill>
-                            <a:srgbClr val="ffffff"/>
-                          </a:solidFill>
-                          <a:uFill>
-                            <a:solidFill>
-                              <a:srgbClr val="ffffff"/>
-                            </a:solidFill>
-                          </a:uFill>
-                          <a:latin typeface="Arial"/>
-                        </a:rPr>
-                        <a:t>test error rate:  </a:t>
-                      </a:r>
-                      <a:endParaRPr b="0" lang="zxx" sz="1800" spc="-1" strike="noStrike">
-                        <a:solidFill>
-                          <a:srgbClr val="ffffff"/>
-                        </a:solidFill>
-                        <a:uFill>
-                          <a:solidFill>
-                            <a:srgbClr val="ffffff"/>
-                          </a:solidFill>
-                        </a:uFill>
-                        <a:latin typeface="Arial"/>
-                      </a:endParaRPr>
-                    </a:p>
-                  </a:txBody>
-                  <a:tcPr marL="90000" marR="90000">
-                    <a:lnL w="720">
-                      <a:solidFill>
-                        <a:srgbClr val="ffffff"/>
-                      </a:solidFill>
-                    </a:lnL>
-                    <a:lnR w="720">
-                      <a:solidFill>
-                        <a:srgbClr val="ffffff"/>
-                      </a:solidFill>
-                    </a:lnR>
-                    <a:lnT w="720">
-                      <a:solidFill>
-                        <a:srgbClr val="ffffff"/>
-                      </a:solidFill>
-                    </a:lnT>
-                    <a:lnB w="720">
-                      <a:solidFill>
-                        <a:srgbClr val="ffffff"/>
-                      </a:solidFill>
-                    </a:lnB>
-                    <a:solidFill>
-                      <a:srgbClr val="76b1c7"/>
-                    </a:solidFill>
-                  </a:tcPr>
-                </a:tc>
-                <a:tc>
-                  <a:txBody>
-                    <a:bodyPr lIns="90000" rIns="90000" tIns="46800" bIns="46800"/>
-                    <a:p>
-                      <a:r>
-                        <a:rPr b="0" lang="zxx" sz="1800" spc="-1" strike="noStrike">
-                          <a:solidFill>
-                            <a:srgbClr val="ffffff"/>
-                          </a:solidFill>
-                          <a:uFill>
-                            <a:solidFill>
-                              <a:srgbClr val="ffffff"/>
-                            </a:solidFill>
-                          </a:uFill>
-                          <a:latin typeface="Arial"/>
-                        </a:rPr>
-                        <a:t>72.76%</a:t>
-                      </a:r>
-                      <a:endParaRPr b="0" lang="zxx" sz="1800" spc="-1" strike="noStrike">
-                        <a:solidFill>
-                          <a:srgbClr val="ffffff"/>
-                        </a:solidFill>
-                        <a:uFill>
-                          <a:solidFill>
-                            <a:srgbClr val="ffffff"/>
-                          </a:solidFill>
-                        </a:uFill>
-                        <a:latin typeface="Arial"/>
-                      </a:endParaRPr>
-                    </a:p>
-                  </a:txBody>
-                  <a:tcPr marL="90000" marR="90000">
-                    <a:lnL w="720">
-                      <a:solidFill>
-                        <a:srgbClr val="ffffff"/>
-                      </a:solidFill>
-                    </a:lnL>
-                    <a:lnR w="720">
-                      <a:solidFill>
-                        <a:srgbClr val="ffffff"/>
-                      </a:solidFill>
-                    </a:lnR>
-                    <a:lnT w="720">
-                      <a:solidFill>
-                        <a:srgbClr val="ffffff"/>
-                      </a:solidFill>
-                    </a:lnT>
-                    <a:lnB w="720">
-                      <a:solidFill>
-                        <a:srgbClr val="ffffff"/>
-                      </a:solidFill>
-                    </a:lnB>
-                    <a:solidFill>
-                      <a:srgbClr val="76b1c7"/>
-                    </a:solidFill>
-                  </a:tcPr>
-                </a:tc>
-              </a:tr>
-            </a:tbl>
-          </a:graphicData>
-        </a:graphic>
-      </p:graphicFrame>
-      <p:sp>
-        <p:nvSpPr>
-          <p:cNvPr id="180" name="TextShape 4"/>
+        </p:nvPicPr>
+        <p:blipFill>
+          <a:blip r:embed="rId1"/>
+          <a:stretch/>
+        </p:blipFill>
+        <p:spPr>
+          <a:xfrm>
+            <a:off x="3052080" y="3200400"/>
+            <a:ext cx="2982960" cy="948240"/>
+          </a:xfrm>
+          <a:prstGeom prst="rect">
+            <a:avLst/>
+          </a:prstGeom>
+          <a:ln>
+            <a:noFill/>
+          </a:ln>
+        </p:spPr>
+      </p:pic>
+      <p:sp>
+        <p:nvSpPr>
+          <p:cNvPr id="184" name="TextShape 7"/>
           <p:cNvSpPr txBox="1"/>
           <p:nvPr/>
         </p:nvSpPr>
         <p:spPr>
           <a:xfrm>
-            <a:off x="4114800" y="1188720"/>
-            <a:ext cx="4572000" cy="4114800"/>
+            <a:off x="805320" y="4754880"/>
+            <a:ext cx="6967080" cy="346680"/>
           </a:xfrm>
           <a:prstGeom prst="rect">
             <a:avLst/>
@@ -14808,136 +14538,20 @@
         <p:txBody>
           <a:bodyPr lIns="90000" rIns="90000" tIns="45000" bIns="45000"/>
           <a:p>
-            <a:pPr marL="216000" indent="-215280">
-              <a:buClr>
-                <a:srgbClr val="000000"/>
-              </a:buClr>
-              <a:buSzPct val="45000"/>
-              <a:buFont typeface="Wingdings" charset="2"/>
-              <a:buChar char=""/>
-            </a:pPr>
-            <a:r>
-              <a:rPr b="0" lang="zxx" sz="2000" spc="-1" strike="noStrike">
-                <a:solidFill>
-                  <a:srgbClr val="00407a"/>
-                </a:solidFill>
-                <a:uFill>
-                  <a:solidFill>
-                    <a:srgbClr val="ffffff"/>
-                  </a:solidFill>
-                </a:uFill>
-                <a:latin typeface="Arial"/>
-                <a:ea typeface="DejaVu Sans"/>
-              </a:rPr>
-              <a:t>Training takes about 5x longer than on Google network (500s/epoch)</a:t>
-            </a:r>
-            <a:endParaRPr b="0" lang="zxx" sz="1800" spc="-1" strike="noStrike">
-              <a:solidFill>
-                <a:srgbClr val="000000"/>
-              </a:solidFill>
-              <a:uFill>
-                <a:solidFill>
-                  <a:srgbClr val="ffffff"/>
-                </a:solidFill>
-              </a:uFill>
-              <a:latin typeface="Arial"/>
-            </a:endParaRPr>
-          </a:p>
-          <a:p>
-            <a:pPr marL="216000" indent="-215280">
-              <a:buClr>
-                <a:srgbClr val="000000"/>
-              </a:buClr>
-              <a:buSzPct val="45000"/>
-              <a:buFont typeface="Wingdings" charset="2"/>
-              <a:buChar char=""/>
-            </a:pPr>
-            <a:r>
-              <a:rPr b="0" lang="zxx" sz="2000" spc="-1" strike="noStrike">
-                <a:solidFill>
-                  <a:srgbClr val="00407a"/>
-                </a:solidFill>
-                <a:uFill>
-                  <a:solidFill>
-                    <a:srgbClr val="ffffff"/>
-                  </a:solidFill>
-                </a:uFill>
-                <a:latin typeface="Arial"/>
-                <a:ea typeface="DejaVu Sans"/>
-              </a:rPr>
-              <a:t>Performance not better</a:t>
-            </a:r>
-            <a:endParaRPr b="0" lang="zxx" sz="1800" spc="-1" strike="noStrike">
-              <a:solidFill>
-                <a:srgbClr val="000000"/>
-              </a:solidFill>
-              <a:uFill>
-                <a:solidFill>
-                  <a:srgbClr val="ffffff"/>
-                </a:solidFill>
-              </a:uFill>
-              <a:latin typeface="Arial"/>
-            </a:endParaRPr>
-          </a:p>
-          <a:p>
-            <a:pPr marL="216000" indent="-215280">
-              <a:buClr>
-                <a:srgbClr val="000000"/>
-              </a:buClr>
-              <a:buSzPct val="45000"/>
-              <a:buFont typeface="Wingdings" charset="2"/>
-              <a:buChar char=""/>
-            </a:pPr>
-            <a:r>
-              <a:rPr b="0" lang="zxx" sz="2000" spc="-1" strike="noStrike">
-                <a:solidFill>
-                  <a:srgbClr val="00407a"/>
-                </a:solidFill>
-                <a:uFill>
-                  <a:solidFill>
-                    <a:srgbClr val="ffffff"/>
-                  </a:solidFill>
-                </a:uFill>
-                <a:latin typeface="Arial"/>
-                <a:ea typeface="DejaVu Sans"/>
-              </a:rPr>
-              <a:t>Many more layers, more complex architecture with more parameters</a:t>
-            </a:r>
-            <a:endParaRPr b="0" lang="zxx" sz="1800" spc="-1" strike="noStrike">
-              <a:solidFill>
-                <a:srgbClr val="000000"/>
-              </a:solidFill>
-              <a:uFill>
-                <a:solidFill>
-                  <a:srgbClr val="ffffff"/>
-                </a:solidFill>
-              </a:uFill>
-              <a:latin typeface="Arial"/>
-            </a:endParaRPr>
-          </a:p>
-          <a:p>
-            <a:pPr marL="216000" indent="-215280">
-              <a:buClr>
-                <a:srgbClr val="000000"/>
-              </a:buClr>
-              <a:buSzPct val="45000"/>
-              <a:buFont typeface="Wingdings" charset="2"/>
-              <a:buChar char=""/>
-            </a:pPr>
-            <a:r>
-              <a:rPr b="0" lang="zxx" sz="2000" spc="-1" strike="noStrike">
-                <a:solidFill>
-                  <a:srgbClr val="00407a"/>
-                </a:solidFill>
-                <a:uFill>
-                  <a:solidFill>
-                    <a:srgbClr val="ffffff"/>
-                  </a:solidFill>
-                </a:uFill>
-                <a:latin typeface="Arial"/>
-                <a:ea typeface="DejaVu Sans"/>
-              </a:rPr>
-              <a:t>-&gt; don't use for lipreading</a:t>
+            <a:r>
+              <a:rPr b="0" lang="zxx" sz="1800" spc="-1" strike="noStrike">
+                <a:solidFill>
+                  <a:srgbClr val="000000"/>
+                </a:solidFill>
+                <a:uFill>
+                  <a:solidFill>
+                    <a:srgbClr val="ffffff"/>
+                  </a:solidFill>
+                </a:uFill>
+                <a:latin typeface="Arial"/>
+                <a:hlinkClick r:id="rId2"/>
+              </a:rPr>
+              <a:t>https://www.youtube.com/watch?v=5aogzAUPilE&amp;feature=youtu.be</a:t>
             </a:r>
             <a:endParaRPr b="0" lang="zxx" sz="1800" spc="-1" strike="noStrike">
               <a:solidFill>
@@ -14953,260 +14567,6 @@
           </a:p>
         </p:txBody>
       </p:sp>
-      <p:graphicFrame>
-        <p:nvGraphicFramePr>
-          <p:cNvPr id="181" name="Table 5"/>
-          <p:cNvGraphicFramePr/>
-          <p:nvPr/>
-        </p:nvGraphicFramePr>
-        <p:xfrm>
-          <a:off x="557280" y="1656000"/>
-          <a:ext cx="3227760" cy="862200"/>
-        </p:xfrm>
-        <a:graphic>
-          <a:graphicData uri="http://schemas.openxmlformats.org/drawingml/2006/table">
-            <a:tbl>
-              <a:tblPr/>
-              <a:tblGrid>
-                <a:gridCol w="2212920"/>
-                <a:gridCol w="1014840"/>
-              </a:tblGrid>
-              <a:tr h="318600">
-                <a:tc>
-                  <a:txBody>
-                    <a:bodyPr lIns="90000" rIns="90000" tIns="46800" bIns="46800"/>
-                    <a:p>
-                      <a:r>
-                        <a:rPr b="0" lang="zxx" sz="1800" spc="-1" strike="noStrike">
-                          <a:solidFill>
-                            <a:srgbClr val="ffffff"/>
-                          </a:solidFill>
-                          <a:uFill>
-                            <a:solidFill>
-                              <a:srgbClr val="ffffff"/>
-                            </a:solidFill>
-                          </a:uFill>
-                          <a:latin typeface="Arial"/>
-                        </a:rPr>
-                        <a:t>validation error rate: </a:t>
-                      </a:r>
-                      <a:endParaRPr b="0" lang="zxx" sz="1800" spc="-1" strike="noStrike">
-                        <a:solidFill>
-                          <a:srgbClr val="ffffff"/>
-                        </a:solidFill>
-                        <a:uFill>
-                          <a:solidFill>
-                            <a:srgbClr val="ffffff"/>
-                          </a:solidFill>
-                        </a:uFill>
-                        <a:latin typeface="Arial"/>
-                      </a:endParaRPr>
-                    </a:p>
-                  </a:txBody>
-                  <a:tcPr marL="90000" marR="90000">
-                    <a:lnL w="720">
-                      <a:solidFill>
-                        <a:srgbClr val="ffffff"/>
-                      </a:solidFill>
-                    </a:lnL>
-                    <a:lnR w="720">
-                      <a:solidFill>
-                        <a:srgbClr val="ffffff"/>
-                      </a:solidFill>
-                    </a:lnR>
-                    <a:lnT w="720">
-                      <a:solidFill>
-                        <a:srgbClr val="ffffff"/>
-                      </a:solidFill>
-                    </a:lnT>
-                    <a:lnB w="720">
-                      <a:solidFill>
-                        <a:srgbClr val="ffffff"/>
-                      </a:solidFill>
-                    </a:lnB>
-                    <a:solidFill>
-                      <a:srgbClr val="76b1c7"/>
-                    </a:solidFill>
-                  </a:tcPr>
-                </a:tc>
-                <a:tc>
-                  <a:txBody>
-                    <a:bodyPr lIns="90000" rIns="90000" tIns="46800" bIns="46800"/>
-                    <a:p>
-                      <a:r>
-                        <a:rPr b="0" lang="zxx" sz="1800" spc="-1" strike="noStrike">
-                          <a:solidFill>
-                            <a:srgbClr val="ffffff"/>
-                          </a:solidFill>
-                          <a:uFill>
-                            <a:solidFill>
-                              <a:srgbClr val="ffffff"/>
-                            </a:solidFill>
-                          </a:uFill>
-                          <a:latin typeface="Arial"/>
-                        </a:rPr>
-                        <a:t>61.30%</a:t>
-                      </a:r>
-                      <a:endParaRPr b="0" lang="zxx" sz="1800" spc="-1" strike="noStrike">
-                        <a:solidFill>
-                          <a:srgbClr val="ffffff"/>
-                        </a:solidFill>
-                        <a:uFill>
-                          <a:solidFill>
-                            <a:srgbClr val="ffffff"/>
-                          </a:solidFill>
-                        </a:uFill>
-                        <a:latin typeface="Arial"/>
-                      </a:endParaRPr>
-                    </a:p>
-                  </a:txBody>
-                  <a:tcPr marL="90000" marR="90000">
-                    <a:lnL w="720">
-                      <a:solidFill>
-                        <a:srgbClr val="ffffff"/>
-                      </a:solidFill>
-                    </a:lnL>
-                    <a:lnR w="720">
-                      <a:solidFill>
-                        <a:srgbClr val="ffffff"/>
-                      </a:solidFill>
-                    </a:lnR>
-                    <a:lnT w="720">
-                      <a:solidFill>
-                        <a:srgbClr val="ffffff"/>
-                      </a:solidFill>
-                    </a:lnT>
-                    <a:lnB w="720">
-                      <a:solidFill>
-                        <a:srgbClr val="ffffff"/>
-                      </a:solidFill>
-                    </a:lnB>
-                    <a:solidFill>
-                      <a:srgbClr val="76b1c7"/>
-                    </a:solidFill>
-                  </a:tcPr>
-                </a:tc>
-              </a:tr>
-              <a:tr h="309960">
-                <a:tc>
-                  <a:txBody>
-                    <a:bodyPr lIns="90000" rIns="90000" tIns="46800" bIns="46800"/>
-                    <a:p>
-                      <a:r>
-                        <a:rPr b="0" lang="zxx" sz="1800" spc="-1" strike="noStrike">
-                          <a:solidFill>
-                            <a:srgbClr val="ffffff"/>
-                          </a:solidFill>
-                          <a:uFill>
-                            <a:solidFill>
-                              <a:srgbClr val="ffffff"/>
-                            </a:solidFill>
-                          </a:uFill>
-                          <a:latin typeface="Arial"/>
-                        </a:rPr>
-                        <a:t>test error rate:  </a:t>
-                      </a:r>
-                      <a:endParaRPr b="0" lang="zxx" sz="1800" spc="-1" strike="noStrike">
-                        <a:solidFill>
-                          <a:srgbClr val="ffffff"/>
-                        </a:solidFill>
-                        <a:uFill>
-                          <a:solidFill>
-                            <a:srgbClr val="ffffff"/>
-                          </a:solidFill>
-                        </a:uFill>
-                        <a:latin typeface="Arial"/>
-                      </a:endParaRPr>
-                    </a:p>
-                  </a:txBody>
-                  <a:tcPr marL="90000" marR="90000">
-                    <a:lnL w="720">
-                      <a:solidFill>
-                        <a:srgbClr val="ffffff"/>
-                      </a:solidFill>
-                    </a:lnL>
-                    <a:lnR w="720">
-                      <a:solidFill>
-                        <a:srgbClr val="ffffff"/>
-                      </a:solidFill>
-                    </a:lnR>
-                    <a:lnT w="720">
-                      <a:solidFill>
-                        <a:srgbClr val="ffffff"/>
-                      </a:solidFill>
-                    </a:lnT>
-                    <a:lnB w="720">
-                      <a:solidFill>
-                        <a:srgbClr val="ffffff"/>
-                      </a:solidFill>
-                    </a:lnB>
-                    <a:solidFill>
-                      <a:srgbClr val="76b1c7"/>
-                    </a:solidFill>
-                  </a:tcPr>
-                </a:tc>
-                <a:tc>
-                  <a:txBody>
-                    <a:bodyPr lIns="90000" rIns="90000" tIns="46800" bIns="46800"/>
-                    <a:p>
-                      <a:r>
-                        <a:rPr b="0" lang="zxx" sz="1800" spc="-1" strike="noStrike">
-                          <a:solidFill>
-                            <a:srgbClr val="ffffff"/>
-                          </a:solidFill>
-                          <a:uFill>
-                            <a:solidFill>
-                              <a:srgbClr val="ffffff"/>
-                            </a:solidFill>
-                          </a:uFill>
-                          <a:latin typeface="Arial"/>
-                        </a:rPr>
-                        <a:t>61.11%</a:t>
-                      </a:r>
-                      <a:endParaRPr b="0" lang="zxx" sz="1800" spc="-1" strike="noStrike">
-                        <a:solidFill>
-                          <a:srgbClr val="ffffff"/>
-                        </a:solidFill>
-                        <a:uFill>
-                          <a:solidFill>
-                            <a:srgbClr val="ffffff"/>
-                          </a:solidFill>
-                        </a:uFill>
-                        <a:latin typeface="Arial"/>
-                      </a:endParaRPr>
-                    </a:p>
-                  </a:txBody>
-                  <a:tcPr marL="90000" marR="90000">
-                    <a:lnL w="720">
-                      <a:solidFill>
-                        <a:srgbClr val="ffffff"/>
-                      </a:solidFill>
-                    </a:lnL>
-                    <a:lnR w="720">
-                      <a:solidFill>
-                        <a:srgbClr val="ffffff"/>
-                      </a:solidFill>
-                    </a:lnR>
-                    <a:lnT w="720">
-                      <a:solidFill>
-                        <a:srgbClr val="ffffff"/>
-                      </a:solidFill>
-                    </a:lnT>
-                    <a:lnB w="720">
-                      <a:solidFill>
-                        <a:srgbClr val="ffffff"/>
-                      </a:solidFill>
-                    </a:lnB>
-                    <a:solidFill>
-                      <a:srgbClr val="76b1c7"/>
-                    </a:solidFill>
-                  </a:tcPr>
-                </a:tc>
-              </a:tr>
-            </a:tbl>
-          </a:graphicData>
-        </a:graphic>
-      </p:graphicFrame>
     </p:spTree>
   </p:cSld>
   <p:timing>
@@ -15258,7 +14618,59 @@
       </p:grpSpPr>
       <p:sp>
         <p:nvSpPr>
-          <p:cNvPr id="182" name="CustomShape 1"/>
+          <p:cNvPr id="185" name="CustomShape 1"/>
+          <p:cNvSpPr/>
+          <p:nvPr/>
+        </p:nvSpPr>
+        <p:spPr>
+          <a:xfrm>
+            <a:off x="703440" y="6248520"/>
+            <a:ext cx="1897560" cy="456120"/>
+          </a:xfrm>
+          <a:prstGeom prst="rect">
+            <a:avLst/>
+          </a:prstGeom>
+          <a:noFill/>
+          <a:ln>
+            <a:noFill/>
+          </a:ln>
+        </p:spPr>
+        <p:style>
+          <a:lnRef idx="0"/>
+          <a:fillRef idx="0"/>
+          <a:effectRef idx="0"/>
+          <a:fontRef idx="minor"/>
+        </p:style>
+      </p:sp>
+      <p:sp>
+        <p:nvSpPr>
+          <p:cNvPr id="186" name="CustomShape 2"/>
+          <p:cNvSpPr/>
+          <p:nvPr/>
+        </p:nvSpPr>
+        <p:spPr>
+          <a:xfrm>
+            <a:off x="3165480" y="6248520"/>
+            <a:ext cx="2811960" cy="456120"/>
+          </a:xfrm>
+          <a:prstGeom prst="rect">
+            <a:avLst/>
+          </a:prstGeom>
+          <a:noFill/>
+          <a:ln>
+            <a:noFill/>
+          </a:ln>
+        </p:spPr>
+        <p:style>
+          <a:lnRef idx="0"/>
+          <a:fillRef idx="0"/>
+          <a:effectRef idx="0"/>
+          <a:fontRef idx="minor"/>
+        </p:style>
+      </p:sp>
+      <p:sp>
+        <p:nvSpPr>
+          <p:cNvPr id="187" name="CustomShape 3"/>
           <p:cNvSpPr/>
           <p:nvPr/>
         </p:nvSpPr>
@@ -15302,22 +14714,7 @@
                 <a:latin typeface="Arial"/>
                 <a:ea typeface="DejaVu Sans"/>
               </a:rPr>
-              <a:t>6. Lipreading: </a:t>
-            </a:r>
-            <a:r>
-              <a:rPr b="0" lang="zxx" sz="3600" spc="-1" strike="noStrike">
-                <a:solidFill>
-                  <a:srgbClr val="52bdec"/>
-                </a:solidFill>
-                <a:uFill>
-                  <a:solidFill>
-                    <a:srgbClr val="ffffff"/>
-                  </a:solidFill>
-                </a:uFill>
-                <a:latin typeface="Arial"/>
-                <a:ea typeface="DejaVu Sans"/>
-              </a:rPr>
-              <a:t>results ResNet50</a:t>
+              <a:t>6. Lipreading: Google WLAS</a:t>
             </a:r>
             <a:endParaRPr b="0" lang="zxx" sz="1800" spc="-1" strike="noStrike">
               <a:solidFill>
@@ -15335,14 +14732,76 @@
       </p:sp>
       <p:sp>
         <p:nvSpPr>
-          <p:cNvPr id="183" name="CustomShape 2"/>
+          <p:cNvPr id="188" name="CustomShape 4"/>
           <p:cNvSpPr/>
           <p:nvPr/>
         </p:nvSpPr>
         <p:spPr>
           <a:xfrm>
-            <a:off x="274320" y="731520"/>
-            <a:ext cx="4846320" cy="4023360"/>
+            <a:off x="0" y="6408000"/>
+            <a:ext cx="9142920" cy="484920"/>
+          </a:xfrm>
+          <a:prstGeom prst="rect">
+            <a:avLst/>
+          </a:prstGeom>
+          <a:noFill/>
+          <a:ln>
+            <a:noFill/>
+          </a:ln>
+        </p:spPr>
+        <p:style>
+          <a:lnRef idx="0"/>
+          <a:fillRef idx="0"/>
+          <a:effectRef idx="0"/>
+          <a:fontRef idx="minor"/>
+        </p:style>
+        <p:txBody>
+          <a:bodyPr lIns="0" rIns="0" tIns="0" bIns="0" anchor="ctr"/>
+          <a:p>
+            <a:pPr algn="ctr">
+              <a:lnSpc>
+                <a:spcPct val="100000"/>
+              </a:lnSpc>
+            </a:pPr>
+            <a:fld id="{E2F3B060-13B4-46BB-8DB2-4D1500A7E574}" type="slidenum">
+              <a:rPr b="0" lang="zxx" sz="1600" spc="-1" strike="noStrike">
+                <a:solidFill>
+                  <a:srgbClr val="ffffff"/>
+                </a:solidFill>
+                <a:uFill>
+                  <a:solidFill>
+                    <a:srgbClr val="ffffff"/>
+                  </a:solidFill>
+                </a:uFill>
+                <a:latin typeface="Arial"/>
+                <a:ea typeface="DejaVu Sans"/>
+              </a:rPr>
+              <a:t>1</a:t>
+            </a:fld>
+            <a:endParaRPr b="0" lang="zxx" sz="1800" spc="-1" strike="noStrike">
+              <a:solidFill>
+                <a:srgbClr val="000000"/>
+              </a:solidFill>
+              <a:uFill>
+                <a:solidFill>
+                  <a:srgbClr val="ffffff"/>
+                </a:solidFill>
+              </a:uFill>
+              <a:latin typeface="Arial"/>
+            </a:endParaRPr>
+          </a:p>
+        </p:txBody>
+      </p:sp>
+      <p:sp>
+        <p:nvSpPr>
+          <p:cNvPr id="189" name="CustomShape 5"/>
+          <p:cNvSpPr/>
+          <p:nvPr/>
+        </p:nvSpPr>
+        <p:spPr>
+          <a:xfrm>
+            <a:off x="251640" y="891360"/>
+            <a:ext cx="8621280" cy="5056920"/>
           </a:xfrm>
           <a:prstGeom prst="rect">
             <a:avLst/>
@@ -15361,6 +14820,45 @@
         <p:txBody>
           <a:bodyPr lIns="0" rIns="0" tIns="0" bIns="0"/>
           <a:p>
+            <a:pPr marL="360000" indent="-358920">
+              <a:lnSpc>
+                <a:spcPct val="100000"/>
+              </a:lnSpc>
+              <a:buClr>
+                <a:srgbClr val="00407a"/>
+              </a:buClr>
+              <a:buSzPct val="110000"/>
+              <a:buFont typeface="Arial"/>
+              <a:buChar char="•"/>
+            </a:pPr>
+            <a:r>
+              <a:rPr b="0" lang="zxx" sz="2000" spc="-1" strike="noStrike">
+                <a:solidFill>
+                  <a:srgbClr val="00407a"/>
+                </a:solidFill>
+                <a:uFill>
+                  <a:solidFill>
+                    <a:srgbClr val="ffffff"/>
+                  </a:solidFill>
+                </a:uFill>
+                <a:latin typeface="Arial"/>
+                <a:ea typeface="DejaVu Sans"/>
+              </a:rPr>
+              <a:t> </a:t>
+            </a:r>
+            <a:endParaRPr b="0" lang="zxx" sz="1800" spc="-1" strike="noStrike">
+              <a:solidFill>
+                <a:srgbClr val="000000"/>
+              </a:solidFill>
+              <a:uFill>
+                <a:solidFill>
+                  <a:srgbClr val="ffffff"/>
+                </a:solidFill>
+              </a:uFill>
+              <a:latin typeface="Arial"/>
+            </a:endParaRPr>
+          </a:p>
+          <a:p>
             <a:pPr>
               <a:lnSpc>
                 <a:spcPct val="100000"/>
@@ -15379,435 +14877,11 @@
             </a:endParaRPr>
           </a:p>
           <a:p>
-            <a:pPr marL="216000" indent="-215280">
+            <a:pPr>
               <a:lnSpc>
                 <a:spcPct val="100000"/>
               </a:lnSpc>
-              <a:buClr>
-                <a:srgbClr val="000000"/>
-              </a:buClr>
-              <a:buSzPct val="45000"/>
-              <a:buFont typeface="Wingdings" charset="2"/>
-              <a:buChar char=""/>
-            </a:pPr>
-            <a:r>
-              <a:rPr b="0" lang="zxx" sz="2000" spc="-1" strike="noStrike">
-                <a:solidFill>
-                  <a:srgbClr val="00407a"/>
-                </a:solidFill>
-                <a:uFill>
-                  <a:solidFill>
-                    <a:srgbClr val="ffffff"/>
-                  </a:solidFill>
-                </a:uFill>
-                <a:latin typeface="Arial"/>
-                <a:ea typeface="DejaVu Sans"/>
-              </a:rPr>
-              <a:t>Train and test on lipspeakers:</a:t>
-            </a:r>
-            <a:endParaRPr b="0" lang="zxx" sz="1800" spc="-1" strike="noStrike">
-              <a:solidFill>
-                <a:srgbClr val="000000"/>
-              </a:solidFill>
-              <a:uFill>
-                <a:solidFill>
-                  <a:srgbClr val="ffffff"/>
-                </a:solidFill>
-              </a:uFill>
-              <a:latin typeface="Arial"/>
-            </a:endParaRPr>
-          </a:p>
-          <a:p>
-            <a:pPr lvl="4" marL="1080000" indent="-216000">
-              <a:lnSpc>
-                <a:spcPct val="100000"/>
-              </a:lnSpc>
-              <a:buClr>
-                <a:srgbClr val="000000"/>
-              </a:buClr>
-              <a:buSzPct val="45000"/>
-              <a:buFont typeface="Wingdings" charset="2"/>
-              <a:buChar char=""/>
-            </a:pPr>
-            <a:r>
-              <a:rPr b="0" lang="zxx" sz="2000" spc="-1" strike="noStrike">
-                <a:solidFill>
-                  <a:srgbClr val="00407a"/>
-                </a:solidFill>
-                <a:uFill>
-                  <a:solidFill>
-                    <a:srgbClr val="ffffff"/>
-                  </a:solidFill>
-                </a:uFill>
-                <a:latin typeface="Arial"/>
-                <a:ea typeface="DejaVu Sans"/>
-              </a:rPr>
-              <a:t> </a:t>
-            </a:r>
-            <a:endParaRPr b="0" lang="zxx" sz="1800" spc="-1" strike="noStrike">
-              <a:solidFill>
-                <a:srgbClr val="000000"/>
-              </a:solidFill>
-              <a:uFill>
-                <a:solidFill>
-                  <a:srgbClr val="ffffff"/>
-                </a:solidFill>
-              </a:uFill>
-              <a:latin typeface="Arial"/>
-            </a:endParaRPr>
-          </a:p>
-          <a:p>
-            <a:pPr lvl="4" marL="1080000" indent="-216000">
-              <a:lnSpc>
-                <a:spcPct val="100000"/>
-              </a:lnSpc>
-              <a:buClr>
-                <a:srgbClr val="000000"/>
-              </a:buClr>
-              <a:buSzPct val="45000"/>
-              <a:buFont typeface="Wingdings" charset="2"/>
-              <a:buChar char=""/>
-            </a:pPr>
-            <a:r>
-              <a:rPr b="0" lang="zxx" sz="2000" spc="-1" strike="noStrike">
-                <a:solidFill>
-                  <a:srgbClr val="00407a"/>
-                </a:solidFill>
-                <a:uFill>
-                  <a:solidFill>
-                    <a:srgbClr val="ffffff"/>
-                  </a:solidFill>
-                </a:uFill>
-                <a:latin typeface="Arial"/>
-                <a:ea typeface="DejaVu Sans"/>
-              </a:rPr>
-              <a:t> </a:t>
-            </a:r>
-            <a:endParaRPr b="0" lang="zxx" sz="1800" spc="-1" strike="noStrike">
-              <a:solidFill>
-                <a:srgbClr val="000000"/>
-              </a:solidFill>
-              <a:uFill>
-                <a:solidFill>
-                  <a:srgbClr val="ffffff"/>
-                </a:solidFill>
-              </a:uFill>
-              <a:latin typeface="Arial"/>
-            </a:endParaRPr>
-          </a:p>
-          <a:p>
-            <a:pPr marL="216000" indent="-215280">
-              <a:lnSpc>
-                <a:spcPct val="100000"/>
-              </a:lnSpc>
-              <a:buClr>
-                <a:srgbClr val="000000"/>
-              </a:buClr>
-              <a:buSzPct val="45000"/>
-              <a:buFont typeface="Wingdings" charset="2"/>
-              <a:buChar char=""/>
-            </a:pPr>
-            <a:r>
-              <a:rPr b="0" lang="zxx" sz="2000" spc="-1" strike="noStrike">
-                <a:solidFill>
-                  <a:srgbClr val="00407a"/>
-                </a:solidFill>
-                <a:uFill>
-                  <a:solidFill>
-                    <a:srgbClr val="ffffff"/>
-                  </a:solidFill>
-                </a:uFill>
-                <a:latin typeface="Arial"/>
-                <a:ea typeface="DejaVu Sans"/>
-              </a:rPr>
-              <a:t> </a:t>
-            </a:r>
-            <a:endParaRPr b="0" lang="zxx" sz="1800" spc="-1" strike="noStrike">
-              <a:solidFill>
-                <a:srgbClr val="000000"/>
-              </a:solidFill>
-              <a:uFill>
-                <a:solidFill>
-                  <a:srgbClr val="ffffff"/>
-                </a:solidFill>
-              </a:uFill>
-              <a:latin typeface="Arial"/>
-            </a:endParaRPr>
-          </a:p>
-          <a:p>
-            <a:pPr marL="216000" indent="-215280">
-              <a:lnSpc>
-                <a:spcPct val="100000"/>
-              </a:lnSpc>
-              <a:buClr>
-                <a:srgbClr val="000000"/>
-              </a:buClr>
-              <a:buSzPct val="45000"/>
-              <a:buFont typeface="Wingdings" charset="2"/>
-              <a:buChar char=""/>
-            </a:pPr>
-            <a:r>
-              <a:rPr b="0" lang="zxx" sz="2000" spc="-1" strike="noStrike">
-                <a:solidFill>
-                  <a:srgbClr val="00407a"/>
-                </a:solidFill>
-                <a:uFill>
-                  <a:solidFill>
-                    <a:srgbClr val="ffffff"/>
-                  </a:solidFill>
-                </a:uFill>
-                <a:latin typeface="Arial"/>
-                <a:ea typeface="DejaVu Sans"/>
-              </a:rPr>
-              <a:t>Trained and test on volunteers:</a:t>
-            </a:r>
-            <a:endParaRPr b="0" lang="zxx" sz="1800" spc="-1" strike="noStrike">
-              <a:solidFill>
-                <a:srgbClr val="000000"/>
-              </a:solidFill>
-              <a:uFill>
-                <a:solidFill>
-                  <a:srgbClr val="ffffff"/>
-                </a:solidFill>
-              </a:uFill>
-              <a:latin typeface="Arial"/>
-            </a:endParaRPr>
-          </a:p>
-          <a:p>
-            <a:pPr marL="216000" indent="-215280">
-              <a:lnSpc>
-                <a:spcPct val="100000"/>
-              </a:lnSpc>
-              <a:buClr>
-                <a:srgbClr val="000000"/>
-              </a:buClr>
-              <a:buSzPct val="45000"/>
-              <a:buFont typeface="Wingdings" charset="2"/>
-              <a:buChar char=""/>
-            </a:pPr>
-            <a:r>
-              <a:rPr b="0" lang="zxx" sz="2000" spc="-1" strike="noStrike">
-                <a:solidFill>
-                  <a:srgbClr val="00407a"/>
-                </a:solidFill>
-                <a:uFill>
-                  <a:solidFill>
-                    <a:srgbClr val="ffffff"/>
-                  </a:solidFill>
-                </a:uFill>
-                <a:latin typeface="Arial"/>
-                <a:ea typeface="DejaVu Sans"/>
-              </a:rPr>
-              <a:t> </a:t>
-            </a:r>
-            <a:endParaRPr b="0" lang="zxx" sz="1800" spc="-1" strike="noStrike">
-              <a:solidFill>
-                <a:srgbClr val="000000"/>
-              </a:solidFill>
-              <a:uFill>
-                <a:solidFill>
-                  <a:srgbClr val="ffffff"/>
-                </a:solidFill>
-              </a:uFill>
-              <a:latin typeface="Arial"/>
-            </a:endParaRPr>
-          </a:p>
-          <a:p>
-            <a:pPr marL="216000" indent="-215280">
-              <a:lnSpc>
-                <a:spcPct val="100000"/>
-              </a:lnSpc>
-              <a:buClr>
-                <a:srgbClr val="000000"/>
-              </a:buClr>
-              <a:buSzPct val="45000"/>
-              <a:buFont typeface="Wingdings" charset="2"/>
-              <a:buChar char=""/>
-            </a:pPr>
-            <a:r>
-              <a:rPr b="0" lang="zxx" sz="2000" spc="-1" strike="noStrike">
-                <a:solidFill>
-                  <a:srgbClr val="00407a"/>
-                </a:solidFill>
-                <a:uFill>
-                  <a:solidFill>
-                    <a:srgbClr val="ffffff"/>
-                  </a:solidFill>
-                </a:uFill>
-                <a:latin typeface="Arial"/>
-                <a:ea typeface="DejaVu Sans"/>
-              </a:rPr>
-              <a:t> </a:t>
-            </a:r>
-            <a:endParaRPr b="0" lang="zxx" sz="1800" spc="-1" strike="noStrike">
-              <a:solidFill>
-                <a:srgbClr val="000000"/>
-              </a:solidFill>
-              <a:uFill>
-                <a:solidFill>
-                  <a:srgbClr val="ffffff"/>
-                </a:solidFill>
-              </a:uFill>
-              <a:latin typeface="Arial"/>
-            </a:endParaRPr>
-          </a:p>
-          <a:p>
-            <a:pPr marL="216000" indent="-215280">
-              <a:lnSpc>
-                <a:spcPct val="100000"/>
-              </a:lnSpc>
-              <a:buClr>
-                <a:srgbClr val="000000"/>
-              </a:buClr>
-              <a:buSzPct val="45000"/>
-              <a:buFont typeface="Wingdings" charset="2"/>
-              <a:buChar char=""/>
-            </a:pPr>
-            <a:r>
-              <a:rPr b="0" lang="zxx" sz="2000" spc="-1" strike="noStrike">
-                <a:solidFill>
-                  <a:srgbClr val="00407a"/>
-                </a:solidFill>
-                <a:uFill>
-                  <a:solidFill>
-                    <a:srgbClr val="ffffff"/>
-                  </a:solidFill>
-                </a:uFill>
-                <a:latin typeface="Arial"/>
-                <a:ea typeface="DejaVu Sans"/>
-              </a:rPr>
-              <a:t> </a:t>
-            </a:r>
-            <a:endParaRPr b="0" lang="zxx" sz="1800" spc="-1" strike="noStrike">
-              <a:solidFill>
-                <a:srgbClr val="000000"/>
-              </a:solidFill>
-              <a:uFill>
-                <a:solidFill>
-                  <a:srgbClr val="ffffff"/>
-                </a:solidFill>
-              </a:uFill>
-              <a:latin typeface="Arial"/>
-            </a:endParaRPr>
-          </a:p>
-          <a:p>
-            <a:pPr marL="216000" indent="-215280">
-              <a:lnSpc>
-                <a:spcPct val="100000"/>
-              </a:lnSpc>
-              <a:buClr>
-                <a:srgbClr val="000000"/>
-              </a:buClr>
-              <a:buSzPct val="45000"/>
-              <a:buFont typeface="Wingdings" charset="2"/>
-              <a:buChar char=""/>
-            </a:pPr>
-            <a:r>
-              <a:rPr b="0" lang="zxx" sz="2000" spc="-1" strike="noStrike">
-                <a:solidFill>
-                  <a:srgbClr val="00407a"/>
-                </a:solidFill>
-                <a:uFill>
-                  <a:solidFill>
-                    <a:srgbClr val="ffffff"/>
-                  </a:solidFill>
-                </a:uFill>
-                <a:latin typeface="Arial"/>
-                <a:ea typeface="DejaVu Sans"/>
-              </a:rPr>
-              <a:t> </a:t>
-            </a:r>
-            <a:endParaRPr b="0" lang="zxx" sz="1800" spc="-1" strike="noStrike">
-              <a:solidFill>
-                <a:srgbClr val="000000"/>
-              </a:solidFill>
-              <a:uFill>
-                <a:solidFill>
-                  <a:srgbClr val="ffffff"/>
-                </a:solidFill>
-              </a:uFill>
-              <a:latin typeface="Arial"/>
-            </a:endParaRPr>
-          </a:p>
-          <a:p>
-            <a:pPr marL="216000" indent="-215280">
-              <a:lnSpc>
-                <a:spcPct val="100000"/>
-              </a:lnSpc>
-              <a:buClr>
-                <a:srgbClr val="000000"/>
-              </a:buClr>
-              <a:buSzPct val="45000"/>
-              <a:buFont typeface="Wingdings" charset="2"/>
-              <a:buChar char=""/>
-            </a:pPr>
-            <a:r>
-              <a:rPr b="0" lang="zxx" sz="2000" spc="-1" strike="noStrike">
-                <a:solidFill>
-                  <a:srgbClr val="00407a"/>
-                </a:solidFill>
-                <a:uFill>
-                  <a:solidFill>
-                    <a:srgbClr val="ffffff"/>
-                  </a:solidFill>
-                </a:uFill>
-                <a:latin typeface="Arial"/>
-                <a:ea typeface="DejaVu Sans"/>
-              </a:rPr>
-              <a:t> </a:t>
-            </a:r>
-            <a:endParaRPr b="0" lang="zxx" sz="1800" spc="-1" strike="noStrike">
-              <a:solidFill>
-                <a:srgbClr val="000000"/>
-              </a:solidFill>
-              <a:uFill>
-                <a:solidFill>
-                  <a:srgbClr val="ffffff"/>
-                </a:solidFill>
-              </a:uFill>
-              <a:latin typeface="Arial"/>
-            </a:endParaRPr>
-          </a:p>
-          <a:p>
-            <a:pPr marL="216000" indent="-215280">
-              <a:lnSpc>
-                <a:spcPct val="100000"/>
-              </a:lnSpc>
-              <a:buClr>
-                <a:srgbClr val="000000"/>
-              </a:buClr>
-              <a:buSzPct val="45000"/>
-              <a:buFont typeface="Wingdings" charset="2"/>
-              <a:buChar char=""/>
-            </a:pPr>
-            <a:r>
-              <a:rPr b="0" lang="zxx" sz="2000" spc="-1" strike="noStrike">
-                <a:solidFill>
-                  <a:srgbClr val="00407a"/>
-                </a:solidFill>
-                <a:uFill>
-                  <a:solidFill>
-                    <a:srgbClr val="ffffff"/>
-                  </a:solidFill>
-                </a:uFill>
-                <a:latin typeface="Arial"/>
-                <a:ea typeface="DejaVu Sans"/>
-              </a:rPr>
-              <a:t> </a:t>
-            </a:r>
-            <a:endParaRPr b="0" lang="zxx" sz="1800" spc="-1" strike="noStrike">
-              <a:solidFill>
-                <a:srgbClr val="000000"/>
-              </a:solidFill>
-              <a:uFill>
-                <a:solidFill>
-                  <a:srgbClr val="ffffff"/>
-                </a:solidFill>
-              </a:uFill>
-              <a:latin typeface="Arial"/>
-            </a:endParaRPr>
-          </a:p>
-          <a:p>
+            </a:pPr>
             <a:endParaRPr b="0" lang="zxx" sz="1800" spc="-1" strike="noStrike">
               <a:solidFill>
                 <a:srgbClr val="000000"/>
@@ -15822,270 +14896,16 @@
           </a:p>
         </p:txBody>
       </p:sp>
-      <p:graphicFrame>
-        <p:nvGraphicFramePr>
-          <p:cNvPr id="184" name="Table 3"/>
-          <p:cNvGraphicFramePr/>
+      <p:sp>
+        <p:nvSpPr>
+          <p:cNvPr id="190" name="CustomShape 6"/>
+          <p:cNvSpPr/>
           <p:nvPr/>
-        </p:nvGraphicFramePr>
-        <p:xfrm>
-          <a:off x="564480" y="3226680"/>
-          <a:ext cx="3227040" cy="1211400"/>
-        </p:xfrm>
-        <a:graphic>
-          <a:graphicData uri="http://schemas.openxmlformats.org/drawingml/2006/table">
-            <a:tbl>
-              <a:tblPr/>
-              <a:tblGrid>
-                <a:gridCol w="2212560"/>
-                <a:gridCol w="1014480"/>
-              </a:tblGrid>
-              <a:tr h="349920">
-                <a:tc>
-                  <a:txBody>
-                    <a:bodyPr lIns="90000" rIns="90000" tIns="46800" bIns="46800"/>
-                    <a:p>
-                      <a:r>
-                        <a:rPr b="0" lang="zxx" sz="1800" spc="-1" strike="noStrike">
-                          <a:solidFill>
-                            <a:srgbClr val="ffffff"/>
-                          </a:solidFill>
-                          <a:uFill>
-                            <a:solidFill>
-                              <a:srgbClr val="ffffff"/>
-                            </a:solidFill>
-                          </a:uFill>
-                          <a:latin typeface="Arial"/>
-                        </a:rPr>
-                        <a:t>validation error rate: </a:t>
-                      </a:r>
-                      <a:endParaRPr b="0" lang="zxx" sz="1800" spc="-1" strike="noStrike">
-                        <a:solidFill>
-                          <a:srgbClr val="ffffff"/>
-                        </a:solidFill>
-                        <a:uFill>
-                          <a:solidFill>
-                            <a:srgbClr val="ffffff"/>
-                          </a:solidFill>
-                        </a:uFill>
-                        <a:latin typeface="Arial"/>
-                      </a:endParaRPr>
-                    </a:p>
-                  </a:txBody>
-                  <a:tcPr marL="90000" marR="90000">
-                    <a:lnL w="720">
-                      <a:solidFill>
-                        <a:srgbClr val="ffffff"/>
-                      </a:solidFill>
-                    </a:lnL>
-                    <a:lnR w="720">
-                      <a:solidFill>
-                        <a:srgbClr val="ffffff"/>
-                      </a:solidFill>
-                    </a:lnR>
-                    <a:lnT w="720">
-                      <a:solidFill>
-                        <a:srgbClr val="ffffff"/>
-                      </a:solidFill>
-                    </a:lnT>
-                    <a:lnB w="720">
-                      <a:solidFill>
-                        <a:srgbClr val="ffffff"/>
-                      </a:solidFill>
-                    </a:lnB>
-                    <a:solidFill>
-                      <a:srgbClr val="76b1c7"/>
-                    </a:solidFill>
-                  </a:tcPr>
-                </a:tc>
-                <a:tc>
-                  <a:txBody>
-                    <a:bodyPr lIns="90000" rIns="90000" tIns="46800" bIns="46800"/>
-                    <a:p>
-                      <a:r>
-                        <a:rPr b="0" lang="zxx" sz="1800" spc="-1" strike="noStrike">
-                          <a:solidFill>
-                            <a:srgbClr val="ffffff"/>
-                          </a:solidFill>
-                          <a:uFill>
-                            <a:solidFill>
-                              <a:srgbClr val="ffffff"/>
-                            </a:solidFill>
-                          </a:uFill>
-                          <a:latin typeface="Arial"/>
-                        </a:rPr>
-                        <a:t>74.48%</a:t>
-                      </a:r>
-                      <a:endParaRPr b="0" lang="zxx" sz="1800" spc="-1" strike="noStrike">
-                        <a:solidFill>
-                          <a:srgbClr val="ffffff"/>
-                        </a:solidFill>
-                        <a:uFill>
-                          <a:solidFill>
-                            <a:srgbClr val="ffffff"/>
-                          </a:solidFill>
-                        </a:uFill>
-                        <a:latin typeface="Arial"/>
-                      </a:endParaRPr>
-                    </a:p>
-                  </a:txBody>
-                  <a:tcPr marL="90000" marR="90000">
-                    <a:lnL w="720">
-                      <a:solidFill>
-                        <a:srgbClr val="ffffff"/>
-                      </a:solidFill>
-                    </a:lnL>
-                    <a:lnR w="720">
-                      <a:solidFill>
-                        <a:srgbClr val="ffffff"/>
-                      </a:solidFill>
-                    </a:lnR>
-                    <a:lnT w="720">
-                      <a:solidFill>
-                        <a:srgbClr val="ffffff"/>
-                      </a:solidFill>
-                    </a:lnT>
-                    <a:lnB w="720">
-                      <a:solidFill>
-                        <a:srgbClr val="ffffff"/>
-                      </a:solidFill>
-                    </a:lnB>
-                    <a:solidFill>
-                      <a:srgbClr val="76b1c7"/>
-                    </a:solidFill>
-                  </a:tcPr>
-                </a:tc>
-              </a:tr>
-              <a:tr h="349920">
-                <a:tc>
-                  <a:txBody>
-                    <a:bodyPr lIns="90000" rIns="90000" tIns="46800" bIns="46800"/>
-                    <a:p>
-                      <a:r>
-                        <a:rPr b="0" lang="zxx" sz="1800" spc="-1" strike="noStrike">
-                          <a:solidFill>
-                            <a:srgbClr val="ffffff"/>
-                          </a:solidFill>
-                          <a:uFill>
-                            <a:solidFill>
-                              <a:srgbClr val="ffffff"/>
-                            </a:solidFill>
-                          </a:uFill>
-                          <a:latin typeface="Arial"/>
-                        </a:rPr>
-                        <a:t>test error rate:  </a:t>
-                      </a:r>
-                      <a:endParaRPr b="0" lang="zxx" sz="1800" spc="-1" strike="noStrike">
-                        <a:solidFill>
-                          <a:srgbClr val="ffffff"/>
-                        </a:solidFill>
-                        <a:uFill>
-                          <a:solidFill>
-                            <a:srgbClr val="ffffff"/>
-                          </a:solidFill>
-                        </a:uFill>
-                        <a:latin typeface="Arial"/>
-                      </a:endParaRPr>
-                    </a:p>
-                  </a:txBody>
-                  <a:tcPr marL="90000" marR="90000">
-                    <a:lnL w="720">
-                      <a:solidFill>
-                        <a:srgbClr val="ffffff"/>
-                      </a:solidFill>
-                    </a:lnL>
-                    <a:lnR w="720">
-                      <a:solidFill>
-                        <a:srgbClr val="ffffff"/>
-                      </a:solidFill>
-                    </a:lnR>
-                    <a:lnT w="720">
-                      <a:solidFill>
-                        <a:srgbClr val="ffffff"/>
-                      </a:solidFill>
-                    </a:lnT>
-                    <a:lnB w="720">
-                      <a:solidFill>
-                        <a:srgbClr val="ffffff"/>
-                      </a:solidFill>
-                    </a:lnB>
-                    <a:solidFill>
-                      <a:srgbClr val="76b1c7"/>
-                    </a:solidFill>
-                  </a:tcPr>
-                </a:tc>
-                <a:tc>
-                  <a:txBody>
-                    <a:bodyPr lIns="90000" rIns="90000" tIns="46800" bIns="46800"/>
-                    <a:p>
-                      <a:r>
-                        <a:rPr b="0" lang="zxx" sz="1800" spc="-1" strike="noStrike">
-                          <a:solidFill>
-                            <a:srgbClr val="ffffff"/>
-                          </a:solidFill>
-                          <a:uFill>
-                            <a:solidFill>
-                              <a:srgbClr val="ffffff"/>
-                            </a:solidFill>
-                          </a:uFill>
-                          <a:latin typeface="Arial"/>
-                        </a:rPr>
-                        <a:t>72.76%</a:t>
-                      </a:r>
-                      <a:endParaRPr b="0" lang="zxx" sz="1800" spc="-1" strike="noStrike">
-                        <a:solidFill>
-                          <a:srgbClr val="ffffff"/>
-                        </a:solidFill>
-                        <a:uFill>
-                          <a:solidFill>
-                            <a:srgbClr val="ffffff"/>
-                          </a:solidFill>
-                        </a:uFill>
-                        <a:latin typeface="Arial"/>
-                      </a:endParaRPr>
-                    </a:p>
-                  </a:txBody>
-                  <a:tcPr marL="90000" marR="90000">
-                    <a:lnL w="720">
-                      <a:solidFill>
-                        <a:srgbClr val="ffffff"/>
-                      </a:solidFill>
-                    </a:lnL>
-                    <a:lnR w="720">
-                      <a:solidFill>
-                        <a:srgbClr val="ffffff"/>
-                      </a:solidFill>
-                    </a:lnR>
-                    <a:lnT w="720">
-                      <a:solidFill>
-                        <a:srgbClr val="ffffff"/>
-                      </a:solidFill>
-                    </a:lnT>
-                    <a:lnB w="720">
-                      <a:solidFill>
-                        <a:srgbClr val="ffffff"/>
-                      </a:solidFill>
-                    </a:lnB>
-                    <a:solidFill>
-                      <a:srgbClr val="76b1c7"/>
-                    </a:solidFill>
-                  </a:tcPr>
-                </a:tc>
-              </a:tr>
-            </a:tbl>
-          </a:graphicData>
-        </a:graphic>
-      </p:graphicFrame>
-      <p:sp>
-        <p:nvSpPr>
-          <p:cNvPr id="185" name="TextShape 4"/>
-          <p:cNvSpPr txBox="1"/>
-          <p:nvPr/>
-        </p:nvSpPr>
-        <p:spPr>
-          <a:xfrm>
-            <a:off x="4114800" y="1188720"/>
-            <a:ext cx="4572000" cy="4114800"/>
+        </p:nvSpPr>
+        <p:spPr>
+          <a:xfrm>
+            <a:off x="251640" y="963720"/>
+            <a:ext cx="8784000" cy="4796280"/>
           </a:xfrm>
           <a:prstGeom prst="rect">
             <a:avLst/>
@@ -16095,458 +14915,82 @@
             <a:noFill/>
           </a:ln>
         </p:spPr>
-        <p:txBody>
-          <a:bodyPr lIns="90000" rIns="90000" tIns="45000" bIns="45000"/>
-          <a:p>
-            <a:pPr marL="216000" indent="-215280">
-              <a:buClr>
-                <a:srgbClr val="000000"/>
-              </a:buClr>
-              <a:buSzPct val="45000"/>
-              <a:buFont typeface="Wingdings" charset="2"/>
-              <a:buChar char=""/>
-            </a:pPr>
-            <a:r>
-              <a:rPr b="0" lang="zxx" sz="2000" spc="-1" strike="noStrike">
-                <a:solidFill>
-                  <a:srgbClr val="00407a"/>
-                </a:solidFill>
-                <a:uFill>
-                  <a:solidFill>
-                    <a:srgbClr val="ffffff"/>
-                  </a:solidFill>
-                </a:uFill>
-                <a:latin typeface="Arial"/>
-                <a:ea typeface="DejaVu Sans"/>
-              </a:rPr>
-              <a:t>Training takes about 5x longer than on Google network (500s/epoch)</a:t>
-            </a:r>
-            <a:endParaRPr b="0" lang="zxx" sz="1800" spc="-1" strike="noStrike">
-              <a:solidFill>
-                <a:srgbClr val="000000"/>
-              </a:solidFill>
-              <a:uFill>
-                <a:solidFill>
-                  <a:srgbClr val="ffffff"/>
-                </a:solidFill>
-              </a:uFill>
-              <a:latin typeface="Arial"/>
-            </a:endParaRPr>
-          </a:p>
-          <a:p>
-            <a:pPr marL="216000" indent="-215280">
-              <a:buClr>
-                <a:srgbClr val="000000"/>
-              </a:buClr>
-              <a:buSzPct val="45000"/>
-              <a:buFont typeface="Wingdings" charset="2"/>
-              <a:buChar char=""/>
-            </a:pPr>
-            <a:r>
-              <a:rPr b="0" lang="zxx" sz="2000" spc="-1" strike="noStrike">
-                <a:solidFill>
-                  <a:srgbClr val="00407a"/>
-                </a:solidFill>
-                <a:uFill>
-                  <a:solidFill>
-                    <a:srgbClr val="ffffff"/>
-                  </a:solidFill>
-                </a:uFill>
-                <a:latin typeface="Arial"/>
-                <a:ea typeface="DejaVu Sans"/>
-              </a:rPr>
-              <a:t>Performance not better</a:t>
-            </a:r>
-            <a:endParaRPr b="0" lang="zxx" sz="1800" spc="-1" strike="noStrike">
-              <a:solidFill>
-                <a:srgbClr val="000000"/>
-              </a:solidFill>
-              <a:uFill>
-                <a:solidFill>
-                  <a:srgbClr val="ffffff"/>
-                </a:solidFill>
-              </a:uFill>
-              <a:latin typeface="Arial"/>
-            </a:endParaRPr>
-          </a:p>
-          <a:p>
-            <a:pPr marL="216000" indent="-215280">
-              <a:buClr>
-                <a:srgbClr val="000000"/>
-              </a:buClr>
-              <a:buSzPct val="45000"/>
-              <a:buFont typeface="Wingdings" charset="2"/>
-              <a:buChar char=""/>
-            </a:pPr>
-            <a:r>
-              <a:rPr b="0" lang="zxx" sz="2000" spc="-1" strike="noStrike">
-                <a:solidFill>
-                  <a:srgbClr val="00407a"/>
-                </a:solidFill>
-                <a:uFill>
-                  <a:solidFill>
-                    <a:srgbClr val="ffffff"/>
-                  </a:solidFill>
-                </a:uFill>
-                <a:latin typeface="Arial"/>
-                <a:ea typeface="DejaVu Sans"/>
-              </a:rPr>
-              <a:t>Many more layers, more complex architecture with more parameters</a:t>
-            </a:r>
-            <a:endParaRPr b="0" lang="zxx" sz="1800" spc="-1" strike="noStrike">
-              <a:solidFill>
-                <a:srgbClr val="000000"/>
-              </a:solidFill>
-              <a:uFill>
-                <a:solidFill>
-                  <a:srgbClr val="ffffff"/>
-                </a:solidFill>
-              </a:uFill>
-              <a:latin typeface="Arial"/>
-            </a:endParaRPr>
-          </a:p>
-          <a:p>
-            <a:pPr marL="216000" indent="-215280">
-              <a:buClr>
-                <a:srgbClr val="000000"/>
-              </a:buClr>
-              <a:buSzPct val="45000"/>
-              <a:buFont typeface="Wingdings" charset="2"/>
-              <a:buChar char=""/>
-            </a:pPr>
-            <a:r>
-              <a:rPr b="0" lang="zxx" sz="2000" spc="-1" strike="noStrike">
-                <a:solidFill>
-                  <a:srgbClr val="00407a"/>
-                </a:solidFill>
-                <a:uFill>
-                  <a:solidFill>
-                    <a:srgbClr val="ffffff"/>
-                  </a:solidFill>
-                </a:uFill>
-                <a:latin typeface="Arial"/>
-                <a:ea typeface="DejaVu Sans"/>
-              </a:rPr>
-              <a:t>-&gt; don't use for lipreading</a:t>
-            </a:r>
-            <a:endParaRPr b="0" lang="zxx" sz="1800" spc="-1" strike="noStrike">
-              <a:solidFill>
-                <a:srgbClr val="000000"/>
-              </a:solidFill>
-              <a:uFill>
-                <a:solidFill>
-                  <a:srgbClr val="ffffff"/>
-                </a:solidFill>
-              </a:uFill>
-              <a:latin typeface="Arial"/>
-            </a:endParaRPr>
-          </a:p>
-        </p:txBody>
-      </p:sp>
-      <p:graphicFrame>
-        <p:nvGraphicFramePr>
-          <p:cNvPr id="186" name="Table 5"/>
-          <p:cNvGraphicFramePr/>
+        <p:style>
+          <a:lnRef idx="0"/>
+          <a:fillRef idx="0"/>
+          <a:effectRef idx="0"/>
+          <a:fontRef idx="minor"/>
+        </p:style>
+      </p:sp>
+      <p:pic>
+        <p:nvPicPr>
+          <p:cNvPr id="191" name="" descr=""/>
+          <p:cNvPicPr/>
           <p:nvPr/>
-        </p:nvGraphicFramePr>
-        <p:xfrm>
-          <a:off x="568440" y="1661760"/>
-          <a:ext cx="3227760" cy="862200"/>
-        </p:xfrm>
-        <a:graphic>
-          <a:graphicData uri="http://schemas.openxmlformats.org/drawingml/2006/table">
-            <a:tbl>
-              <a:tblPr/>
-              <a:tblGrid>
-                <a:gridCol w="2212920"/>
-                <a:gridCol w="1014840"/>
-              </a:tblGrid>
-              <a:tr h="318600">
-                <a:tc>
-                  <a:txBody>
-                    <a:bodyPr lIns="90000" rIns="90000" tIns="46800" bIns="46800"/>
-                    <a:p>
-                      <a:r>
-                        <a:rPr b="0" lang="zxx" sz="1800" spc="-1" strike="noStrike">
-                          <a:solidFill>
-                            <a:srgbClr val="ffffff"/>
-                          </a:solidFill>
-                          <a:uFill>
-                            <a:solidFill>
-                              <a:srgbClr val="ffffff"/>
-                            </a:solidFill>
-                          </a:uFill>
-                          <a:latin typeface="Arial"/>
-                        </a:rPr>
-                        <a:t>validation error rate: </a:t>
-                      </a:r>
-                      <a:endParaRPr b="0" lang="zxx" sz="1800" spc="-1" strike="noStrike">
-                        <a:solidFill>
-                          <a:srgbClr val="ffffff"/>
-                        </a:solidFill>
-                        <a:uFill>
-                          <a:solidFill>
-                            <a:srgbClr val="ffffff"/>
-                          </a:solidFill>
-                        </a:uFill>
-                        <a:latin typeface="Arial"/>
-                      </a:endParaRPr>
-                    </a:p>
-                  </a:txBody>
-                  <a:tcPr marL="90000" marR="90000">
-                    <a:lnL w="720">
-                      <a:solidFill>
-                        <a:srgbClr val="ffffff"/>
-                      </a:solidFill>
-                    </a:lnL>
-                    <a:lnR w="720">
-                      <a:solidFill>
-                        <a:srgbClr val="ffffff"/>
-                      </a:solidFill>
-                    </a:lnR>
-                    <a:lnT w="720">
-                      <a:solidFill>
-                        <a:srgbClr val="ffffff"/>
-                      </a:solidFill>
-                    </a:lnT>
-                    <a:lnB w="720">
-                      <a:solidFill>
-                        <a:srgbClr val="ffffff"/>
-                      </a:solidFill>
-                    </a:lnB>
-                    <a:solidFill>
-                      <a:srgbClr val="76b1c7"/>
-                    </a:solidFill>
-                  </a:tcPr>
-                </a:tc>
-                <a:tc>
-                  <a:txBody>
-                    <a:bodyPr lIns="90000" rIns="90000" tIns="46800" bIns="46800"/>
-                    <a:p>
-                      <a:r>
-                        <a:rPr b="0" lang="zxx" sz="1800" spc="-1" strike="noStrike">
-                          <a:solidFill>
-                            <a:srgbClr val="ffffff"/>
-                          </a:solidFill>
-                          <a:uFill>
-                            <a:solidFill>
-                              <a:srgbClr val="ffffff"/>
-                            </a:solidFill>
-                          </a:uFill>
-                          <a:latin typeface="Arial"/>
-                        </a:rPr>
-                        <a:t>61.95%</a:t>
-                      </a:r>
-                      <a:endParaRPr b="0" lang="zxx" sz="1800" spc="-1" strike="noStrike">
-                        <a:solidFill>
-                          <a:srgbClr val="ffffff"/>
-                        </a:solidFill>
-                        <a:uFill>
-                          <a:solidFill>
-                            <a:srgbClr val="ffffff"/>
-                          </a:solidFill>
-                        </a:uFill>
-                        <a:latin typeface="Arial"/>
-                      </a:endParaRPr>
-                    </a:p>
-                  </a:txBody>
-                  <a:tcPr marL="90000" marR="90000">
-                    <a:lnL w="720">
-                      <a:solidFill>
-                        <a:srgbClr val="ffffff"/>
-                      </a:solidFill>
-                    </a:lnL>
-                    <a:lnR w="720">
-                      <a:solidFill>
-                        <a:srgbClr val="ffffff"/>
-                      </a:solidFill>
-                    </a:lnR>
-                    <a:lnT w="720">
-                      <a:solidFill>
-                        <a:srgbClr val="ffffff"/>
-                      </a:solidFill>
-                    </a:lnT>
-                    <a:lnB w="720">
-                      <a:solidFill>
-                        <a:srgbClr val="ffffff"/>
-                      </a:solidFill>
-                    </a:lnB>
-                    <a:solidFill>
-                      <a:srgbClr val="76b1c7"/>
-                    </a:solidFill>
-                  </a:tcPr>
-                </a:tc>
-              </a:tr>
-              <a:tr h="309960">
-                <a:tc>
-                  <a:txBody>
-                    <a:bodyPr lIns="90000" rIns="90000" tIns="46800" bIns="46800"/>
-                    <a:p>
-                      <a:r>
-                        <a:rPr b="0" lang="zxx" sz="1800" spc="-1" strike="noStrike">
-                          <a:solidFill>
-                            <a:srgbClr val="ffffff"/>
-                          </a:solidFill>
-                          <a:uFill>
-                            <a:solidFill>
-                              <a:srgbClr val="ffffff"/>
-                            </a:solidFill>
-                          </a:uFill>
-                          <a:latin typeface="Arial"/>
-                        </a:rPr>
-                        <a:t>test error rate:  </a:t>
-                      </a:r>
-                      <a:endParaRPr b="0" lang="zxx" sz="1800" spc="-1" strike="noStrike">
-                        <a:solidFill>
-                          <a:srgbClr val="ffffff"/>
-                        </a:solidFill>
-                        <a:uFill>
-                          <a:solidFill>
-                            <a:srgbClr val="ffffff"/>
-                          </a:solidFill>
-                        </a:uFill>
-                        <a:latin typeface="Arial"/>
-                      </a:endParaRPr>
-                    </a:p>
-                  </a:txBody>
-                  <a:tcPr marL="90000" marR="90000">
-                    <a:lnL w="720">
-                      <a:solidFill>
-                        <a:srgbClr val="ffffff"/>
-                      </a:solidFill>
-                    </a:lnL>
-                    <a:lnR w="720">
-                      <a:solidFill>
-                        <a:srgbClr val="ffffff"/>
-                      </a:solidFill>
-                    </a:lnR>
-                    <a:lnT w="720">
-                      <a:solidFill>
-                        <a:srgbClr val="ffffff"/>
-                      </a:solidFill>
-                    </a:lnT>
-                    <a:lnB w="720">
-                      <a:solidFill>
-                        <a:srgbClr val="ffffff"/>
-                      </a:solidFill>
-                    </a:lnB>
-                    <a:solidFill>
-                      <a:srgbClr val="76b1c7"/>
-                    </a:solidFill>
-                  </a:tcPr>
-                </a:tc>
-                <a:tc>
-                  <a:txBody>
-                    <a:bodyPr lIns="90000" rIns="90000" tIns="46800" bIns="46800"/>
-                    <a:p>
-                      <a:r>
-                        <a:rPr b="0" lang="zxx" sz="1800" spc="-1" strike="noStrike">
-                          <a:solidFill>
-                            <a:srgbClr val="ffffff"/>
-                          </a:solidFill>
-                          <a:uFill>
-                            <a:solidFill>
-                              <a:srgbClr val="ffffff"/>
-                            </a:solidFill>
-                          </a:uFill>
-                          <a:latin typeface="Arial"/>
-                        </a:rPr>
-                        <a:t>62.45%</a:t>
-                      </a:r>
-                      <a:endParaRPr b="0" lang="zxx" sz="1800" spc="-1" strike="noStrike">
-                        <a:solidFill>
-                          <a:srgbClr val="ffffff"/>
-                        </a:solidFill>
-                        <a:uFill>
-                          <a:solidFill>
-                            <a:srgbClr val="ffffff"/>
-                          </a:solidFill>
-                        </a:uFill>
-                        <a:latin typeface="Arial"/>
-                      </a:endParaRPr>
-                    </a:p>
-                  </a:txBody>
-                  <a:tcPr marL="90000" marR="90000">
-                    <a:lnL w="720">
-                      <a:solidFill>
-                        <a:srgbClr val="ffffff"/>
-                      </a:solidFill>
-                    </a:lnL>
-                    <a:lnR w="720">
-                      <a:solidFill>
-                        <a:srgbClr val="ffffff"/>
-                      </a:solidFill>
-                    </a:lnR>
-                    <a:lnT w="720">
-                      <a:solidFill>
-                        <a:srgbClr val="ffffff"/>
-                      </a:solidFill>
-                    </a:lnT>
-                    <a:lnB w="720">
-                      <a:solidFill>
-                        <a:srgbClr val="ffffff"/>
-                      </a:solidFill>
-                    </a:lnB>
-                    <a:solidFill>
-                      <a:srgbClr val="76b1c7"/>
-                    </a:solidFill>
-                  </a:tcPr>
-                </a:tc>
-              </a:tr>
-            </a:tbl>
-          </a:graphicData>
-        </a:graphic>
-      </p:graphicFrame>
-      <p:sp>
-        <p:nvSpPr>
-          <p:cNvPr id="187" name="TextShape 6"/>
-          <p:cNvSpPr txBox="1"/>
-          <p:nvPr/>
-        </p:nvSpPr>
-        <p:spPr>
-          <a:xfrm>
-            <a:off x="1446840" y="5943600"/>
-            <a:ext cx="5594040" cy="346680"/>
-          </a:xfrm>
-          <a:prstGeom prst="rect">
-            <a:avLst/>
-          </a:prstGeom>
-          <a:noFill/>
+        </p:nvPicPr>
+        <p:blipFill>
+          <a:blip r:embed="rId1"/>
+          <a:stretch/>
+        </p:blipFill>
+        <p:spPr>
+          <a:xfrm>
+            <a:off x="1097280" y="4355280"/>
+            <a:ext cx="2982960" cy="948240"/>
+          </a:xfrm>
+          <a:prstGeom prst="rect">
+            <a:avLst/>
+          </a:prstGeom>
           <a:ln>
             <a:noFill/>
           </a:ln>
         </p:spPr>
-        <p:txBody>
-          <a:bodyPr lIns="90000" rIns="90000" tIns="45000" bIns="45000"/>
-          <a:p>
-            <a:r>
-              <a:rPr b="0" lang="zxx" sz="1400" spc="-1" strike="noStrike">
-                <a:solidFill>
-                  <a:srgbClr val="000000"/>
-                </a:solidFill>
-                <a:uFill>
-                  <a:solidFill>
-                    <a:srgbClr val="ffffff"/>
-                  </a:solidFill>
-                </a:uFill>
-                <a:latin typeface="Arial"/>
-              </a:rPr>
-              <a:t>https://github.com/KaimingHe/deep-residual-networks</a:t>
-            </a:r>
-            <a:endParaRPr b="0" lang="zxx" sz="1800" spc="-1" strike="noStrike">
-              <a:solidFill>
-                <a:srgbClr val="000000"/>
-              </a:solidFill>
-              <a:uFill>
-                <a:solidFill>
-                  <a:srgbClr val="ffffff"/>
-                </a:solidFill>
-              </a:uFill>
-              <a:latin typeface="Arial"/>
-            </a:endParaRPr>
-          </a:p>
-        </p:txBody>
-      </p:sp>
+      </p:pic>
+      <p:pic>
+        <p:nvPicPr>
+          <p:cNvPr id="192" name="" descr=""/>
+          <p:cNvPicPr/>
+          <p:nvPr/>
+        </p:nvPicPr>
+        <p:blipFill>
+          <a:blip r:embed="rId2"/>
+          <a:stretch/>
+        </p:blipFill>
+        <p:spPr>
+          <a:xfrm>
+            <a:off x="274320" y="1005840"/>
+            <a:ext cx="6126480" cy="2961000"/>
+          </a:xfrm>
+          <a:prstGeom prst="rect">
+            <a:avLst/>
+          </a:prstGeom>
+          <a:ln>
+            <a:noFill/>
+          </a:ln>
+        </p:spPr>
+      </p:pic>
+      <p:pic>
+        <p:nvPicPr>
+          <p:cNvPr id="193" name="" descr=""/>
+          <p:cNvPicPr/>
+          <p:nvPr/>
+        </p:nvPicPr>
+        <p:blipFill>
+          <a:blip r:embed="rId3"/>
+          <a:stretch/>
+        </p:blipFill>
+        <p:spPr>
+          <a:xfrm>
+            <a:off x="4395600" y="3383280"/>
+            <a:ext cx="2188080" cy="2569680"/>
+          </a:xfrm>
+          <a:prstGeom prst="rect">
+            <a:avLst/>
+          </a:prstGeom>
+          <a:ln>
+            <a:noFill/>
+          </a:ln>
+        </p:spPr>
+      </p:pic>
     </p:spTree>
   </p:cSld>
   <p:timing>
@@ -16598,7 +15042,7 @@
       </p:grpSpPr>
       <p:sp>
         <p:nvSpPr>
-          <p:cNvPr id="188" name="CustomShape 1"/>
+          <p:cNvPr id="194" name="CustomShape 1"/>
           <p:cNvSpPr/>
           <p:nvPr/>
         </p:nvSpPr>
@@ -16660,7 +15104,7 @@
       </p:sp>
       <p:sp>
         <p:nvSpPr>
-          <p:cNvPr id="189" name="CustomShape 2"/>
+          <p:cNvPr id="195" name="CustomShape 2"/>
           <p:cNvSpPr/>
           <p:nvPr/>
         </p:nvSpPr>
@@ -16728,7 +15172,22 @@
                 <a:latin typeface="Arial"/>
                 <a:ea typeface="DejaVu Sans"/>
               </a:rPr>
-              <a:t>Train and test on lipspeakers:</a:t>
+              <a:t>Train and test on </a:t>
+            </a:r>
+            <a:r>
+              <a:rPr b="0" lang="zxx" sz="2000" spc="-1" strike="noStrike">
+                <a:solidFill>
+                  <a:srgbClr val="00407a"/>
+                </a:solidFill>
+                <a:uFill>
+                  <a:solidFill>
+                    <a:srgbClr val="ffffff"/>
+                  </a:solidFill>
+                </a:uFill>
+                <a:latin typeface="Arial"/>
+                <a:ea typeface="DejaVu Sans"/>
+              </a:rPr>
+              <a:t>lipspeakers:</a:t>
             </a:r>
             <a:endParaRPr b="0" lang="zxx" sz="1800" spc="-1" strike="noStrike">
               <a:solidFill>
@@ -16845,7 +15304,22 @@
                 <a:latin typeface="Arial"/>
                 <a:ea typeface="DejaVu Sans"/>
               </a:rPr>
-              <a:t>Trained and test on volunteers:</a:t>
+              <a:t>Trained and test on </a:t>
+            </a:r>
+            <a:r>
+              <a:rPr b="0" lang="zxx" sz="2000" spc="-1" strike="noStrike">
+                <a:solidFill>
+                  <a:srgbClr val="00407a"/>
+                </a:solidFill>
+                <a:uFill>
+                  <a:solidFill>
+                    <a:srgbClr val="ffffff"/>
+                  </a:solidFill>
+                </a:uFill>
+                <a:latin typeface="Arial"/>
+                <a:ea typeface="DejaVu Sans"/>
+              </a:rPr>
+              <a:t>volunteers:</a:t>
             </a:r>
             <a:endParaRPr b="0" lang="zxx" sz="1800" spc="-1" strike="noStrike">
               <a:solidFill>
@@ -17110,7 +15584,7 @@
       </p:sp>
       <p:sp>
         <p:nvSpPr>
-          <p:cNvPr id="190" name="TextShape 3"/>
+          <p:cNvPr id="196" name="TextShape 3"/>
           <p:cNvSpPr txBox="1"/>
           <p:nvPr/>
         </p:nvSpPr>
@@ -17160,7 +15634,7 @@
       </p:sp>
       <p:graphicFrame>
         <p:nvGraphicFramePr>
-          <p:cNvPr id="191" name="Table 4"/>
+          <p:cNvPr id="197" name="Table 4"/>
           <p:cNvGraphicFramePr/>
           <p:nvPr/>
         </p:nvGraphicFramePr>
@@ -17414,7 +15888,7 @@
       </p:graphicFrame>
       <p:graphicFrame>
         <p:nvGraphicFramePr>
-          <p:cNvPr id="192" name="Table 5"/>
+          <p:cNvPr id="198" name="Table 5"/>
           <p:cNvGraphicFramePr/>
           <p:nvPr/>
         </p:nvGraphicFramePr>
@@ -17447,7 +15921,21 @@
                           </a:uFill>
                           <a:latin typeface="Arial"/>
                         </a:rPr>
-                        <a:t>validation error rate: </a:t>
+                        <a:t>validation error </a:t>
+                      </a:r>
+                      <a:r>
+                        <a:rPr b="0" lang="zxx" sz="1800" spc="-1" strike="noStrike">
+                          <a:solidFill>
+                            <a:srgbClr val="ffffff"/>
+                          </a:solidFill>
+                          <a:uFill>
+                            <a:solidFill>
+                              <a:srgbClr val="ffffff"/>
+                            </a:solidFill>
+                          </a:uFill>
+                          <a:latin typeface="Arial"/>
+                        </a:rPr>
+                        <a:t>rate: </a:t>
                       </a:r>
                       <a:endParaRPr b="0" lang="zxx" sz="1800" spc="-1" strike="noStrike">
                         <a:solidFill>
@@ -17668,7 +16156,7 @@
       </p:graphicFrame>
       <p:sp>
         <p:nvSpPr>
-          <p:cNvPr id="193" name="TextShape 6"/>
+          <p:cNvPr id="199" name="TextShape 6"/>
           <p:cNvSpPr txBox="1"/>
           <p:nvPr/>
         </p:nvSpPr>
@@ -17763,7 +16251,7 @@
       </p:sp>
       <p:sp>
         <p:nvSpPr>
-          <p:cNvPr id="194" name="CustomShape 7"/>
+          <p:cNvPr id="200" name="CustomShape 7"/>
           <p:cNvSpPr/>
           <p:nvPr/>
         </p:nvSpPr>
@@ -18213,7 +16701,7 @@
       </p:sp>
       <p:graphicFrame>
         <p:nvGraphicFramePr>
-          <p:cNvPr id="195" name="Table 8"/>
+          <p:cNvPr id="201" name="Table 8"/>
           <p:cNvGraphicFramePr/>
           <p:nvPr/>
         </p:nvGraphicFramePr>
@@ -18467,7 +16955,7 @@
       </p:graphicFrame>
       <p:graphicFrame>
         <p:nvGraphicFramePr>
-          <p:cNvPr id="196" name="Table 9"/>
+          <p:cNvPr id="202" name="Table 9"/>
           <p:cNvGraphicFramePr/>
           <p:nvPr/>
         </p:nvGraphicFramePr>
@@ -18500,7 +16988,21 @@
                           </a:uFill>
                           <a:latin typeface="Arial"/>
                         </a:rPr>
-                        <a:t>validation error rate: </a:t>
+                        <a:t>validation error </a:t>
+                      </a:r>
+                      <a:r>
+                        <a:rPr b="0" lang="zxx" sz="1800" spc="-1" strike="noStrike">
+                          <a:solidFill>
+                            <a:srgbClr val="ffffff"/>
+                          </a:solidFill>
+                          <a:uFill>
+                            <a:solidFill>
+                              <a:srgbClr val="ffffff"/>
+                            </a:solidFill>
+                          </a:uFill>
+                          <a:latin typeface="Arial"/>
+                        </a:rPr>
+                        <a:t>rate: </a:t>
                       </a:r>
                       <a:endParaRPr b="0" lang="zxx" sz="1800" spc="-1" strike="noStrike">
                         <a:solidFill>
@@ -18721,7 +17223,7 @@
       </p:graphicFrame>
       <p:pic>
         <p:nvPicPr>
-          <p:cNvPr id="197" name="" descr=""/>
+          <p:cNvPr id="203" name="" descr=""/>
           <p:cNvPicPr/>
           <p:nvPr/>
         </p:nvPicPr>
@@ -18793,59 +17295,7 @@
       </p:grpSpPr>
       <p:sp>
         <p:nvSpPr>
-          <p:cNvPr id="198" name="CustomShape 1"/>
-          <p:cNvSpPr/>
-          <p:nvPr/>
-        </p:nvSpPr>
-        <p:spPr>
-          <a:xfrm>
-            <a:off x="703440" y="6248520"/>
-            <a:ext cx="1897560" cy="456120"/>
-          </a:xfrm>
-          <a:prstGeom prst="rect">
-            <a:avLst/>
-          </a:prstGeom>
-          <a:noFill/>
-          <a:ln>
-            <a:noFill/>
-          </a:ln>
-        </p:spPr>
-        <p:style>
-          <a:lnRef idx="0"/>
-          <a:fillRef idx="0"/>
-          <a:effectRef idx="0"/>
-          <a:fontRef idx="minor"/>
-        </p:style>
-      </p:sp>
-      <p:sp>
-        <p:nvSpPr>
-          <p:cNvPr id="199" name="CustomShape 2"/>
-          <p:cNvSpPr/>
-          <p:nvPr/>
-        </p:nvSpPr>
-        <p:spPr>
-          <a:xfrm>
-            <a:off x="3165480" y="6248520"/>
-            <a:ext cx="2811960" cy="456120"/>
-          </a:xfrm>
-          <a:prstGeom prst="rect">
-            <a:avLst/>
-          </a:prstGeom>
-          <a:noFill/>
-          <a:ln>
-            <a:noFill/>
-          </a:ln>
-        </p:spPr>
-        <p:style>
-          <a:lnRef idx="0"/>
-          <a:fillRef idx="0"/>
-          <a:effectRef idx="0"/>
-          <a:fontRef idx="minor"/>
-        </p:style>
-      </p:sp>
-      <p:sp>
-        <p:nvSpPr>
-          <p:cNvPr id="200" name="CustomShape 3"/>
+          <p:cNvPr id="204" name="CustomShape 1"/>
           <p:cNvSpPr/>
           <p:nvPr/>
         </p:nvSpPr>
@@ -18889,7 +17339,52 @@
                 <a:latin typeface="Arial"/>
                 <a:ea typeface="DejaVu Sans"/>
               </a:rPr>
-              <a:t>6. Lipreading: demo</a:t>
+              <a:t>6. </a:t>
+            </a:r>
+            <a:r>
+              <a:rPr b="0" lang="zxx" sz="3600" spc="-1" strike="noStrike">
+                <a:solidFill>
+                  <a:srgbClr val="52bdec"/>
+                </a:solidFill>
+                <a:uFill>
+                  <a:solidFill>
+                    <a:srgbClr val="ffffff"/>
+                  </a:solidFill>
+                </a:uFill>
+                <a:latin typeface="Arial"/>
+                <a:ea typeface="DejaVu Sans"/>
+              </a:rPr>
+              <a:t>Lipreadin</a:t>
+            </a:r>
+            <a:r>
+              <a:rPr b="0" lang="zxx" sz="3600" spc="-1" strike="noStrike">
+                <a:solidFill>
+                  <a:srgbClr val="52bdec"/>
+                </a:solidFill>
+                <a:uFill>
+                  <a:solidFill>
+                    <a:srgbClr val="ffffff"/>
+                  </a:solidFill>
+                </a:uFill>
+                <a:latin typeface="Arial"/>
+                <a:ea typeface="DejaVu Sans"/>
+              </a:rPr>
+              <a:t>g: results </a:t>
+            </a:r>
+            <a:r>
+              <a:rPr b="0" lang="zxx" sz="3600" spc="-1" strike="noStrike">
+                <a:solidFill>
+                  <a:srgbClr val="52bdec"/>
+                </a:solidFill>
+                <a:uFill>
+                  <a:solidFill>
+                    <a:srgbClr val="ffffff"/>
+                  </a:solidFill>
+                </a:uFill>
+                <a:latin typeface="Arial"/>
+                <a:ea typeface="DejaVu Sans"/>
+              </a:rPr>
+              <a:t>CIFAR10</a:t>
             </a:r>
             <a:endParaRPr b="0" lang="zxx" sz="1800" spc="-1" strike="noStrike">
               <a:solidFill>
@@ -18907,102 +17402,14 @@
       </p:sp>
       <p:sp>
         <p:nvSpPr>
-          <p:cNvPr id="201" name="CustomShape 4"/>
+          <p:cNvPr id="205" name="CustomShape 2"/>
           <p:cNvSpPr/>
           <p:nvPr/>
         </p:nvSpPr>
         <p:spPr>
           <a:xfrm>
-            <a:off x="0" y="6408000"/>
-            <a:ext cx="9142920" cy="484920"/>
-          </a:xfrm>
-          <a:prstGeom prst="rect">
-            <a:avLst/>
-          </a:prstGeom>
-          <a:noFill/>
-          <a:ln>
-            <a:noFill/>
-          </a:ln>
-        </p:spPr>
-        <p:style>
-          <a:lnRef idx="0"/>
-          <a:fillRef idx="0"/>
-          <a:effectRef idx="0"/>
-          <a:fontRef idx="minor"/>
-        </p:style>
-        <p:txBody>
-          <a:bodyPr lIns="0" rIns="0" tIns="0" bIns="0" anchor="ctr"/>
-          <a:p>
-            <a:pPr algn="ctr">
-              <a:lnSpc>
-                <a:spcPct val="100000"/>
-              </a:lnSpc>
-            </a:pPr>
-            <a:fld id="{6BD1F902-4223-401D-90FE-09CCC03DBDB7}" type="slidenum">
-              <a:rPr b="0" lang="zxx" sz="1600" spc="-1" strike="noStrike">
-                <a:solidFill>
-                  <a:srgbClr val="ffffff"/>
-                </a:solidFill>
-                <a:uFill>
-                  <a:solidFill>
-                    <a:srgbClr val="ffffff"/>
-                  </a:solidFill>
-                </a:uFill>
-                <a:latin typeface="Arial"/>
-                <a:ea typeface="DejaVu Sans"/>
-              </a:rPr>
-              <a:t>&lt;number&gt;</a:t>
-            </a:fld>
-            <a:endParaRPr b="0" lang="zxx" sz="1800" spc="-1" strike="noStrike">
-              <a:solidFill>
-                <a:srgbClr val="000000"/>
-              </a:solidFill>
-              <a:uFill>
-                <a:solidFill>
-                  <a:srgbClr val="ffffff"/>
-                </a:solidFill>
-              </a:uFill>
-              <a:latin typeface="Arial"/>
-            </a:endParaRPr>
-          </a:p>
-        </p:txBody>
-      </p:sp>
-      <p:sp>
-        <p:nvSpPr>
-          <p:cNvPr id="202" name="CustomShape 5"/>
-          <p:cNvSpPr/>
-          <p:nvPr/>
-        </p:nvSpPr>
-        <p:spPr>
-          <a:xfrm>
-            <a:off x="251640" y="891360"/>
-            <a:ext cx="8621280" cy="5056920"/>
-          </a:xfrm>
-          <a:prstGeom prst="rect">
-            <a:avLst/>
-          </a:prstGeom>
-          <a:noFill/>
-          <a:ln>
-            <a:noFill/>
-          </a:ln>
-        </p:spPr>
-        <p:style>
-          <a:lnRef idx="0"/>
-          <a:fillRef idx="0"/>
-          <a:effectRef idx="0"/>
-          <a:fontRef idx="minor"/>
-        </p:style>
-      </p:sp>
-      <p:sp>
-        <p:nvSpPr>
-          <p:cNvPr id="203" name="CustomShape 6"/>
-          <p:cNvSpPr/>
-          <p:nvPr/>
-        </p:nvSpPr>
-        <p:spPr>
-          <a:xfrm>
-            <a:off x="251640" y="963720"/>
-            <a:ext cx="8784000" cy="4796280"/>
+            <a:off x="274320" y="731520"/>
+            <a:ext cx="4846320" cy="4023360"/>
           </a:xfrm>
           <a:prstGeom prst="rect">
             <a:avLst/>
@@ -19063,7 +17470,100 @@
                 <a:latin typeface="Arial"/>
                 <a:ea typeface="DejaVu Sans"/>
               </a:rPr>
-              <a:t>Take picture</a:t>
+              <a:t>Train and test </a:t>
+            </a:r>
+            <a:r>
+              <a:rPr b="0" lang="zxx" sz="2000" spc="-1" strike="noStrike">
+                <a:solidFill>
+                  <a:srgbClr val="00407a"/>
+                </a:solidFill>
+                <a:uFill>
+                  <a:solidFill>
+                    <a:srgbClr val="ffffff"/>
+                  </a:solidFill>
+                </a:uFill>
+                <a:latin typeface="Arial"/>
+                <a:ea typeface="DejaVu Sans"/>
+              </a:rPr>
+              <a:t>on lipspeakers:</a:t>
+            </a:r>
+            <a:endParaRPr b="0" lang="zxx" sz="1800" spc="-1" strike="noStrike">
+              <a:solidFill>
+                <a:srgbClr val="000000"/>
+              </a:solidFill>
+              <a:uFill>
+                <a:solidFill>
+                  <a:srgbClr val="ffffff"/>
+                </a:solidFill>
+              </a:uFill>
+              <a:latin typeface="Arial"/>
+            </a:endParaRPr>
+          </a:p>
+          <a:p>
+            <a:pPr lvl="4" marL="1080000" indent="-216000">
+              <a:lnSpc>
+                <a:spcPct val="100000"/>
+              </a:lnSpc>
+              <a:buClr>
+                <a:srgbClr val="000000"/>
+              </a:buClr>
+              <a:buSzPct val="45000"/>
+              <a:buFont typeface="Wingdings" charset="2"/>
+              <a:buChar char=""/>
+            </a:pPr>
+            <a:r>
+              <a:rPr b="0" lang="zxx" sz="2000" spc="-1" strike="noStrike">
+                <a:solidFill>
+                  <a:srgbClr val="00407a"/>
+                </a:solidFill>
+                <a:uFill>
+                  <a:solidFill>
+                    <a:srgbClr val="ffffff"/>
+                  </a:solidFill>
+                </a:uFill>
+                <a:latin typeface="Arial"/>
+                <a:ea typeface="DejaVu Sans"/>
+              </a:rPr>
+              <a:t> </a:t>
+            </a:r>
+            <a:endParaRPr b="0" lang="zxx" sz="1800" spc="-1" strike="noStrike">
+              <a:solidFill>
+                <a:srgbClr val="000000"/>
+              </a:solidFill>
+              <a:uFill>
+                <a:solidFill>
+                  <a:srgbClr val="ffffff"/>
+                </a:solidFill>
+              </a:uFill>
+              <a:latin typeface="Arial"/>
+            </a:endParaRPr>
+          </a:p>
+          <a:p>
+            <a:pPr lvl="4" marL="1080000" indent="-216000">
+              <a:lnSpc>
+                <a:spcPct val="100000"/>
+              </a:lnSpc>
+              <a:buClr>
+                <a:srgbClr val="000000"/>
+              </a:buClr>
+              <a:buSzPct val="45000"/>
+              <a:buFont typeface="Wingdings" charset="2"/>
+              <a:buChar char=""/>
+            </a:pPr>
+            <a:r>
+              <a:rPr b="0" lang="zxx" sz="2000" spc="-1" strike="noStrike">
+                <a:solidFill>
+                  <a:srgbClr val="00407a"/>
+                </a:solidFill>
+                <a:uFill>
+                  <a:solidFill>
+                    <a:srgbClr val="ffffff"/>
+                  </a:solidFill>
+                </a:uFill>
+                <a:latin typeface="Arial"/>
+                <a:ea typeface="DejaVu Sans"/>
+              </a:rPr>
+              <a:t> </a:t>
             </a:r>
             <a:endParaRPr b="0" lang="zxx" sz="1800" spc="-1" strike="noStrike">
               <a:solidFill>
@@ -19102,7 +17602,7 @@
                 <a:latin typeface="Arial"/>
                 <a:ea typeface="DejaVu Sans"/>
               </a:rPr>
-              <a:t>Extract face, mouth, convert to grayscale and resize to 120x120x1</a:t>
+              <a:t> </a:t>
             </a:r>
             <a:endParaRPr b="0" lang="zxx" sz="1800" spc="-1" strike="noStrike">
               <a:solidFill>
@@ -19141,7 +17641,37 @@
                 <a:latin typeface="Arial"/>
                 <a:ea typeface="DejaVu Sans"/>
               </a:rPr>
-              <a:t>Reshape image for evaluation</a:t>
+              <a:t>Trained and </a:t>
+            </a:r>
+            <a:r>
+              <a:rPr b="0" lang="zxx" sz="2000" spc="-1" strike="noStrike">
+                <a:solidFill>
+                  <a:srgbClr val="00407a"/>
+                </a:solidFill>
+                <a:uFill>
+                  <a:solidFill>
+                    <a:srgbClr val="ffffff"/>
+                  </a:solidFill>
+                </a:uFill>
+                <a:latin typeface="Arial"/>
+                <a:ea typeface="DejaVu Sans"/>
+              </a:rPr>
+              <a:t>test on </a:t>
+            </a:r>
+            <a:r>
+              <a:rPr b="0" lang="zxx" sz="2000" spc="-1" strike="noStrike">
+                <a:solidFill>
+                  <a:srgbClr val="00407a"/>
+                </a:solidFill>
+                <a:uFill>
+                  <a:solidFill>
+                    <a:srgbClr val="ffffff"/>
+                  </a:solidFill>
+                </a:uFill>
+                <a:latin typeface="Arial"/>
+                <a:ea typeface="DejaVu Sans"/>
+              </a:rPr>
+              <a:t>volunteers:</a:t>
             </a:r>
             <a:endParaRPr b="0" lang="zxx" sz="1800" spc="-1" strike="noStrike">
               <a:solidFill>
@@ -19180,8 +17710,216 @@
                 <a:latin typeface="Arial"/>
                 <a:ea typeface="DejaVu Sans"/>
               </a:rPr>
-              <a:t>Evaluate, print phoneme predictions</a:t>
-            </a:r>
+              <a:t> </a:t>
+            </a:r>
+            <a:endParaRPr b="0" lang="zxx" sz="1800" spc="-1" strike="noStrike">
+              <a:solidFill>
+                <a:srgbClr val="000000"/>
+              </a:solidFill>
+              <a:uFill>
+                <a:solidFill>
+                  <a:srgbClr val="ffffff"/>
+                </a:solidFill>
+              </a:uFill>
+              <a:latin typeface="Arial"/>
+            </a:endParaRPr>
+          </a:p>
+          <a:p>
+            <a:pPr marL="216000" indent="-215280">
+              <a:lnSpc>
+                <a:spcPct val="100000"/>
+              </a:lnSpc>
+              <a:buClr>
+                <a:srgbClr val="000000"/>
+              </a:buClr>
+              <a:buSzPct val="45000"/>
+              <a:buFont typeface="Wingdings" charset="2"/>
+              <a:buChar char=""/>
+            </a:pPr>
+            <a:r>
+              <a:rPr b="0" lang="zxx" sz="2000" spc="-1" strike="noStrike">
+                <a:solidFill>
+                  <a:srgbClr val="00407a"/>
+                </a:solidFill>
+                <a:uFill>
+                  <a:solidFill>
+                    <a:srgbClr val="ffffff"/>
+                  </a:solidFill>
+                </a:uFill>
+                <a:latin typeface="Arial"/>
+                <a:ea typeface="DejaVu Sans"/>
+              </a:rPr>
+              <a:t> </a:t>
+            </a:r>
+            <a:endParaRPr b="0" lang="zxx" sz="1800" spc="-1" strike="noStrike">
+              <a:solidFill>
+                <a:srgbClr val="000000"/>
+              </a:solidFill>
+              <a:uFill>
+                <a:solidFill>
+                  <a:srgbClr val="ffffff"/>
+                </a:solidFill>
+              </a:uFill>
+              <a:latin typeface="Arial"/>
+            </a:endParaRPr>
+          </a:p>
+          <a:p>
+            <a:pPr marL="216000" indent="-215280">
+              <a:lnSpc>
+                <a:spcPct val="100000"/>
+              </a:lnSpc>
+              <a:buClr>
+                <a:srgbClr val="000000"/>
+              </a:buClr>
+              <a:buSzPct val="45000"/>
+              <a:buFont typeface="Wingdings" charset="2"/>
+              <a:buChar char=""/>
+            </a:pPr>
+            <a:r>
+              <a:rPr b="0" lang="zxx" sz="2000" spc="-1" strike="noStrike">
+                <a:solidFill>
+                  <a:srgbClr val="00407a"/>
+                </a:solidFill>
+                <a:uFill>
+                  <a:solidFill>
+                    <a:srgbClr val="ffffff"/>
+                  </a:solidFill>
+                </a:uFill>
+                <a:latin typeface="Arial"/>
+                <a:ea typeface="DejaVu Sans"/>
+              </a:rPr>
+              <a:t> </a:t>
+            </a:r>
+            <a:endParaRPr b="0" lang="zxx" sz="1800" spc="-1" strike="noStrike">
+              <a:solidFill>
+                <a:srgbClr val="000000"/>
+              </a:solidFill>
+              <a:uFill>
+                <a:solidFill>
+                  <a:srgbClr val="ffffff"/>
+                </a:solidFill>
+              </a:uFill>
+              <a:latin typeface="Arial"/>
+            </a:endParaRPr>
+          </a:p>
+          <a:p>
+            <a:pPr marL="216000" indent="-215280">
+              <a:lnSpc>
+                <a:spcPct val="100000"/>
+              </a:lnSpc>
+              <a:buClr>
+                <a:srgbClr val="000000"/>
+              </a:buClr>
+              <a:buSzPct val="45000"/>
+              <a:buFont typeface="Wingdings" charset="2"/>
+              <a:buChar char=""/>
+            </a:pPr>
+            <a:r>
+              <a:rPr b="0" lang="zxx" sz="2000" spc="-1" strike="noStrike">
+                <a:solidFill>
+                  <a:srgbClr val="00407a"/>
+                </a:solidFill>
+                <a:uFill>
+                  <a:solidFill>
+                    <a:srgbClr val="ffffff"/>
+                  </a:solidFill>
+                </a:uFill>
+                <a:latin typeface="Arial"/>
+                <a:ea typeface="DejaVu Sans"/>
+              </a:rPr>
+              <a:t> </a:t>
+            </a:r>
+            <a:endParaRPr b="0" lang="zxx" sz="1800" spc="-1" strike="noStrike">
+              <a:solidFill>
+                <a:srgbClr val="000000"/>
+              </a:solidFill>
+              <a:uFill>
+                <a:solidFill>
+                  <a:srgbClr val="ffffff"/>
+                </a:solidFill>
+              </a:uFill>
+              <a:latin typeface="Arial"/>
+            </a:endParaRPr>
+          </a:p>
+          <a:p>
+            <a:pPr marL="216000" indent="-215280">
+              <a:lnSpc>
+                <a:spcPct val="100000"/>
+              </a:lnSpc>
+              <a:buClr>
+                <a:srgbClr val="000000"/>
+              </a:buClr>
+              <a:buSzPct val="45000"/>
+              <a:buFont typeface="Wingdings" charset="2"/>
+              <a:buChar char=""/>
+            </a:pPr>
+            <a:r>
+              <a:rPr b="0" lang="zxx" sz="2000" spc="-1" strike="noStrike">
+                <a:solidFill>
+                  <a:srgbClr val="00407a"/>
+                </a:solidFill>
+                <a:uFill>
+                  <a:solidFill>
+                    <a:srgbClr val="ffffff"/>
+                  </a:solidFill>
+                </a:uFill>
+                <a:latin typeface="Arial"/>
+                <a:ea typeface="DejaVu Sans"/>
+              </a:rPr>
+              <a:t> </a:t>
+            </a:r>
+            <a:endParaRPr b="0" lang="zxx" sz="1800" spc="-1" strike="noStrike">
+              <a:solidFill>
+                <a:srgbClr val="000000"/>
+              </a:solidFill>
+              <a:uFill>
+                <a:solidFill>
+                  <a:srgbClr val="ffffff"/>
+                </a:solidFill>
+              </a:uFill>
+              <a:latin typeface="Arial"/>
+            </a:endParaRPr>
+          </a:p>
+          <a:p>
+            <a:pPr marL="216000" indent="-215280">
+              <a:lnSpc>
+                <a:spcPct val="100000"/>
+              </a:lnSpc>
+              <a:buClr>
+                <a:srgbClr val="000000"/>
+              </a:buClr>
+              <a:buSzPct val="45000"/>
+              <a:buFont typeface="Wingdings" charset="2"/>
+              <a:buChar char=""/>
+            </a:pPr>
+            <a:r>
+              <a:rPr b="0" lang="zxx" sz="2000" spc="-1" strike="noStrike">
+                <a:solidFill>
+                  <a:srgbClr val="00407a"/>
+                </a:solidFill>
+                <a:uFill>
+                  <a:solidFill>
+                    <a:srgbClr val="ffffff"/>
+                  </a:solidFill>
+                </a:uFill>
+                <a:latin typeface="Arial"/>
+                <a:ea typeface="DejaVu Sans"/>
+              </a:rPr>
+              <a:t> </a:t>
+            </a:r>
+            <a:endParaRPr b="0" lang="zxx" sz="1800" spc="-1" strike="noStrike">
+              <a:solidFill>
+                <a:srgbClr val="000000"/>
+              </a:solidFill>
+              <a:uFill>
+                <a:solidFill>
+                  <a:srgbClr val="ffffff"/>
+                </a:solidFill>
+              </a:uFill>
+              <a:latin typeface="Arial"/>
+            </a:endParaRPr>
+          </a:p>
+          <a:p>
             <a:endParaRPr b="0" lang="zxx" sz="1800" spc="-1" strike="noStrike">
               <a:solidFill>
                 <a:srgbClr val="000000"/>
@@ -19196,16 +17934,270 @@
           </a:p>
         </p:txBody>
       </p:sp>
-      <p:sp>
-        <p:nvSpPr>
-          <p:cNvPr id="204" name="TextShape 7"/>
+      <p:graphicFrame>
+        <p:nvGraphicFramePr>
+          <p:cNvPr id="206" name="Table 3"/>
+          <p:cNvGraphicFramePr/>
+          <p:nvPr/>
+        </p:nvGraphicFramePr>
+        <p:xfrm>
+          <a:off x="542880" y="3281400"/>
+          <a:ext cx="3227040" cy="1211400"/>
+        </p:xfrm>
+        <a:graphic>
+          <a:graphicData uri="http://schemas.openxmlformats.org/drawingml/2006/table">
+            <a:tbl>
+              <a:tblPr/>
+              <a:tblGrid>
+                <a:gridCol w="2212560"/>
+                <a:gridCol w="1014480"/>
+              </a:tblGrid>
+              <a:tr h="279360">
+                <a:tc>
+                  <a:txBody>
+                    <a:bodyPr lIns="90000" rIns="90000" tIns="46800" bIns="46800"/>
+                    <a:p>
+                      <a:r>
+                        <a:rPr b="0" lang="zxx" sz="1800" spc="-1" strike="noStrike">
+                          <a:solidFill>
+                            <a:srgbClr val="ffffff"/>
+                          </a:solidFill>
+                          <a:uFill>
+                            <a:solidFill>
+                              <a:srgbClr val="ffffff"/>
+                            </a:solidFill>
+                          </a:uFill>
+                          <a:latin typeface="Arial"/>
+                        </a:rPr>
+                        <a:t>validation error rate: </a:t>
+                      </a:r>
+                      <a:endParaRPr b="0" lang="zxx" sz="1800" spc="-1" strike="noStrike">
+                        <a:solidFill>
+                          <a:srgbClr val="ffffff"/>
+                        </a:solidFill>
+                        <a:uFill>
+                          <a:solidFill>
+                            <a:srgbClr val="ffffff"/>
+                          </a:solidFill>
+                        </a:uFill>
+                        <a:latin typeface="Arial"/>
+                      </a:endParaRPr>
+                    </a:p>
+                  </a:txBody>
+                  <a:tcPr marL="90000" marR="90000">
+                    <a:lnL w="720">
+                      <a:solidFill>
+                        <a:srgbClr val="ffffff"/>
+                      </a:solidFill>
+                    </a:lnL>
+                    <a:lnR w="720">
+                      <a:solidFill>
+                        <a:srgbClr val="ffffff"/>
+                      </a:solidFill>
+                    </a:lnR>
+                    <a:lnT w="720">
+                      <a:solidFill>
+                        <a:srgbClr val="ffffff"/>
+                      </a:solidFill>
+                    </a:lnT>
+                    <a:lnB w="720">
+                      <a:solidFill>
+                        <a:srgbClr val="ffffff"/>
+                      </a:solidFill>
+                    </a:lnB>
+                    <a:solidFill>
+                      <a:srgbClr val="76b1c7"/>
+                    </a:solidFill>
+                  </a:tcPr>
+                </a:tc>
+                <a:tc>
+                  <a:txBody>
+                    <a:bodyPr lIns="90000" rIns="90000" tIns="46800" bIns="46800"/>
+                    <a:p>
+                      <a:r>
+                        <a:rPr b="0" lang="zxx" sz="1800" spc="-1" strike="noStrike">
+                          <a:solidFill>
+                            <a:srgbClr val="ffffff"/>
+                          </a:solidFill>
+                          <a:uFill>
+                            <a:solidFill>
+                              <a:srgbClr val="ffffff"/>
+                            </a:solidFill>
+                          </a:uFill>
+                          <a:latin typeface="Arial"/>
+                        </a:rPr>
+                        <a:t>74.48%</a:t>
+                      </a:r>
+                      <a:endParaRPr b="0" lang="zxx" sz="1800" spc="-1" strike="noStrike">
+                        <a:solidFill>
+                          <a:srgbClr val="ffffff"/>
+                        </a:solidFill>
+                        <a:uFill>
+                          <a:solidFill>
+                            <a:srgbClr val="ffffff"/>
+                          </a:solidFill>
+                        </a:uFill>
+                        <a:latin typeface="Arial"/>
+                      </a:endParaRPr>
+                    </a:p>
+                  </a:txBody>
+                  <a:tcPr marL="90000" marR="90000">
+                    <a:lnL w="720">
+                      <a:solidFill>
+                        <a:srgbClr val="ffffff"/>
+                      </a:solidFill>
+                    </a:lnL>
+                    <a:lnR w="720">
+                      <a:solidFill>
+                        <a:srgbClr val="ffffff"/>
+                      </a:solidFill>
+                    </a:lnR>
+                    <a:lnT w="720">
+                      <a:solidFill>
+                        <a:srgbClr val="ffffff"/>
+                      </a:solidFill>
+                    </a:lnT>
+                    <a:lnB w="720">
+                      <a:solidFill>
+                        <a:srgbClr val="ffffff"/>
+                      </a:solidFill>
+                    </a:lnB>
+                    <a:solidFill>
+                      <a:srgbClr val="76b1c7"/>
+                    </a:solidFill>
+                  </a:tcPr>
+                </a:tc>
+              </a:tr>
+              <a:tr h="349920">
+                <a:tc>
+                  <a:txBody>
+                    <a:bodyPr lIns="90000" rIns="90000" tIns="46800" bIns="46800"/>
+                    <a:p>
+                      <a:r>
+                        <a:rPr b="0" lang="zxx" sz="1800" spc="-1" strike="noStrike">
+                          <a:solidFill>
+                            <a:srgbClr val="ffffff"/>
+                          </a:solidFill>
+                          <a:uFill>
+                            <a:solidFill>
+                              <a:srgbClr val="ffffff"/>
+                            </a:solidFill>
+                          </a:uFill>
+                          <a:latin typeface="Arial"/>
+                        </a:rPr>
+                        <a:t>test error rate:  </a:t>
+                      </a:r>
+                      <a:endParaRPr b="0" lang="zxx" sz="1800" spc="-1" strike="noStrike">
+                        <a:solidFill>
+                          <a:srgbClr val="ffffff"/>
+                        </a:solidFill>
+                        <a:uFill>
+                          <a:solidFill>
+                            <a:srgbClr val="ffffff"/>
+                          </a:solidFill>
+                        </a:uFill>
+                        <a:latin typeface="Arial"/>
+                      </a:endParaRPr>
+                    </a:p>
+                  </a:txBody>
+                  <a:tcPr marL="90000" marR="90000">
+                    <a:lnL w="720">
+                      <a:solidFill>
+                        <a:srgbClr val="ffffff"/>
+                      </a:solidFill>
+                    </a:lnL>
+                    <a:lnR w="720">
+                      <a:solidFill>
+                        <a:srgbClr val="ffffff"/>
+                      </a:solidFill>
+                    </a:lnR>
+                    <a:lnT w="720">
+                      <a:solidFill>
+                        <a:srgbClr val="ffffff"/>
+                      </a:solidFill>
+                    </a:lnT>
+                    <a:lnB w="720">
+                      <a:solidFill>
+                        <a:srgbClr val="ffffff"/>
+                      </a:solidFill>
+                    </a:lnB>
+                    <a:solidFill>
+                      <a:srgbClr val="76b1c7"/>
+                    </a:solidFill>
+                  </a:tcPr>
+                </a:tc>
+                <a:tc>
+                  <a:txBody>
+                    <a:bodyPr lIns="90000" rIns="90000" tIns="46800" bIns="46800"/>
+                    <a:p>
+                      <a:r>
+                        <a:rPr b="0" lang="zxx" sz="1800" spc="-1" strike="noStrike">
+                          <a:solidFill>
+                            <a:srgbClr val="ffffff"/>
+                          </a:solidFill>
+                          <a:uFill>
+                            <a:solidFill>
+                              <a:srgbClr val="ffffff"/>
+                            </a:solidFill>
+                          </a:uFill>
+                          <a:latin typeface="Arial"/>
+                        </a:rPr>
+                        <a:t>72.76%</a:t>
+                      </a:r>
+                      <a:endParaRPr b="0" lang="zxx" sz="1800" spc="-1" strike="noStrike">
+                        <a:solidFill>
+                          <a:srgbClr val="ffffff"/>
+                        </a:solidFill>
+                        <a:uFill>
+                          <a:solidFill>
+                            <a:srgbClr val="ffffff"/>
+                          </a:solidFill>
+                        </a:uFill>
+                        <a:latin typeface="Arial"/>
+                      </a:endParaRPr>
+                    </a:p>
+                  </a:txBody>
+                  <a:tcPr marL="90000" marR="90000">
+                    <a:lnL w="720">
+                      <a:solidFill>
+                        <a:srgbClr val="ffffff"/>
+                      </a:solidFill>
+                    </a:lnL>
+                    <a:lnR w="720">
+                      <a:solidFill>
+                        <a:srgbClr val="ffffff"/>
+                      </a:solidFill>
+                    </a:lnR>
+                    <a:lnT w="720">
+                      <a:solidFill>
+                        <a:srgbClr val="ffffff"/>
+                      </a:solidFill>
+                    </a:lnT>
+                    <a:lnB w="720">
+                      <a:solidFill>
+                        <a:srgbClr val="ffffff"/>
+                      </a:solidFill>
+                    </a:lnB>
+                    <a:solidFill>
+                      <a:srgbClr val="76b1c7"/>
+                    </a:solidFill>
+                  </a:tcPr>
+                </a:tc>
+              </a:tr>
+            </a:tbl>
+          </a:graphicData>
+        </a:graphic>
+      </p:graphicFrame>
+      <p:sp>
+        <p:nvSpPr>
+          <p:cNvPr id="207" name="TextShape 4"/>
           <p:cNvSpPr txBox="1"/>
           <p:nvPr/>
         </p:nvSpPr>
         <p:spPr>
           <a:xfrm>
-            <a:off x="518760" y="3657600"/>
-            <a:ext cx="8516880" cy="858600"/>
+            <a:off x="4114800" y="1188720"/>
+            <a:ext cx="4572000" cy="4114800"/>
           </a:xfrm>
           <a:prstGeom prst="rect">
             <a:avLst/>
@@ -19218,6 +18210,427 @@
         <p:txBody>
           <a:bodyPr lIns="90000" rIns="90000" tIns="45000" bIns="45000"/>
           <a:p>
+            <a:pPr marL="216000" indent="-215280">
+              <a:buClr>
+                <a:srgbClr val="000000"/>
+              </a:buClr>
+              <a:buSzPct val="45000"/>
+              <a:buFont typeface="Wingdings" charset="2"/>
+              <a:buChar char=""/>
+            </a:pPr>
+            <a:r>
+              <a:rPr b="0" lang="zxx" sz="2000" spc="-1" strike="noStrike">
+                <a:solidFill>
+                  <a:srgbClr val="00407a"/>
+                </a:solidFill>
+                <a:uFill>
+                  <a:solidFill>
+                    <a:srgbClr val="ffffff"/>
+                  </a:solidFill>
+                </a:uFill>
+                <a:latin typeface="Arial"/>
+                <a:ea typeface="DejaVu Sans"/>
+              </a:rPr>
+              <a:t>Training takes about 10x longer than on Google network (500s/epoch)</a:t>
+            </a:r>
+            <a:endParaRPr b="0" lang="zxx" sz="1800" spc="-1" strike="noStrike">
+              <a:solidFill>
+                <a:srgbClr val="000000"/>
+              </a:solidFill>
+              <a:uFill>
+                <a:solidFill>
+                  <a:srgbClr val="ffffff"/>
+                </a:solidFill>
+              </a:uFill>
+              <a:latin typeface="Arial"/>
+            </a:endParaRPr>
+          </a:p>
+          <a:p>
+            <a:pPr marL="216000" indent="-215280">
+              <a:buClr>
+                <a:srgbClr val="000000"/>
+              </a:buClr>
+              <a:buSzPct val="45000"/>
+              <a:buFont typeface="Wingdings" charset="2"/>
+              <a:buChar char=""/>
+            </a:pPr>
+            <a:r>
+              <a:rPr b="0" lang="zxx" sz="2000" spc="-1" strike="noStrike">
+                <a:solidFill>
+                  <a:srgbClr val="00407a"/>
+                </a:solidFill>
+                <a:uFill>
+                  <a:solidFill>
+                    <a:srgbClr val="ffffff"/>
+                  </a:solidFill>
+                </a:uFill>
+                <a:latin typeface="Arial"/>
+                <a:ea typeface="DejaVu Sans"/>
+              </a:rPr>
+              <a:t>Performance not better</a:t>
+            </a:r>
+            <a:endParaRPr b="0" lang="zxx" sz="1800" spc="-1" strike="noStrike">
+              <a:solidFill>
+                <a:srgbClr val="000000"/>
+              </a:solidFill>
+              <a:uFill>
+                <a:solidFill>
+                  <a:srgbClr val="ffffff"/>
+                </a:solidFill>
+              </a:uFill>
+              <a:latin typeface="Arial"/>
+            </a:endParaRPr>
+          </a:p>
+          <a:p>
+            <a:pPr marL="216000" indent="-215280">
+              <a:buClr>
+                <a:srgbClr val="000000"/>
+              </a:buClr>
+              <a:buSzPct val="45000"/>
+              <a:buFont typeface="Wingdings" charset="2"/>
+              <a:buChar char=""/>
+            </a:pPr>
+            <a:r>
+              <a:rPr b="0" lang="zxx" sz="2000" spc="-1" strike="noStrike">
+                <a:solidFill>
+                  <a:srgbClr val="00407a"/>
+                </a:solidFill>
+                <a:uFill>
+                  <a:solidFill>
+                    <a:srgbClr val="ffffff"/>
+                  </a:solidFill>
+                </a:uFill>
+                <a:latin typeface="Arial"/>
+                <a:ea typeface="DejaVu Sans"/>
+              </a:rPr>
+              <a:t>Some more layers, more parameters</a:t>
+            </a:r>
+            <a:endParaRPr b="0" lang="zxx" sz="1800" spc="-1" strike="noStrike">
+              <a:solidFill>
+                <a:srgbClr val="000000"/>
+              </a:solidFill>
+              <a:uFill>
+                <a:solidFill>
+                  <a:srgbClr val="ffffff"/>
+                </a:solidFill>
+              </a:uFill>
+              <a:latin typeface="Arial"/>
+            </a:endParaRPr>
+          </a:p>
+          <a:p>
+            <a:pPr marL="216000" indent="-215280">
+              <a:buClr>
+                <a:srgbClr val="000000"/>
+              </a:buClr>
+              <a:buSzPct val="45000"/>
+              <a:buFont typeface="Wingdings" charset="2"/>
+              <a:buChar char=""/>
+            </a:pPr>
+            <a:r>
+              <a:rPr b="0" lang="zxx" sz="2000" spc="-1" strike="noStrike">
+                <a:solidFill>
+                  <a:srgbClr val="00407a"/>
+                </a:solidFill>
+                <a:uFill>
+                  <a:solidFill>
+                    <a:srgbClr val="ffffff"/>
+                  </a:solidFill>
+                </a:uFill>
+                <a:latin typeface="Arial"/>
+                <a:ea typeface="DejaVu Sans"/>
+              </a:rPr>
+              <a:t>Good network for lipreading</a:t>
+            </a:r>
+            <a:endParaRPr b="0" lang="zxx" sz="1800" spc="-1" strike="noStrike">
+              <a:solidFill>
+                <a:srgbClr val="000000"/>
+              </a:solidFill>
+              <a:uFill>
+                <a:solidFill>
+                  <a:srgbClr val="ffffff"/>
+                </a:solidFill>
+              </a:uFill>
+              <a:latin typeface="Arial"/>
+            </a:endParaRPr>
+          </a:p>
+        </p:txBody>
+      </p:sp>
+      <p:graphicFrame>
+        <p:nvGraphicFramePr>
+          <p:cNvPr id="208" name="Table 5"/>
+          <p:cNvGraphicFramePr/>
+          <p:nvPr/>
+        </p:nvGraphicFramePr>
+        <p:xfrm>
+          <a:off x="557280" y="1656000"/>
+          <a:ext cx="3227760" cy="862200"/>
+        </p:xfrm>
+        <a:graphic>
+          <a:graphicData uri="http://schemas.openxmlformats.org/drawingml/2006/table">
+            <a:tbl>
+              <a:tblPr/>
+              <a:tblGrid>
+                <a:gridCol w="2212920"/>
+                <a:gridCol w="1014840"/>
+              </a:tblGrid>
+              <a:tr h="318600">
+                <a:tc>
+                  <a:txBody>
+                    <a:bodyPr lIns="90000" rIns="90000" tIns="46800" bIns="46800"/>
+                    <a:p>
+                      <a:r>
+                        <a:rPr b="0" lang="zxx" sz="1800" spc="-1" strike="noStrike">
+                          <a:solidFill>
+                            <a:srgbClr val="ffffff"/>
+                          </a:solidFill>
+                          <a:uFill>
+                            <a:solidFill>
+                              <a:srgbClr val="ffffff"/>
+                            </a:solidFill>
+                          </a:uFill>
+                          <a:latin typeface="Arial"/>
+                        </a:rPr>
+                        <a:t>validation error rate: </a:t>
+                      </a:r>
+                      <a:endParaRPr b="0" lang="zxx" sz="1800" spc="-1" strike="noStrike">
+                        <a:solidFill>
+                          <a:srgbClr val="ffffff"/>
+                        </a:solidFill>
+                        <a:uFill>
+                          <a:solidFill>
+                            <a:srgbClr val="ffffff"/>
+                          </a:solidFill>
+                        </a:uFill>
+                        <a:latin typeface="Arial"/>
+                      </a:endParaRPr>
+                    </a:p>
+                  </a:txBody>
+                  <a:tcPr marL="90000" marR="90000">
+                    <a:lnL w="720">
+                      <a:solidFill>
+                        <a:srgbClr val="ffffff"/>
+                      </a:solidFill>
+                    </a:lnL>
+                    <a:lnR w="720">
+                      <a:solidFill>
+                        <a:srgbClr val="ffffff"/>
+                      </a:solidFill>
+                    </a:lnR>
+                    <a:lnT w="720">
+                      <a:solidFill>
+                        <a:srgbClr val="ffffff"/>
+                      </a:solidFill>
+                    </a:lnT>
+                    <a:lnB w="720">
+                      <a:solidFill>
+                        <a:srgbClr val="ffffff"/>
+                      </a:solidFill>
+                    </a:lnB>
+                    <a:solidFill>
+                      <a:srgbClr val="76b1c7"/>
+                    </a:solidFill>
+                  </a:tcPr>
+                </a:tc>
+                <a:tc>
+                  <a:txBody>
+                    <a:bodyPr lIns="90000" rIns="90000" tIns="46800" bIns="46800"/>
+                    <a:p>
+                      <a:r>
+                        <a:rPr b="0" lang="zxx" sz="1800" spc="-1" strike="noStrike">
+                          <a:solidFill>
+                            <a:srgbClr val="ffffff"/>
+                          </a:solidFill>
+                          <a:uFill>
+                            <a:solidFill>
+                              <a:srgbClr val="ffffff"/>
+                            </a:solidFill>
+                          </a:uFill>
+                          <a:latin typeface="Arial"/>
+                        </a:rPr>
+                        <a:t>57.05%</a:t>
+                      </a:r>
+                      <a:endParaRPr b="0" lang="zxx" sz="1800" spc="-1" strike="noStrike">
+                        <a:solidFill>
+                          <a:srgbClr val="ffffff"/>
+                        </a:solidFill>
+                        <a:uFill>
+                          <a:solidFill>
+                            <a:srgbClr val="ffffff"/>
+                          </a:solidFill>
+                        </a:uFill>
+                        <a:latin typeface="Arial"/>
+                      </a:endParaRPr>
+                    </a:p>
+                  </a:txBody>
+                  <a:tcPr marL="90000" marR="90000">
+                    <a:lnL w="720">
+                      <a:solidFill>
+                        <a:srgbClr val="ffffff"/>
+                      </a:solidFill>
+                    </a:lnL>
+                    <a:lnR w="720">
+                      <a:solidFill>
+                        <a:srgbClr val="ffffff"/>
+                      </a:solidFill>
+                    </a:lnR>
+                    <a:lnT w="720">
+                      <a:solidFill>
+                        <a:srgbClr val="ffffff"/>
+                      </a:solidFill>
+                    </a:lnT>
+                    <a:lnB w="720">
+                      <a:solidFill>
+                        <a:srgbClr val="ffffff"/>
+                      </a:solidFill>
+                    </a:lnB>
+                    <a:solidFill>
+                      <a:srgbClr val="76b1c7"/>
+                    </a:solidFill>
+                  </a:tcPr>
+                </a:tc>
+              </a:tr>
+              <a:tr h="309960">
+                <a:tc>
+                  <a:txBody>
+                    <a:bodyPr lIns="90000" rIns="90000" tIns="46800" bIns="46800"/>
+                    <a:p>
+                      <a:r>
+                        <a:rPr b="0" lang="zxx" sz="1800" spc="-1" strike="noStrike">
+                          <a:solidFill>
+                            <a:srgbClr val="ffffff"/>
+                          </a:solidFill>
+                          <a:uFill>
+                            <a:solidFill>
+                              <a:srgbClr val="ffffff"/>
+                            </a:solidFill>
+                          </a:uFill>
+                          <a:latin typeface="Arial"/>
+                        </a:rPr>
+                        <a:t>test error rate:  </a:t>
+                      </a:r>
+                      <a:endParaRPr b="0" lang="zxx" sz="1800" spc="-1" strike="noStrike">
+                        <a:solidFill>
+                          <a:srgbClr val="ffffff"/>
+                        </a:solidFill>
+                        <a:uFill>
+                          <a:solidFill>
+                            <a:srgbClr val="ffffff"/>
+                          </a:solidFill>
+                        </a:uFill>
+                        <a:latin typeface="Arial"/>
+                      </a:endParaRPr>
+                    </a:p>
+                  </a:txBody>
+                  <a:tcPr marL="90000" marR="90000">
+                    <a:lnL w="720">
+                      <a:solidFill>
+                        <a:srgbClr val="ffffff"/>
+                      </a:solidFill>
+                    </a:lnL>
+                    <a:lnR w="720">
+                      <a:solidFill>
+                        <a:srgbClr val="ffffff"/>
+                      </a:solidFill>
+                    </a:lnR>
+                    <a:lnT w="720">
+                      <a:solidFill>
+                        <a:srgbClr val="ffffff"/>
+                      </a:solidFill>
+                    </a:lnT>
+                    <a:lnB w="720">
+                      <a:solidFill>
+                        <a:srgbClr val="ffffff"/>
+                      </a:solidFill>
+                    </a:lnB>
+                    <a:solidFill>
+                      <a:srgbClr val="76b1c7"/>
+                    </a:solidFill>
+                  </a:tcPr>
+                </a:tc>
+                <a:tc>
+                  <a:txBody>
+                    <a:bodyPr lIns="90000" rIns="90000" tIns="46800" bIns="46800"/>
+                    <a:p>
+                      <a:r>
+                        <a:rPr b="0" lang="zxx" sz="1800" spc="-1" strike="noStrike">
+                          <a:solidFill>
+                            <a:srgbClr val="ffffff"/>
+                          </a:solidFill>
+                          <a:uFill>
+                            <a:solidFill>
+                              <a:srgbClr val="ffffff"/>
+                            </a:solidFill>
+                          </a:uFill>
+                          <a:latin typeface="Arial"/>
+                        </a:rPr>
+                        <a:t>57.83%</a:t>
+                      </a:r>
+                      <a:endParaRPr b="0" lang="zxx" sz="1800" spc="-1" strike="noStrike">
+                        <a:solidFill>
+                          <a:srgbClr val="ffffff"/>
+                        </a:solidFill>
+                        <a:uFill>
+                          <a:solidFill>
+                            <a:srgbClr val="ffffff"/>
+                          </a:solidFill>
+                        </a:uFill>
+                        <a:latin typeface="Arial"/>
+                      </a:endParaRPr>
+                    </a:p>
+                  </a:txBody>
+                  <a:tcPr marL="90000" marR="90000">
+                    <a:lnL w="720">
+                      <a:solidFill>
+                        <a:srgbClr val="ffffff"/>
+                      </a:solidFill>
+                    </a:lnL>
+                    <a:lnR w="720">
+                      <a:solidFill>
+                        <a:srgbClr val="ffffff"/>
+                      </a:solidFill>
+                    </a:lnR>
+                    <a:lnT w="720">
+                      <a:solidFill>
+                        <a:srgbClr val="ffffff"/>
+                      </a:solidFill>
+                    </a:lnT>
+                    <a:lnB w="720">
+                      <a:solidFill>
+                        <a:srgbClr val="ffffff"/>
+                      </a:solidFill>
+                    </a:lnB>
+                    <a:solidFill>
+                      <a:srgbClr val="76b1c7"/>
+                    </a:solidFill>
+                  </a:tcPr>
+                </a:tc>
+              </a:tr>
+            </a:tbl>
+          </a:graphicData>
+        </a:graphic>
+      </p:graphicFrame>
+      <p:sp>
+        <p:nvSpPr>
+          <p:cNvPr id="209" name="TextShape 6"/>
+          <p:cNvSpPr txBox="1"/>
+          <p:nvPr/>
+        </p:nvSpPr>
+        <p:spPr>
+          <a:xfrm>
+            <a:off x="1737360" y="5943600"/>
+            <a:ext cx="4274280" cy="346680"/>
+          </a:xfrm>
+          <a:prstGeom prst="rect">
+            <a:avLst/>
+          </a:prstGeom>
+          <a:noFill/>
+          <a:ln>
+            <a:noFill/>
+          </a:ln>
+        </p:spPr>
+        <p:txBody>
+          <a:bodyPr lIns="90000" rIns="90000" tIns="45000" bIns="45000"/>
+          <a:p>
             <a:r>
               <a:rPr b="0" lang="zxx" sz="1500" spc="-1" strike="noStrike">
                 <a:solidFill>
@@ -19230,145 +18643,7 @@
                 </a:uFill>
                 <a:latin typeface="Arial"/>
               </a:rPr>
-              <a:t>1) python preprocessImage.py -i testImages/image.jpg</a:t>
-            </a:r>
-            <a:endParaRPr b="0" lang="zxx" sz="1800" spc="-1" strike="noStrike">
-              <a:solidFill>
-                <a:srgbClr val="000000"/>
-              </a:solidFill>
-              <a:uFill>
-                <a:solidFill>
-                  <a:srgbClr val="ffffff"/>
-                </a:solidFill>
-              </a:uFill>
-              <a:latin typeface="Arial"/>
-            </a:endParaRPr>
-          </a:p>
-          <a:p>
-            <a:r>
-              <a:rPr b="0" lang="zxx" sz="1500" spc="-1" strike="noStrike">
-                <a:solidFill>
-                  <a:srgbClr val="000000"/>
-                </a:solidFill>
-                <a:uFill>
-                  <a:solidFill>
-                    <a:srgbClr val="ffffff"/>
-                  </a:solidFill>
-                </a:uFill>
-                <a:latin typeface="Arial"/>
-              </a:rPr>
-              <a:t>2) python evaluateImage.py -i testImages/image_mouth_gray_resized.jpg</a:t>
-            </a:r>
-            <a:endParaRPr b="0" lang="zxx" sz="1800" spc="-1" strike="noStrike">
-              <a:solidFill>
-                <a:srgbClr val="000000"/>
-              </a:solidFill>
-              <a:uFill>
-                <a:solidFill>
-                  <a:srgbClr val="ffffff"/>
-                </a:solidFill>
-              </a:uFill>
-              <a:latin typeface="Arial"/>
-            </a:endParaRPr>
-          </a:p>
-          <a:p>
-            <a:r>
-              <a:rPr b="0" lang="zxx" sz="1500" spc="-1" strike="noStrike">
-                <a:solidFill>
-                  <a:srgbClr val="000000"/>
-                </a:solidFill>
-                <a:uFill>
-                  <a:solidFill>
-                    <a:srgbClr val="ffffff"/>
-                  </a:solidFill>
-                </a:uFill>
-                <a:latin typeface="Arial"/>
-              </a:rPr>
-              <a:t>	</a:t>
-            </a:r>
-            <a:r>
-              <a:rPr b="0" lang="zxx" sz="1500" spc="-1" strike="noStrike">
-                <a:solidFill>
-                  <a:srgbClr val="000000"/>
-                </a:solidFill>
-                <a:uFill>
-                  <a:solidFill>
-                    <a:srgbClr val="ffffff"/>
-                  </a:solidFill>
-                </a:uFill>
-                <a:latin typeface="Arial"/>
-              </a:rPr>
-              <a:t>	</a:t>
-            </a:r>
-            <a:r>
-              <a:rPr b="0" lang="zxx" sz="1500" spc="-1" strike="noStrike">
-                <a:solidFill>
-                  <a:srgbClr val="000000"/>
-                </a:solidFill>
-                <a:uFill>
-                  <a:solidFill>
-                    <a:srgbClr val="ffffff"/>
-                  </a:solidFill>
-                </a:uFill>
-                <a:latin typeface="Arial"/>
-              </a:rPr>
-              <a:t>	</a:t>
-            </a:r>
-            <a:r>
-              <a:rPr b="0" lang="zxx" sz="1500" spc="-1" strike="noStrike">
-                <a:solidFill>
-                  <a:srgbClr val="000000"/>
-                </a:solidFill>
-                <a:uFill>
-                  <a:solidFill>
-                    <a:srgbClr val="ffffff"/>
-                  </a:solidFill>
-                </a:uFill>
-                <a:latin typeface="Arial"/>
-              </a:rPr>
-              <a:t>	</a:t>
-            </a:r>
-            <a:r>
-              <a:rPr b="0" lang="zxx" sz="1500" spc="-1" strike="noStrike">
-                <a:solidFill>
-                  <a:srgbClr val="000000"/>
-                </a:solidFill>
-                <a:uFill>
-                  <a:solidFill>
-                    <a:srgbClr val="ffffff"/>
-                  </a:solidFill>
-                </a:uFill>
-                <a:latin typeface="Arial"/>
-              </a:rPr>
-              <a:t>	</a:t>
-            </a:r>
-            <a:r>
-              <a:rPr b="0" lang="zxx" sz="1500" spc="-1" strike="noStrike">
-                <a:solidFill>
-                  <a:srgbClr val="000000"/>
-                </a:solidFill>
-                <a:uFill>
-                  <a:solidFill>
-                    <a:srgbClr val="ffffff"/>
-                  </a:solidFill>
-                </a:uFill>
-                <a:latin typeface="Arial"/>
-              </a:rPr>
-              <a:t>   </a:t>
-            </a:r>
-            <a:r>
-              <a:rPr b="0" lang="zxx" sz="1500" spc="-1" strike="noStrike">
-                <a:solidFill>
-                  <a:srgbClr val="000000"/>
-                </a:solidFill>
-                <a:uFill>
-                  <a:solidFill>
-                    <a:srgbClr val="ffffff"/>
-                  </a:solidFill>
-                </a:uFill>
-                <a:latin typeface="Arial"/>
-              </a:rPr>
-              <a:t>-m results/ResNet50/allLipspeakers/allLipspeakers.npz</a:t>
+              <a:t>http://www.cs.toronto.edu/~kriz/cifar.html</a:t>
             </a:r>
             <a:endParaRPr b="0" lang="zxx" sz="1800" spc="-1" strike="noStrike">
               <a:solidFill>
@@ -19435,59 +18710,7 @@
       </p:grpSpPr>
       <p:sp>
         <p:nvSpPr>
-          <p:cNvPr id="205" name="CustomShape 1"/>
-          <p:cNvSpPr/>
-          <p:nvPr/>
-        </p:nvSpPr>
-        <p:spPr>
-          <a:xfrm>
-            <a:off x="703440" y="6248520"/>
-            <a:ext cx="1897560" cy="456120"/>
-          </a:xfrm>
-          <a:prstGeom prst="rect">
-            <a:avLst/>
-          </a:prstGeom>
-          <a:noFill/>
-          <a:ln>
-            <a:noFill/>
-          </a:ln>
-        </p:spPr>
-        <p:style>
-          <a:lnRef idx="0"/>
-          <a:fillRef idx="0"/>
-          <a:effectRef idx="0"/>
-          <a:fontRef idx="minor"/>
-        </p:style>
-      </p:sp>
-      <p:sp>
-        <p:nvSpPr>
-          <p:cNvPr id="206" name="CustomShape 2"/>
-          <p:cNvSpPr/>
-          <p:nvPr/>
-        </p:nvSpPr>
-        <p:spPr>
-          <a:xfrm>
-            <a:off x="3165480" y="6248520"/>
-            <a:ext cx="2811960" cy="456120"/>
-          </a:xfrm>
-          <a:prstGeom prst="rect">
-            <a:avLst/>
-          </a:prstGeom>
-          <a:noFill/>
-          <a:ln>
-            <a:noFill/>
-          </a:ln>
-        </p:spPr>
-        <p:style>
-          <a:lnRef idx="0"/>
-          <a:fillRef idx="0"/>
-          <a:effectRef idx="0"/>
-          <a:fontRef idx="minor"/>
-        </p:style>
-      </p:sp>
-      <p:sp>
-        <p:nvSpPr>
-          <p:cNvPr id="207" name="CustomShape 3"/>
+          <p:cNvPr id="210" name="CustomShape 1"/>
           <p:cNvSpPr/>
           <p:nvPr/>
         </p:nvSpPr>
@@ -19531,7 +18754,22 @@
                 <a:latin typeface="Arial"/>
                 <a:ea typeface="DejaVu Sans"/>
               </a:rPr>
-              <a:t>6. Lipreading: Google WLAS</a:t>
+              <a:t>6. Lipreading: </a:t>
+            </a:r>
+            <a:r>
+              <a:rPr b="0" lang="zxx" sz="3600" spc="-1" strike="noStrike">
+                <a:solidFill>
+                  <a:srgbClr val="52bdec"/>
+                </a:solidFill>
+                <a:uFill>
+                  <a:solidFill>
+                    <a:srgbClr val="ffffff"/>
+                  </a:solidFill>
+                </a:uFill>
+                <a:latin typeface="Arial"/>
+                <a:ea typeface="DejaVu Sans"/>
+              </a:rPr>
+              <a:t>results ResNet50</a:t>
             </a:r>
             <a:endParaRPr b="0" lang="zxx" sz="1800" spc="-1" strike="noStrike">
               <a:solidFill>
@@ -19549,76 +18787,14 @@
       </p:sp>
       <p:sp>
         <p:nvSpPr>
-          <p:cNvPr id="208" name="CustomShape 4"/>
+          <p:cNvPr id="211" name="CustomShape 2"/>
           <p:cNvSpPr/>
           <p:nvPr/>
         </p:nvSpPr>
         <p:spPr>
           <a:xfrm>
-            <a:off x="0" y="6408000"/>
-            <a:ext cx="9142920" cy="484920"/>
-          </a:xfrm>
-          <a:prstGeom prst="rect">
-            <a:avLst/>
-          </a:prstGeom>
-          <a:noFill/>
-          <a:ln>
-            <a:noFill/>
-          </a:ln>
-        </p:spPr>
-        <p:style>
-          <a:lnRef idx="0"/>
-          <a:fillRef idx="0"/>
-          <a:effectRef idx="0"/>
-          <a:fontRef idx="minor"/>
-        </p:style>
-        <p:txBody>
-          <a:bodyPr lIns="0" rIns="0" tIns="0" bIns="0" anchor="ctr"/>
-          <a:p>
-            <a:pPr algn="ctr">
-              <a:lnSpc>
-                <a:spcPct val="100000"/>
-              </a:lnSpc>
-            </a:pPr>
-            <a:fld id="{075381BF-004F-4121-A744-120BA3B6320B}" type="slidenum">
-              <a:rPr b="0" lang="zxx" sz="1600" spc="-1" strike="noStrike">
-                <a:solidFill>
-                  <a:srgbClr val="ffffff"/>
-                </a:solidFill>
-                <a:uFill>
-                  <a:solidFill>
-                    <a:srgbClr val="ffffff"/>
-                  </a:solidFill>
-                </a:uFill>
-                <a:latin typeface="Arial"/>
-                <a:ea typeface="DejaVu Sans"/>
-              </a:rPr>
-              <a:t>&lt;number&gt;</a:t>
-            </a:fld>
-            <a:endParaRPr b="0" lang="zxx" sz="1800" spc="-1" strike="noStrike">
-              <a:solidFill>
-                <a:srgbClr val="000000"/>
-              </a:solidFill>
-              <a:uFill>
-                <a:solidFill>
-                  <a:srgbClr val="ffffff"/>
-                </a:solidFill>
-              </a:uFill>
-              <a:latin typeface="Arial"/>
-            </a:endParaRPr>
-          </a:p>
-        </p:txBody>
-      </p:sp>
-      <p:sp>
-        <p:nvSpPr>
-          <p:cNvPr id="209" name="CustomShape 5"/>
-          <p:cNvSpPr/>
-          <p:nvPr/>
-        </p:nvSpPr>
-        <p:spPr>
-          <a:xfrm>
-            <a:off x="251640" y="891360"/>
-            <a:ext cx="8621280" cy="5056920"/>
+            <a:off x="274320" y="731520"/>
+            <a:ext cx="4846320" cy="4023360"/>
           </a:xfrm>
           <a:prstGeom prst="rect">
             <a:avLst/>
@@ -19637,110 +18813,6 @@
         <p:txBody>
           <a:bodyPr lIns="0" rIns="0" tIns="0" bIns="0"/>
           <a:p>
-            <a:pPr marL="360000" indent="-358920">
-              <a:lnSpc>
-                <a:spcPct val="100000"/>
-              </a:lnSpc>
-              <a:buClr>
-                <a:srgbClr val="00407a"/>
-              </a:buClr>
-              <a:buSzPct val="110000"/>
-              <a:buFont typeface="Arial"/>
-              <a:buChar char="•"/>
-            </a:pPr>
-            <a:r>
-              <a:rPr b="0" lang="zxx" sz="2000" spc="-1" strike="noStrike">
-                <a:solidFill>
-                  <a:srgbClr val="00407a"/>
-                </a:solidFill>
-                <a:uFill>
-                  <a:solidFill>
-                    <a:srgbClr val="ffffff"/>
-                  </a:solidFill>
-                </a:uFill>
-                <a:latin typeface="Arial"/>
-                <a:ea typeface="DejaVu Sans"/>
-              </a:rPr>
-              <a:t> </a:t>
-            </a:r>
-            <a:endParaRPr b="0" lang="zxx" sz="1800" spc="-1" strike="noStrike">
-              <a:solidFill>
-                <a:srgbClr val="000000"/>
-              </a:solidFill>
-              <a:uFill>
-                <a:solidFill>
-                  <a:srgbClr val="ffffff"/>
-                </a:solidFill>
-              </a:uFill>
-              <a:latin typeface="Arial"/>
-            </a:endParaRPr>
-          </a:p>
-          <a:p>
-            <a:pPr>
-              <a:lnSpc>
-                <a:spcPct val="100000"/>
-              </a:lnSpc>
-            </a:pPr>
-            <a:endParaRPr b="0" lang="zxx" sz="1800" spc="-1" strike="noStrike">
-              <a:solidFill>
-                <a:srgbClr val="000000"/>
-              </a:solidFill>
-              <a:uFill>
-                <a:solidFill>
-                  <a:srgbClr val="ffffff"/>
-                </a:solidFill>
-              </a:uFill>
-              <a:latin typeface="Arial"/>
-            </a:endParaRPr>
-          </a:p>
-          <a:p>
-            <a:pPr>
-              <a:lnSpc>
-                <a:spcPct val="100000"/>
-              </a:lnSpc>
-            </a:pPr>
-            <a:endParaRPr b="0" lang="zxx" sz="1800" spc="-1" strike="noStrike">
-              <a:solidFill>
-                <a:srgbClr val="000000"/>
-              </a:solidFill>
-              <a:uFill>
-                <a:solidFill>
-                  <a:srgbClr val="ffffff"/>
-                </a:solidFill>
-              </a:uFill>
-              <a:latin typeface="Arial"/>
-            </a:endParaRPr>
-          </a:p>
-        </p:txBody>
-      </p:sp>
-      <p:sp>
-        <p:nvSpPr>
-          <p:cNvPr id="210" name="CustomShape 6"/>
-          <p:cNvSpPr/>
-          <p:nvPr/>
-        </p:nvSpPr>
-        <p:spPr>
-          <a:xfrm>
-            <a:off x="251640" y="963720"/>
-            <a:ext cx="8784000" cy="4796280"/>
-          </a:xfrm>
-          <a:prstGeom prst="rect">
-            <a:avLst/>
-          </a:prstGeom>
-          <a:noFill/>
-          <a:ln>
-            <a:noFill/>
-          </a:ln>
-        </p:spPr>
-        <p:style>
-          <a:lnRef idx="0"/>
-          <a:fillRef idx="0"/>
-          <a:effectRef idx="0"/>
-          <a:fontRef idx="minor"/>
-        </p:style>
-        <p:txBody>
-          <a:bodyPr lIns="0" rIns="0" tIns="0" bIns="0"/>
-          <a:p>
             <a:pPr>
               <a:lnSpc>
                 <a:spcPct val="100000"/>
@@ -19783,7 +18855,85 @@
                 <a:latin typeface="Arial"/>
                 <a:ea typeface="DejaVu Sans"/>
               </a:rPr>
-              <a:t>Nov 2016</a:t>
+              <a:t>Train and test on lipspeakers:</a:t>
+            </a:r>
+            <a:endParaRPr b="0" lang="zxx" sz="1800" spc="-1" strike="noStrike">
+              <a:solidFill>
+                <a:srgbClr val="000000"/>
+              </a:solidFill>
+              <a:uFill>
+                <a:solidFill>
+                  <a:srgbClr val="ffffff"/>
+                </a:solidFill>
+              </a:uFill>
+              <a:latin typeface="Arial"/>
+            </a:endParaRPr>
+          </a:p>
+          <a:p>
+            <a:pPr lvl="4" marL="1080000" indent="-216000">
+              <a:lnSpc>
+                <a:spcPct val="100000"/>
+              </a:lnSpc>
+              <a:buClr>
+                <a:srgbClr val="000000"/>
+              </a:buClr>
+              <a:buSzPct val="45000"/>
+              <a:buFont typeface="Wingdings" charset="2"/>
+              <a:buChar char=""/>
+            </a:pPr>
+            <a:r>
+              <a:rPr b="0" lang="zxx" sz="2000" spc="-1" strike="noStrike">
+                <a:solidFill>
+                  <a:srgbClr val="00407a"/>
+                </a:solidFill>
+                <a:uFill>
+                  <a:solidFill>
+                    <a:srgbClr val="ffffff"/>
+                  </a:solidFill>
+                </a:uFill>
+                <a:latin typeface="Arial"/>
+                <a:ea typeface="DejaVu Sans"/>
+              </a:rPr>
+              <a:t> </a:t>
+            </a:r>
+            <a:endParaRPr b="0" lang="zxx" sz="1800" spc="-1" strike="noStrike">
+              <a:solidFill>
+                <a:srgbClr val="000000"/>
+              </a:solidFill>
+              <a:uFill>
+                <a:solidFill>
+                  <a:srgbClr val="ffffff"/>
+                </a:solidFill>
+              </a:uFill>
+              <a:latin typeface="Arial"/>
+            </a:endParaRPr>
+          </a:p>
+          <a:p>
+            <a:pPr lvl="4" marL="1080000" indent="-216000">
+              <a:lnSpc>
+                <a:spcPct val="100000"/>
+              </a:lnSpc>
+              <a:buClr>
+                <a:srgbClr val="000000"/>
+              </a:buClr>
+              <a:buSzPct val="45000"/>
+              <a:buFont typeface="Wingdings" charset="2"/>
+              <a:buChar char=""/>
+            </a:pPr>
+            <a:r>
+              <a:rPr b="0" lang="zxx" sz="2000" spc="-1" strike="noStrike">
+                <a:solidFill>
+                  <a:srgbClr val="00407a"/>
+                </a:solidFill>
+                <a:uFill>
+                  <a:solidFill>
+                    <a:srgbClr val="ffffff"/>
+                  </a:solidFill>
+                </a:uFill>
+                <a:latin typeface="Arial"/>
+                <a:ea typeface="DejaVu Sans"/>
+              </a:rPr>
+              <a:t> </a:t>
             </a:r>
             <a:endParaRPr b="0" lang="zxx" sz="1800" spc="-1" strike="noStrike">
               <a:solidFill>
@@ -19822,7 +18972,7 @@
                 <a:latin typeface="Arial"/>
                 <a:ea typeface="DejaVu Sans"/>
               </a:rPr>
-              <a:t>Goal: transcribe videos of mouth motion to characters</a:t>
+              <a:t> </a:t>
             </a:r>
             <a:endParaRPr b="0" lang="zxx" sz="1800" spc="-1" strike="noStrike">
               <a:solidFill>
@@ -19861,7 +19011,7 @@
                 <a:latin typeface="Arial"/>
                 <a:ea typeface="DejaVu Sans"/>
               </a:rPr>
-              <a:t>Beats a professional lip reader on videos from BBC television</a:t>
+              <a:t>Trained and test on volunteers:</a:t>
             </a:r>
             <a:endParaRPr b="0" lang="zxx" sz="1800" spc="-1" strike="noStrike">
               <a:solidFill>
@@ -19900,8 +19050,216 @@
                 <a:latin typeface="Arial"/>
                 <a:ea typeface="DejaVu Sans"/>
               </a:rPr>
-              <a:t>3 parts, merged with alignment mechanism</a:t>
-            </a:r>
+              <a:t> </a:t>
+            </a:r>
+            <a:endParaRPr b="0" lang="zxx" sz="1800" spc="-1" strike="noStrike">
+              <a:solidFill>
+                <a:srgbClr val="000000"/>
+              </a:solidFill>
+              <a:uFill>
+                <a:solidFill>
+                  <a:srgbClr val="ffffff"/>
+                </a:solidFill>
+              </a:uFill>
+              <a:latin typeface="Arial"/>
+            </a:endParaRPr>
+          </a:p>
+          <a:p>
+            <a:pPr marL="216000" indent="-215280">
+              <a:lnSpc>
+                <a:spcPct val="100000"/>
+              </a:lnSpc>
+              <a:buClr>
+                <a:srgbClr val="000000"/>
+              </a:buClr>
+              <a:buSzPct val="45000"/>
+              <a:buFont typeface="Wingdings" charset="2"/>
+              <a:buChar char=""/>
+            </a:pPr>
+            <a:r>
+              <a:rPr b="0" lang="zxx" sz="2000" spc="-1" strike="noStrike">
+                <a:solidFill>
+                  <a:srgbClr val="00407a"/>
+                </a:solidFill>
+                <a:uFill>
+                  <a:solidFill>
+                    <a:srgbClr val="ffffff"/>
+                  </a:solidFill>
+                </a:uFill>
+                <a:latin typeface="Arial"/>
+                <a:ea typeface="DejaVu Sans"/>
+              </a:rPr>
+              <a:t> </a:t>
+            </a:r>
+            <a:endParaRPr b="0" lang="zxx" sz="1800" spc="-1" strike="noStrike">
+              <a:solidFill>
+                <a:srgbClr val="000000"/>
+              </a:solidFill>
+              <a:uFill>
+                <a:solidFill>
+                  <a:srgbClr val="ffffff"/>
+                </a:solidFill>
+              </a:uFill>
+              <a:latin typeface="Arial"/>
+            </a:endParaRPr>
+          </a:p>
+          <a:p>
+            <a:pPr marL="216000" indent="-215280">
+              <a:lnSpc>
+                <a:spcPct val="100000"/>
+              </a:lnSpc>
+              <a:buClr>
+                <a:srgbClr val="000000"/>
+              </a:buClr>
+              <a:buSzPct val="45000"/>
+              <a:buFont typeface="Wingdings" charset="2"/>
+              <a:buChar char=""/>
+            </a:pPr>
+            <a:r>
+              <a:rPr b="0" lang="zxx" sz="2000" spc="-1" strike="noStrike">
+                <a:solidFill>
+                  <a:srgbClr val="00407a"/>
+                </a:solidFill>
+                <a:uFill>
+                  <a:solidFill>
+                    <a:srgbClr val="ffffff"/>
+                  </a:solidFill>
+                </a:uFill>
+                <a:latin typeface="Arial"/>
+                <a:ea typeface="DejaVu Sans"/>
+              </a:rPr>
+              <a:t> </a:t>
+            </a:r>
+            <a:endParaRPr b="0" lang="zxx" sz="1800" spc="-1" strike="noStrike">
+              <a:solidFill>
+                <a:srgbClr val="000000"/>
+              </a:solidFill>
+              <a:uFill>
+                <a:solidFill>
+                  <a:srgbClr val="ffffff"/>
+                </a:solidFill>
+              </a:uFill>
+              <a:latin typeface="Arial"/>
+            </a:endParaRPr>
+          </a:p>
+          <a:p>
+            <a:pPr marL="216000" indent="-215280">
+              <a:lnSpc>
+                <a:spcPct val="100000"/>
+              </a:lnSpc>
+              <a:buClr>
+                <a:srgbClr val="000000"/>
+              </a:buClr>
+              <a:buSzPct val="45000"/>
+              <a:buFont typeface="Wingdings" charset="2"/>
+              <a:buChar char=""/>
+            </a:pPr>
+            <a:r>
+              <a:rPr b="0" lang="zxx" sz="2000" spc="-1" strike="noStrike">
+                <a:solidFill>
+                  <a:srgbClr val="00407a"/>
+                </a:solidFill>
+                <a:uFill>
+                  <a:solidFill>
+                    <a:srgbClr val="ffffff"/>
+                  </a:solidFill>
+                </a:uFill>
+                <a:latin typeface="Arial"/>
+                <a:ea typeface="DejaVu Sans"/>
+              </a:rPr>
+              <a:t> </a:t>
+            </a:r>
+            <a:endParaRPr b="0" lang="zxx" sz="1800" spc="-1" strike="noStrike">
+              <a:solidFill>
+                <a:srgbClr val="000000"/>
+              </a:solidFill>
+              <a:uFill>
+                <a:solidFill>
+                  <a:srgbClr val="ffffff"/>
+                </a:solidFill>
+              </a:uFill>
+              <a:latin typeface="Arial"/>
+            </a:endParaRPr>
+          </a:p>
+          <a:p>
+            <a:pPr marL="216000" indent="-215280">
+              <a:lnSpc>
+                <a:spcPct val="100000"/>
+              </a:lnSpc>
+              <a:buClr>
+                <a:srgbClr val="000000"/>
+              </a:buClr>
+              <a:buSzPct val="45000"/>
+              <a:buFont typeface="Wingdings" charset="2"/>
+              <a:buChar char=""/>
+            </a:pPr>
+            <a:r>
+              <a:rPr b="0" lang="zxx" sz="2000" spc="-1" strike="noStrike">
+                <a:solidFill>
+                  <a:srgbClr val="00407a"/>
+                </a:solidFill>
+                <a:uFill>
+                  <a:solidFill>
+                    <a:srgbClr val="ffffff"/>
+                  </a:solidFill>
+                </a:uFill>
+                <a:latin typeface="Arial"/>
+                <a:ea typeface="DejaVu Sans"/>
+              </a:rPr>
+              <a:t> </a:t>
+            </a:r>
+            <a:endParaRPr b="0" lang="zxx" sz="1800" spc="-1" strike="noStrike">
+              <a:solidFill>
+                <a:srgbClr val="000000"/>
+              </a:solidFill>
+              <a:uFill>
+                <a:solidFill>
+                  <a:srgbClr val="ffffff"/>
+                </a:solidFill>
+              </a:uFill>
+              <a:latin typeface="Arial"/>
+            </a:endParaRPr>
+          </a:p>
+          <a:p>
+            <a:pPr marL="216000" indent="-215280">
+              <a:lnSpc>
+                <a:spcPct val="100000"/>
+              </a:lnSpc>
+              <a:buClr>
+                <a:srgbClr val="000000"/>
+              </a:buClr>
+              <a:buSzPct val="45000"/>
+              <a:buFont typeface="Wingdings" charset="2"/>
+              <a:buChar char=""/>
+            </a:pPr>
+            <a:r>
+              <a:rPr b="0" lang="zxx" sz="2000" spc="-1" strike="noStrike">
+                <a:solidFill>
+                  <a:srgbClr val="00407a"/>
+                </a:solidFill>
+                <a:uFill>
+                  <a:solidFill>
+                    <a:srgbClr val="ffffff"/>
+                  </a:solidFill>
+                </a:uFill>
+                <a:latin typeface="Arial"/>
+                <a:ea typeface="DejaVu Sans"/>
+              </a:rPr>
+              <a:t> </a:t>
+            </a:r>
+            <a:endParaRPr b="0" lang="zxx" sz="1800" spc="-1" strike="noStrike">
+              <a:solidFill>
+                <a:srgbClr val="000000"/>
+              </a:solidFill>
+              <a:uFill>
+                <a:solidFill>
+                  <a:srgbClr val="ffffff"/>
+                </a:solidFill>
+              </a:uFill>
+              <a:latin typeface="Arial"/>
+            </a:endParaRPr>
+          </a:p>
+          <a:p>
             <a:endParaRPr b="0" lang="zxx" sz="1800" spc="-1" strike="noStrike">
               <a:solidFill>
                 <a:srgbClr val="000000"/>
@@ -19916,39 +19274,270 @@
           </a:p>
         </p:txBody>
       </p:sp>
-      <p:pic>
-        <p:nvPicPr>
-          <p:cNvPr id="211" name="" descr=""/>
-          <p:cNvPicPr/>
+      <p:graphicFrame>
+        <p:nvGraphicFramePr>
+          <p:cNvPr id="212" name="Table 3"/>
+          <p:cNvGraphicFramePr/>
           <p:nvPr/>
-        </p:nvPicPr>
-        <p:blipFill>
-          <a:blip r:embed="rId1"/>
-          <a:stretch/>
-        </p:blipFill>
-        <p:spPr>
-          <a:xfrm>
-            <a:off x="3052080" y="3200400"/>
-            <a:ext cx="2982960" cy="948240"/>
-          </a:xfrm>
-          <a:prstGeom prst="rect">
-            <a:avLst/>
-          </a:prstGeom>
-          <a:ln>
-            <a:noFill/>
-          </a:ln>
-        </p:spPr>
-      </p:pic>
-      <p:sp>
-        <p:nvSpPr>
-          <p:cNvPr id="212" name="TextShape 7"/>
+        </p:nvGraphicFramePr>
+        <p:xfrm>
+          <a:off x="564480" y="3226680"/>
+          <a:ext cx="3227040" cy="1211400"/>
+        </p:xfrm>
+        <a:graphic>
+          <a:graphicData uri="http://schemas.openxmlformats.org/drawingml/2006/table">
+            <a:tbl>
+              <a:tblPr/>
+              <a:tblGrid>
+                <a:gridCol w="2212560"/>
+                <a:gridCol w="1014480"/>
+              </a:tblGrid>
+              <a:tr h="349920">
+                <a:tc>
+                  <a:txBody>
+                    <a:bodyPr lIns="90000" rIns="90000" tIns="46800" bIns="46800"/>
+                    <a:p>
+                      <a:r>
+                        <a:rPr b="0" lang="zxx" sz="1800" spc="-1" strike="noStrike">
+                          <a:solidFill>
+                            <a:srgbClr val="ffffff"/>
+                          </a:solidFill>
+                          <a:uFill>
+                            <a:solidFill>
+                              <a:srgbClr val="ffffff"/>
+                            </a:solidFill>
+                          </a:uFill>
+                          <a:latin typeface="Arial"/>
+                        </a:rPr>
+                        <a:t>validation error rate: </a:t>
+                      </a:r>
+                      <a:endParaRPr b="0" lang="zxx" sz="1800" spc="-1" strike="noStrike">
+                        <a:solidFill>
+                          <a:srgbClr val="ffffff"/>
+                        </a:solidFill>
+                        <a:uFill>
+                          <a:solidFill>
+                            <a:srgbClr val="ffffff"/>
+                          </a:solidFill>
+                        </a:uFill>
+                        <a:latin typeface="Arial"/>
+                      </a:endParaRPr>
+                    </a:p>
+                  </a:txBody>
+                  <a:tcPr marL="90000" marR="90000">
+                    <a:lnL w="720">
+                      <a:solidFill>
+                        <a:srgbClr val="ffffff"/>
+                      </a:solidFill>
+                    </a:lnL>
+                    <a:lnR w="720">
+                      <a:solidFill>
+                        <a:srgbClr val="ffffff"/>
+                      </a:solidFill>
+                    </a:lnR>
+                    <a:lnT w="720">
+                      <a:solidFill>
+                        <a:srgbClr val="ffffff"/>
+                      </a:solidFill>
+                    </a:lnT>
+                    <a:lnB w="720">
+                      <a:solidFill>
+                        <a:srgbClr val="ffffff"/>
+                      </a:solidFill>
+                    </a:lnB>
+                    <a:solidFill>
+                      <a:srgbClr val="76b1c7"/>
+                    </a:solidFill>
+                  </a:tcPr>
+                </a:tc>
+                <a:tc>
+                  <a:txBody>
+                    <a:bodyPr lIns="90000" rIns="90000" tIns="46800" bIns="46800"/>
+                    <a:p>
+                      <a:r>
+                        <a:rPr b="0" lang="zxx" sz="1800" spc="-1" strike="noStrike">
+                          <a:solidFill>
+                            <a:srgbClr val="ffffff"/>
+                          </a:solidFill>
+                          <a:uFill>
+                            <a:solidFill>
+                              <a:srgbClr val="ffffff"/>
+                            </a:solidFill>
+                          </a:uFill>
+                          <a:latin typeface="Arial"/>
+                        </a:rPr>
+                        <a:t>74.48%</a:t>
+                      </a:r>
+                      <a:endParaRPr b="0" lang="zxx" sz="1800" spc="-1" strike="noStrike">
+                        <a:solidFill>
+                          <a:srgbClr val="ffffff"/>
+                        </a:solidFill>
+                        <a:uFill>
+                          <a:solidFill>
+                            <a:srgbClr val="ffffff"/>
+                          </a:solidFill>
+                        </a:uFill>
+                        <a:latin typeface="Arial"/>
+                      </a:endParaRPr>
+                    </a:p>
+                  </a:txBody>
+                  <a:tcPr marL="90000" marR="90000">
+                    <a:lnL w="720">
+                      <a:solidFill>
+                        <a:srgbClr val="ffffff"/>
+                      </a:solidFill>
+                    </a:lnL>
+                    <a:lnR w="720">
+                      <a:solidFill>
+                        <a:srgbClr val="ffffff"/>
+                      </a:solidFill>
+                    </a:lnR>
+                    <a:lnT w="720">
+                      <a:solidFill>
+                        <a:srgbClr val="ffffff"/>
+                      </a:solidFill>
+                    </a:lnT>
+                    <a:lnB w="720">
+                      <a:solidFill>
+                        <a:srgbClr val="ffffff"/>
+                      </a:solidFill>
+                    </a:lnB>
+                    <a:solidFill>
+                      <a:srgbClr val="76b1c7"/>
+                    </a:solidFill>
+                  </a:tcPr>
+                </a:tc>
+              </a:tr>
+              <a:tr h="349920">
+                <a:tc>
+                  <a:txBody>
+                    <a:bodyPr lIns="90000" rIns="90000" tIns="46800" bIns="46800"/>
+                    <a:p>
+                      <a:r>
+                        <a:rPr b="0" lang="zxx" sz="1800" spc="-1" strike="noStrike">
+                          <a:solidFill>
+                            <a:srgbClr val="ffffff"/>
+                          </a:solidFill>
+                          <a:uFill>
+                            <a:solidFill>
+                              <a:srgbClr val="ffffff"/>
+                            </a:solidFill>
+                          </a:uFill>
+                          <a:latin typeface="Arial"/>
+                        </a:rPr>
+                        <a:t>test error rate:  </a:t>
+                      </a:r>
+                      <a:endParaRPr b="0" lang="zxx" sz="1800" spc="-1" strike="noStrike">
+                        <a:solidFill>
+                          <a:srgbClr val="ffffff"/>
+                        </a:solidFill>
+                        <a:uFill>
+                          <a:solidFill>
+                            <a:srgbClr val="ffffff"/>
+                          </a:solidFill>
+                        </a:uFill>
+                        <a:latin typeface="Arial"/>
+                      </a:endParaRPr>
+                    </a:p>
+                  </a:txBody>
+                  <a:tcPr marL="90000" marR="90000">
+                    <a:lnL w="720">
+                      <a:solidFill>
+                        <a:srgbClr val="ffffff"/>
+                      </a:solidFill>
+                    </a:lnL>
+                    <a:lnR w="720">
+                      <a:solidFill>
+                        <a:srgbClr val="ffffff"/>
+                      </a:solidFill>
+                    </a:lnR>
+                    <a:lnT w="720">
+                      <a:solidFill>
+                        <a:srgbClr val="ffffff"/>
+                      </a:solidFill>
+                    </a:lnT>
+                    <a:lnB w="720">
+                      <a:solidFill>
+                        <a:srgbClr val="ffffff"/>
+                      </a:solidFill>
+                    </a:lnB>
+                    <a:solidFill>
+                      <a:srgbClr val="76b1c7"/>
+                    </a:solidFill>
+                  </a:tcPr>
+                </a:tc>
+                <a:tc>
+                  <a:txBody>
+                    <a:bodyPr lIns="90000" rIns="90000" tIns="46800" bIns="46800"/>
+                    <a:p>
+                      <a:r>
+                        <a:rPr b="0" lang="zxx" sz="1800" spc="-1" strike="noStrike">
+                          <a:solidFill>
+                            <a:srgbClr val="ffffff"/>
+                          </a:solidFill>
+                          <a:uFill>
+                            <a:solidFill>
+                              <a:srgbClr val="ffffff"/>
+                            </a:solidFill>
+                          </a:uFill>
+                          <a:latin typeface="Arial"/>
+                        </a:rPr>
+                        <a:t>72.76%</a:t>
+                      </a:r>
+                      <a:endParaRPr b="0" lang="zxx" sz="1800" spc="-1" strike="noStrike">
+                        <a:solidFill>
+                          <a:srgbClr val="ffffff"/>
+                        </a:solidFill>
+                        <a:uFill>
+                          <a:solidFill>
+                            <a:srgbClr val="ffffff"/>
+                          </a:solidFill>
+                        </a:uFill>
+                        <a:latin typeface="Arial"/>
+                      </a:endParaRPr>
+                    </a:p>
+                  </a:txBody>
+                  <a:tcPr marL="90000" marR="90000">
+                    <a:lnL w="720">
+                      <a:solidFill>
+                        <a:srgbClr val="ffffff"/>
+                      </a:solidFill>
+                    </a:lnL>
+                    <a:lnR w="720">
+                      <a:solidFill>
+                        <a:srgbClr val="ffffff"/>
+                      </a:solidFill>
+                    </a:lnR>
+                    <a:lnT w="720">
+                      <a:solidFill>
+                        <a:srgbClr val="ffffff"/>
+                      </a:solidFill>
+                    </a:lnT>
+                    <a:lnB w="720">
+                      <a:solidFill>
+                        <a:srgbClr val="ffffff"/>
+                      </a:solidFill>
+                    </a:lnB>
+                    <a:solidFill>
+                      <a:srgbClr val="76b1c7"/>
+                    </a:solidFill>
+                  </a:tcPr>
+                </a:tc>
+              </a:tr>
+            </a:tbl>
+          </a:graphicData>
+        </a:graphic>
+      </p:graphicFrame>
+      <p:sp>
+        <p:nvSpPr>
+          <p:cNvPr id="213" name="TextShape 4"/>
           <p:cNvSpPr txBox="1"/>
           <p:nvPr/>
         </p:nvSpPr>
         <p:spPr>
           <a:xfrm>
-            <a:off x="805320" y="4754880"/>
-            <a:ext cx="6967080" cy="346680"/>
+            <a:off x="4114800" y="1188720"/>
+            <a:ext cx="4572000" cy="4114800"/>
           </a:xfrm>
           <a:prstGeom prst="rect">
             <a:avLst/>
@@ -19961,8 +19550,429 @@
         <p:txBody>
           <a:bodyPr lIns="90000" rIns="90000" tIns="45000" bIns="45000"/>
           <a:p>
-            <a:r>
-              <a:rPr b="0" lang="zxx" sz="1800" spc="-1" strike="noStrike">
+            <a:pPr marL="216000" indent="-215280">
+              <a:buClr>
+                <a:srgbClr val="000000"/>
+              </a:buClr>
+              <a:buSzPct val="45000"/>
+              <a:buFont typeface="Wingdings" charset="2"/>
+              <a:buChar char=""/>
+            </a:pPr>
+            <a:r>
+              <a:rPr b="0" lang="zxx" sz="2000" spc="-1" strike="noStrike">
+                <a:solidFill>
+                  <a:srgbClr val="00407a"/>
+                </a:solidFill>
+                <a:uFill>
+                  <a:solidFill>
+                    <a:srgbClr val="ffffff"/>
+                  </a:solidFill>
+                </a:uFill>
+                <a:latin typeface="Arial"/>
+                <a:ea typeface="DejaVu Sans"/>
+              </a:rPr>
+              <a:t>Training takes about 5x longer than on Google network (500s/epoch)</a:t>
+            </a:r>
+            <a:endParaRPr b="0" lang="zxx" sz="1800" spc="-1" strike="noStrike">
+              <a:solidFill>
+                <a:srgbClr val="000000"/>
+              </a:solidFill>
+              <a:uFill>
+                <a:solidFill>
+                  <a:srgbClr val="ffffff"/>
+                </a:solidFill>
+              </a:uFill>
+              <a:latin typeface="Arial"/>
+            </a:endParaRPr>
+          </a:p>
+          <a:p>
+            <a:pPr marL="216000" indent="-215280">
+              <a:buClr>
+                <a:srgbClr val="000000"/>
+              </a:buClr>
+              <a:buSzPct val="45000"/>
+              <a:buFont typeface="Wingdings" charset="2"/>
+              <a:buChar char=""/>
+            </a:pPr>
+            <a:r>
+              <a:rPr b="0" lang="zxx" sz="2000" spc="-1" strike="noStrike">
+                <a:solidFill>
+                  <a:srgbClr val="00407a"/>
+                </a:solidFill>
+                <a:uFill>
+                  <a:solidFill>
+                    <a:srgbClr val="ffffff"/>
+                  </a:solidFill>
+                </a:uFill>
+                <a:latin typeface="Arial"/>
+                <a:ea typeface="DejaVu Sans"/>
+              </a:rPr>
+              <a:t>Performance not better</a:t>
+            </a:r>
+            <a:endParaRPr b="0" lang="zxx" sz="1800" spc="-1" strike="noStrike">
+              <a:solidFill>
+                <a:srgbClr val="000000"/>
+              </a:solidFill>
+              <a:uFill>
+                <a:solidFill>
+                  <a:srgbClr val="ffffff"/>
+                </a:solidFill>
+              </a:uFill>
+              <a:latin typeface="Arial"/>
+            </a:endParaRPr>
+          </a:p>
+          <a:p>
+            <a:pPr marL="216000" indent="-215280">
+              <a:buClr>
+                <a:srgbClr val="000000"/>
+              </a:buClr>
+              <a:buSzPct val="45000"/>
+              <a:buFont typeface="Wingdings" charset="2"/>
+              <a:buChar char=""/>
+            </a:pPr>
+            <a:r>
+              <a:rPr b="0" lang="zxx" sz="2000" spc="-1" strike="noStrike">
+                <a:solidFill>
+                  <a:srgbClr val="00407a"/>
+                </a:solidFill>
+                <a:uFill>
+                  <a:solidFill>
+                    <a:srgbClr val="ffffff"/>
+                  </a:solidFill>
+                </a:uFill>
+                <a:latin typeface="Arial"/>
+                <a:ea typeface="DejaVu Sans"/>
+              </a:rPr>
+              <a:t>Many more layers, more complex architecture with more parameters</a:t>
+            </a:r>
+            <a:endParaRPr b="0" lang="zxx" sz="1800" spc="-1" strike="noStrike">
+              <a:solidFill>
+                <a:srgbClr val="000000"/>
+              </a:solidFill>
+              <a:uFill>
+                <a:solidFill>
+                  <a:srgbClr val="ffffff"/>
+                </a:solidFill>
+              </a:uFill>
+              <a:latin typeface="Arial"/>
+            </a:endParaRPr>
+          </a:p>
+          <a:p>
+            <a:pPr marL="216000" indent="-215280">
+              <a:buClr>
+                <a:srgbClr val="000000"/>
+              </a:buClr>
+              <a:buSzPct val="45000"/>
+              <a:buFont typeface="Wingdings" charset="2"/>
+              <a:buChar char=""/>
+            </a:pPr>
+            <a:r>
+              <a:rPr b="0" lang="zxx" sz="2000" spc="-1" strike="noStrike">
+                <a:solidFill>
+                  <a:srgbClr val="00407a"/>
+                </a:solidFill>
+                <a:uFill>
+                  <a:solidFill>
+                    <a:srgbClr val="ffffff"/>
+                  </a:solidFill>
+                </a:uFill>
+                <a:latin typeface="Arial"/>
+                <a:ea typeface="DejaVu Sans"/>
+              </a:rPr>
+              <a:t>-&gt; not well suited for lipreading</a:t>
+            </a:r>
+            <a:endParaRPr b="0" lang="zxx" sz="1800" spc="-1" strike="noStrike">
+              <a:solidFill>
+                <a:srgbClr val="000000"/>
+              </a:solidFill>
+              <a:uFill>
+                <a:solidFill>
+                  <a:srgbClr val="ffffff"/>
+                </a:solidFill>
+              </a:uFill>
+              <a:latin typeface="Arial"/>
+            </a:endParaRPr>
+          </a:p>
+        </p:txBody>
+      </p:sp>
+      <p:graphicFrame>
+        <p:nvGraphicFramePr>
+          <p:cNvPr id="214" name="Table 5"/>
+          <p:cNvGraphicFramePr/>
+          <p:nvPr/>
+        </p:nvGraphicFramePr>
+        <p:xfrm>
+          <a:off x="568440" y="1661760"/>
+          <a:ext cx="3227760" cy="862200"/>
+        </p:xfrm>
+        <a:graphic>
+          <a:graphicData uri="http://schemas.openxmlformats.org/drawingml/2006/table">
+            <a:tbl>
+              <a:tblPr/>
+              <a:tblGrid>
+                <a:gridCol w="2212920"/>
+                <a:gridCol w="1014840"/>
+              </a:tblGrid>
+              <a:tr h="318600">
+                <a:tc>
+                  <a:txBody>
+                    <a:bodyPr lIns="90000" rIns="90000" tIns="46800" bIns="46800"/>
+                    <a:p>
+                      <a:r>
+                        <a:rPr b="0" lang="zxx" sz="1800" spc="-1" strike="noStrike">
+                          <a:solidFill>
+                            <a:srgbClr val="ffffff"/>
+                          </a:solidFill>
+                          <a:uFill>
+                            <a:solidFill>
+                              <a:srgbClr val="ffffff"/>
+                            </a:solidFill>
+                          </a:uFill>
+                          <a:latin typeface="Arial"/>
+                        </a:rPr>
+                        <a:t>validation error rate: </a:t>
+                      </a:r>
+                      <a:endParaRPr b="0" lang="zxx" sz="1800" spc="-1" strike="noStrike">
+                        <a:solidFill>
+                          <a:srgbClr val="ffffff"/>
+                        </a:solidFill>
+                        <a:uFill>
+                          <a:solidFill>
+                            <a:srgbClr val="ffffff"/>
+                          </a:solidFill>
+                        </a:uFill>
+                        <a:latin typeface="Arial"/>
+                      </a:endParaRPr>
+                    </a:p>
+                  </a:txBody>
+                  <a:tcPr marL="90000" marR="90000">
+                    <a:lnL w="720">
+                      <a:solidFill>
+                        <a:srgbClr val="ffffff"/>
+                      </a:solidFill>
+                    </a:lnL>
+                    <a:lnR w="720">
+                      <a:solidFill>
+                        <a:srgbClr val="ffffff"/>
+                      </a:solidFill>
+                    </a:lnR>
+                    <a:lnT w="720">
+                      <a:solidFill>
+                        <a:srgbClr val="ffffff"/>
+                      </a:solidFill>
+                    </a:lnT>
+                    <a:lnB w="720">
+                      <a:solidFill>
+                        <a:srgbClr val="ffffff"/>
+                      </a:solidFill>
+                    </a:lnB>
+                    <a:solidFill>
+                      <a:srgbClr val="76b1c7"/>
+                    </a:solidFill>
+                  </a:tcPr>
+                </a:tc>
+                <a:tc>
+                  <a:txBody>
+                    <a:bodyPr lIns="90000" rIns="90000" tIns="46800" bIns="46800"/>
+                    <a:p>
+                      <a:r>
+                        <a:rPr b="0" lang="zxx" sz="1800" spc="-1" strike="noStrike">
+                          <a:solidFill>
+                            <a:srgbClr val="ffffff"/>
+                          </a:solidFill>
+                          <a:uFill>
+                            <a:solidFill>
+                              <a:srgbClr val="ffffff"/>
+                            </a:solidFill>
+                          </a:uFill>
+                          <a:latin typeface="Arial"/>
+                        </a:rPr>
+                        <a:t>61.95%</a:t>
+                      </a:r>
+                      <a:endParaRPr b="0" lang="zxx" sz="1800" spc="-1" strike="noStrike">
+                        <a:solidFill>
+                          <a:srgbClr val="ffffff"/>
+                        </a:solidFill>
+                        <a:uFill>
+                          <a:solidFill>
+                            <a:srgbClr val="ffffff"/>
+                          </a:solidFill>
+                        </a:uFill>
+                        <a:latin typeface="Arial"/>
+                      </a:endParaRPr>
+                    </a:p>
+                  </a:txBody>
+                  <a:tcPr marL="90000" marR="90000">
+                    <a:lnL w="720">
+                      <a:solidFill>
+                        <a:srgbClr val="ffffff"/>
+                      </a:solidFill>
+                    </a:lnL>
+                    <a:lnR w="720">
+                      <a:solidFill>
+                        <a:srgbClr val="ffffff"/>
+                      </a:solidFill>
+                    </a:lnR>
+                    <a:lnT w="720">
+                      <a:solidFill>
+                        <a:srgbClr val="ffffff"/>
+                      </a:solidFill>
+                    </a:lnT>
+                    <a:lnB w="720">
+                      <a:solidFill>
+                        <a:srgbClr val="ffffff"/>
+                      </a:solidFill>
+                    </a:lnB>
+                    <a:solidFill>
+                      <a:srgbClr val="76b1c7"/>
+                    </a:solidFill>
+                  </a:tcPr>
+                </a:tc>
+              </a:tr>
+              <a:tr h="309960">
+                <a:tc>
+                  <a:txBody>
+                    <a:bodyPr lIns="90000" rIns="90000" tIns="46800" bIns="46800"/>
+                    <a:p>
+                      <a:r>
+                        <a:rPr b="0" lang="zxx" sz="1800" spc="-1" strike="noStrike">
+                          <a:solidFill>
+                            <a:srgbClr val="ffffff"/>
+                          </a:solidFill>
+                          <a:uFill>
+                            <a:solidFill>
+                              <a:srgbClr val="ffffff"/>
+                            </a:solidFill>
+                          </a:uFill>
+                          <a:latin typeface="Arial"/>
+                        </a:rPr>
+                        <a:t>test error rate:  </a:t>
+                      </a:r>
+                      <a:endParaRPr b="0" lang="zxx" sz="1800" spc="-1" strike="noStrike">
+                        <a:solidFill>
+                          <a:srgbClr val="ffffff"/>
+                        </a:solidFill>
+                        <a:uFill>
+                          <a:solidFill>
+                            <a:srgbClr val="ffffff"/>
+                          </a:solidFill>
+                        </a:uFill>
+                        <a:latin typeface="Arial"/>
+                      </a:endParaRPr>
+                    </a:p>
+                  </a:txBody>
+                  <a:tcPr marL="90000" marR="90000">
+                    <a:lnL w="720">
+                      <a:solidFill>
+                        <a:srgbClr val="ffffff"/>
+                      </a:solidFill>
+                    </a:lnL>
+                    <a:lnR w="720">
+                      <a:solidFill>
+                        <a:srgbClr val="ffffff"/>
+                      </a:solidFill>
+                    </a:lnR>
+                    <a:lnT w="720">
+                      <a:solidFill>
+                        <a:srgbClr val="ffffff"/>
+                      </a:solidFill>
+                    </a:lnT>
+                    <a:lnB w="720">
+                      <a:solidFill>
+                        <a:srgbClr val="ffffff"/>
+                      </a:solidFill>
+                    </a:lnB>
+                    <a:solidFill>
+                      <a:srgbClr val="76b1c7"/>
+                    </a:solidFill>
+                  </a:tcPr>
+                </a:tc>
+                <a:tc>
+                  <a:txBody>
+                    <a:bodyPr lIns="90000" rIns="90000" tIns="46800" bIns="46800"/>
+                    <a:p>
+                      <a:r>
+                        <a:rPr b="0" lang="zxx" sz="1800" spc="-1" strike="noStrike">
+                          <a:solidFill>
+                            <a:srgbClr val="ffffff"/>
+                          </a:solidFill>
+                          <a:uFill>
+                            <a:solidFill>
+                              <a:srgbClr val="ffffff"/>
+                            </a:solidFill>
+                          </a:uFill>
+                          <a:latin typeface="Arial"/>
+                        </a:rPr>
+                        <a:t>62.45%</a:t>
+                      </a:r>
+                      <a:endParaRPr b="0" lang="zxx" sz="1800" spc="-1" strike="noStrike">
+                        <a:solidFill>
+                          <a:srgbClr val="ffffff"/>
+                        </a:solidFill>
+                        <a:uFill>
+                          <a:solidFill>
+                            <a:srgbClr val="ffffff"/>
+                          </a:solidFill>
+                        </a:uFill>
+                        <a:latin typeface="Arial"/>
+                      </a:endParaRPr>
+                    </a:p>
+                  </a:txBody>
+                  <a:tcPr marL="90000" marR="90000">
+                    <a:lnL w="720">
+                      <a:solidFill>
+                        <a:srgbClr val="ffffff"/>
+                      </a:solidFill>
+                    </a:lnL>
+                    <a:lnR w="720">
+                      <a:solidFill>
+                        <a:srgbClr val="ffffff"/>
+                      </a:solidFill>
+                    </a:lnR>
+                    <a:lnT w="720">
+                      <a:solidFill>
+                        <a:srgbClr val="ffffff"/>
+                      </a:solidFill>
+                    </a:lnT>
+                    <a:lnB w="720">
+                      <a:solidFill>
+                        <a:srgbClr val="ffffff"/>
+                      </a:solidFill>
+                    </a:lnB>
+                    <a:solidFill>
+                      <a:srgbClr val="76b1c7"/>
+                    </a:solidFill>
+                  </a:tcPr>
+                </a:tc>
+              </a:tr>
+            </a:tbl>
+          </a:graphicData>
+        </a:graphic>
+      </p:graphicFrame>
+      <p:sp>
+        <p:nvSpPr>
+          <p:cNvPr id="215" name="TextShape 6"/>
+          <p:cNvSpPr txBox="1"/>
+          <p:nvPr/>
+        </p:nvSpPr>
+        <p:spPr>
+          <a:xfrm>
+            <a:off x="1446840" y="5943600"/>
+            <a:ext cx="5594040" cy="346680"/>
+          </a:xfrm>
+          <a:prstGeom prst="rect">
+            <a:avLst/>
+          </a:prstGeom>
+          <a:noFill/>
+          <a:ln>
+            <a:noFill/>
+          </a:ln>
+        </p:spPr>
+        <p:txBody>
+          <a:bodyPr lIns="90000" rIns="90000" tIns="45000" bIns="45000"/>
+          <a:p>
+            <a:r>
+              <a:rPr b="0" lang="zxx" sz="1400" spc="-1" strike="noStrike">
                 <a:solidFill>
                   <a:srgbClr val="000000"/>
                 </a:solidFill>
@@ -19972,9 +19982,8 @@
                   </a:solidFill>
                 </a:uFill>
                 <a:latin typeface="Arial"/>
-                <a:hlinkClick r:id="rId2"/>
-              </a:rPr>
-              <a:t>https://www.youtube.com/watch?v=5aogzAUPilE&amp;feature=youtu.be</a:t>
+              </a:rPr>
+              <a:t>https://github.com/KaimingHe/deep-residual-networks</a:t>
             </a:r>
             <a:endParaRPr b="0" lang="zxx" sz="1800" spc="-1" strike="noStrike">
               <a:solidFill>
@@ -20041,7 +20050,7 @@
       </p:grpSpPr>
       <p:sp>
         <p:nvSpPr>
-          <p:cNvPr id="213" name="CustomShape 1"/>
+          <p:cNvPr id="216" name="CustomShape 1"/>
           <p:cNvSpPr/>
           <p:nvPr/>
         </p:nvSpPr>
@@ -20067,7 +20076,7 @@
       </p:sp>
       <p:sp>
         <p:nvSpPr>
-          <p:cNvPr id="214" name="CustomShape 2"/>
+          <p:cNvPr id="217" name="CustomShape 2"/>
           <p:cNvSpPr/>
           <p:nvPr/>
         </p:nvSpPr>
@@ -20093,7 +20102,7 @@
       </p:sp>
       <p:sp>
         <p:nvSpPr>
-          <p:cNvPr id="215" name="CustomShape 3"/>
+          <p:cNvPr id="218" name="CustomShape 3"/>
           <p:cNvSpPr/>
           <p:nvPr/>
         </p:nvSpPr>
@@ -20137,7 +20146,7 @@
                 <a:latin typeface="Arial"/>
                 <a:ea typeface="DejaVu Sans"/>
               </a:rPr>
-              <a:t>6. Lipreading: Google WLAS</a:t>
+              <a:t>6. Lipreading: demo</a:t>
             </a:r>
             <a:endParaRPr b="0" lang="zxx" sz="1800" spc="-1" strike="noStrike">
               <a:solidFill>
@@ -20155,7 +20164,7 @@
       </p:sp>
       <p:sp>
         <p:nvSpPr>
-          <p:cNvPr id="216" name="CustomShape 4"/>
+          <p:cNvPr id="219" name="CustomShape 4"/>
           <p:cNvSpPr/>
           <p:nvPr/>
         </p:nvSpPr>
@@ -20186,7 +20195,7 @@
                 <a:spcPct val="100000"/>
               </a:lnSpc>
             </a:pPr>
-            <a:fld id="{F3A154B7-F08F-4E55-A696-97B5DDDFA749}" type="slidenum">
+            <a:fld id="{019BA6D9-CCB0-4449-A62A-22F02C2B4836}" type="slidenum">
               <a:rPr b="0" lang="zxx" sz="1600" spc="-1" strike="noStrike">
                 <a:solidFill>
                   <a:srgbClr val="ffffff"/>
@@ -20199,7 +20208,7 @@
                 <a:latin typeface="Arial"/>
                 <a:ea typeface="DejaVu Sans"/>
               </a:rPr>
-              <a:t>&lt;number&gt;</a:t>
+              <a:t>1</a:t>
             </a:fld>
             <a:endParaRPr b="0" lang="zxx" sz="1800" spc="-1" strike="noStrike">
               <a:solidFill>
@@ -20217,7 +20226,7 @@
       </p:sp>
       <p:sp>
         <p:nvSpPr>
-          <p:cNvPr id="217" name="CustomShape 5"/>
+          <p:cNvPr id="220" name="CustomShape 5"/>
           <p:cNvSpPr/>
           <p:nvPr/>
         </p:nvSpPr>
@@ -20225,6 +20234,32 @@
           <a:xfrm>
             <a:off x="251640" y="891360"/>
             <a:ext cx="8621280" cy="5056920"/>
+          </a:xfrm>
+          <a:prstGeom prst="rect">
+            <a:avLst/>
+          </a:prstGeom>
+          <a:noFill/>
+          <a:ln>
+            <a:noFill/>
+          </a:ln>
+        </p:spPr>
+        <p:style>
+          <a:lnRef idx="0"/>
+          <a:fillRef idx="0"/>
+          <a:effectRef idx="0"/>
+          <a:fontRef idx="minor"/>
+        </p:style>
+      </p:sp>
+      <p:sp>
+        <p:nvSpPr>
+          <p:cNvPr id="221" name="CustomShape 6"/>
+          <p:cNvSpPr/>
+          <p:nvPr/>
+        </p:nvSpPr>
+        <p:spPr>
+          <a:xfrm>
+            <a:off x="251640" y="963720"/>
+            <a:ext cx="8784000" cy="4796280"/>
           </a:xfrm>
           <a:prstGeom prst="rect">
             <a:avLst/>
@@ -20243,16 +20278,34 @@
         <p:txBody>
           <a:bodyPr lIns="0" rIns="0" tIns="0" bIns="0"/>
           <a:p>
-            <a:pPr marL="360000" indent="-358920">
+            <a:pPr>
+              <a:lnSpc>
+                <a:spcPct val="100000"/>
+              </a:lnSpc>
+            </a:pPr>
+            <a:endParaRPr b="0" lang="zxx" sz="1800" spc="-1" strike="noStrike">
+              <a:solidFill>
+                <a:srgbClr val="000000"/>
+              </a:solidFill>
+              <a:uFill>
+                <a:solidFill>
+                  <a:srgbClr val="ffffff"/>
+                </a:solidFill>
+              </a:uFill>
+              <a:latin typeface="Arial"/>
+            </a:endParaRPr>
+          </a:p>
+          <a:p>
+            <a:pPr marL="216000" indent="-215280">
               <a:lnSpc>
                 <a:spcPct val="100000"/>
               </a:lnSpc>
               <a:buClr>
-                <a:srgbClr val="00407a"/>
+                <a:srgbClr val="000000"/>
               </a:buClr>
-              <a:buSzPct val="110000"/>
-              <a:buFont typeface="Arial"/>
-              <a:buChar char="•"/>
+              <a:buSzPct val="45000"/>
+              <a:buFont typeface="Wingdings" charset="2"/>
+              <a:buChar char=""/>
             </a:pPr>
             <a:r>
               <a:rPr b="0" lang="zxx" sz="2000" spc="-1" strike="noStrike">
@@ -20267,44 +20320,125 @@
                 <a:latin typeface="Arial"/>
                 <a:ea typeface="DejaVu Sans"/>
               </a:rPr>
-              <a:t> </a:t>
-            </a:r>
-            <a:endParaRPr b="0" lang="zxx" sz="1800" spc="-1" strike="noStrike">
-              <a:solidFill>
-                <a:srgbClr val="000000"/>
-              </a:solidFill>
-              <a:uFill>
-                <a:solidFill>
-                  <a:srgbClr val="ffffff"/>
-                </a:solidFill>
-              </a:uFill>
-              <a:latin typeface="Arial"/>
-            </a:endParaRPr>
-          </a:p>
-          <a:p>
-            <a:pPr>
+              <a:t>Take picture</a:t>
+            </a:r>
+            <a:endParaRPr b="0" lang="zxx" sz="1800" spc="-1" strike="noStrike">
+              <a:solidFill>
+                <a:srgbClr val="000000"/>
+              </a:solidFill>
+              <a:uFill>
+                <a:solidFill>
+                  <a:srgbClr val="ffffff"/>
+                </a:solidFill>
+              </a:uFill>
+              <a:latin typeface="Arial"/>
+            </a:endParaRPr>
+          </a:p>
+          <a:p>
+            <a:pPr marL="216000" indent="-215280">
               <a:lnSpc>
                 <a:spcPct val="100000"/>
               </a:lnSpc>
-            </a:pPr>
-            <a:endParaRPr b="0" lang="zxx" sz="1800" spc="-1" strike="noStrike">
-              <a:solidFill>
-                <a:srgbClr val="000000"/>
-              </a:solidFill>
-              <a:uFill>
-                <a:solidFill>
-                  <a:srgbClr val="ffffff"/>
-                </a:solidFill>
-              </a:uFill>
-              <a:latin typeface="Arial"/>
-            </a:endParaRPr>
-          </a:p>
-          <a:p>
-            <a:pPr>
+              <a:buClr>
+                <a:srgbClr val="000000"/>
+              </a:buClr>
+              <a:buSzPct val="45000"/>
+              <a:buFont typeface="Wingdings" charset="2"/>
+              <a:buChar char=""/>
+            </a:pPr>
+            <a:r>
+              <a:rPr b="0" lang="zxx" sz="2000" spc="-1" strike="noStrike">
+                <a:solidFill>
+                  <a:srgbClr val="00407a"/>
+                </a:solidFill>
+                <a:uFill>
+                  <a:solidFill>
+                    <a:srgbClr val="ffffff"/>
+                  </a:solidFill>
+                </a:uFill>
+                <a:latin typeface="Arial"/>
+                <a:ea typeface="DejaVu Sans"/>
+              </a:rPr>
+              <a:t>Extract face, mouth, convert to grayscale and resize to 120x120x1</a:t>
+            </a:r>
+            <a:endParaRPr b="0" lang="zxx" sz="1800" spc="-1" strike="noStrike">
+              <a:solidFill>
+                <a:srgbClr val="000000"/>
+              </a:solidFill>
+              <a:uFill>
+                <a:solidFill>
+                  <a:srgbClr val="ffffff"/>
+                </a:solidFill>
+              </a:uFill>
+              <a:latin typeface="Arial"/>
+            </a:endParaRPr>
+          </a:p>
+          <a:p>
+            <a:pPr marL="216000" indent="-215280">
               <a:lnSpc>
                 <a:spcPct val="100000"/>
               </a:lnSpc>
-            </a:pPr>
+              <a:buClr>
+                <a:srgbClr val="000000"/>
+              </a:buClr>
+              <a:buSzPct val="45000"/>
+              <a:buFont typeface="Wingdings" charset="2"/>
+              <a:buChar char=""/>
+            </a:pPr>
+            <a:r>
+              <a:rPr b="0" lang="zxx" sz="2000" spc="-1" strike="noStrike">
+                <a:solidFill>
+                  <a:srgbClr val="00407a"/>
+                </a:solidFill>
+                <a:uFill>
+                  <a:solidFill>
+                    <a:srgbClr val="ffffff"/>
+                  </a:solidFill>
+                </a:uFill>
+                <a:latin typeface="Arial"/>
+                <a:ea typeface="DejaVu Sans"/>
+              </a:rPr>
+              <a:t>Reshape image for evaluation</a:t>
+            </a:r>
+            <a:endParaRPr b="0" lang="zxx" sz="1800" spc="-1" strike="noStrike">
+              <a:solidFill>
+                <a:srgbClr val="000000"/>
+              </a:solidFill>
+              <a:uFill>
+                <a:solidFill>
+                  <a:srgbClr val="ffffff"/>
+                </a:solidFill>
+              </a:uFill>
+              <a:latin typeface="Arial"/>
+            </a:endParaRPr>
+          </a:p>
+          <a:p>
+            <a:pPr marL="216000" indent="-215280">
+              <a:lnSpc>
+                <a:spcPct val="100000"/>
+              </a:lnSpc>
+              <a:buClr>
+                <a:srgbClr val="000000"/>
+              </a:buClr>
+              <a:buSzPct val="45000"/>
+              <a:buFont typeface="Wingdings" charset="2"/>
+              <a:buChar char=""/>
+            </a:pPr>
+            <a:r>
+              <a:rPr b="0" lang="zxx" sz="2000" spc="-1" strike="noStrike">
+                <a:solidFill>
+                  <a:srgbClr val="00407a"/>
+                </a:solidFill>
+                <a:uFill>
+                  <a:solidFill>
+                    <a:srgbClr val="ffffff"/>
+                  </a:solidFill>
+                </a:uFill>
+                <a:latin typeface="Arial"/>
+                <a:ea typeface="DejaVu Sans"/>
+              </a:rPr>
+              <a:t>Evaluate, print phoneme predictions</a:t>
+            </a:r>
             <a:endParaRPr b="0" lang="zxx" sz="1800" spc="-1" strike="noStrike">
               <a:solidFill>
                 <a:srgbClr val="000000"/>
@@ -20321,14 +20455,14 @@
       </p:sp>
       <p:sp>
         <p:nvSpPr>
-          <p:cNvPr id="218" name="CustomShape 6"/>
-          <p:cNvSpPr/>
+          <p:cNvPr id="222" name="TextShape 7"/>
+          <p:cNvSpPr txBox="1"/>
           <p:nvPr/>
         </p:nvSpPr>
         <p:spPr>
           <a:xfrm>
-            <a:off x="251640" y="963720"/>
-            <a:ext cx="8784000" cy="4796280"/>
+            <a:off x="518760" y="3657600"/>
+            <a:ext cx="8516880" cy="858600"/>
           </a:xfrm>
           <a:prstGeom prst="rect">
             <a:avLst/>
@@ -20338,82 +20472,175 @@
             <a:noFill/>
           </a:ln>
         </p:spPr>
-        <p:style>
-          <a:lnRef idx="0"/>
-          <a:fillRef idx="0"/>
-          <a:effectRef idx="0"/>
-          <a:fontRef idx="minor"/>
-        </p:style>
-      </p:sp>
-      <p:pic>
-        <p:nvPicPr>
-          <p:cNvPr id="219" name="" descr=""/>
-          <p:cNvPicPr/>
-          <p:nvPr/>
-        </p:nvPicPr>
-        <p:blipFill>
-          <a:blip r:embed="rId1"/>
-          <a:stretch/>
-        </p:blipFill>
-        <p:spPr>
-          <a:xfrm>
-            <a:off x="1097280" y="4355280"/>
-            <a:ext cx="2982960" cy="948240"/>
-          </a:xfrm>
-          <a:prstGeom prst="rect">
-            <a:avLst/>
-          </a:prstGeom>
-          <a:ln>
-            <a:noFill/>
-          </a:ln>
-        </p:spPr>
-      </p:pic>
-      <p:pic>
-        <p:nvPicPr>
-          <p:cNvPr id="220" name="" descr=""/>
-          <p:cNvPicPr/>
-          <p:nvPr/>
-        </p:nvPicPr>
-        <p:blipFill>
-          <a:blip r:embed="rId2"/>
-          <a:stretch/>
-        </p:blipFill>
-        <p:spPr>
-          <a:xfrm>
-            <a:off x="274320" y="1005840"/>
-            <a:ext cx="6126480" cy="2961000"/>
-          </a:xfrm>
-          <a:prstGeom prst="rect">
-            <a:avLst/>
-          </a:prstGeom>
-          <a:ln>
-            <a:noFill/>
-          </a:ln>
-        </p:spPr>
-      </p:pic>
-      <p:pic>
-        <p:nvPicPr>
-          <p:cNvPr id="221" name="" descr=""/>
-          <p:cNvPicPr/>
-          <p:nvPr/>
-        </p:nvPicPr>
-        <p:blipFill>
-          <a:blip r:embed="rId3"/>
-          <a:stretch/>
-        </p:blipFill>
-        <p:spPr>
-          <a:xfrm>
-            <a:off x="4395600" y="3383280"/>
-            <a:ext cx="2188080" cy="2569680"/>
-          </a:xfrm>
-          <a:prstGeom prst="rect">
-            <a:avLst/>
-          </a:prstGeom>
-          <a:ln>
-            <a:noFill/>
-          </a:ln>
-        </p:spPr>
-      </p:pic>
+        <p:txBody>
+          <a:bodyPr lIns="90000" rIns="90000" tIns="45000" bIns="45000"/>
+          <a:p>
+            <a:r>
+              <a:rPr b="0" lang="zxx" sz="1500" spc="-1" strike="noStrike">
+                <a:solidFill>
+                  <a:srgbClr val="000000"/>
+                </a:solidFill>
+                <a:uFill>
+                  <a:solidFill>
+                    <a:srgbClr val="ffffff"/>
+                  </a:solidFill>
+                </a:uFill>
+                <a:latin typeface="Arial"/>
+              </a:rPr>
+              <a:t>1) python preprocessImage.py -i testImages/image.jpg</a:t>
+            </a:r>
+            <a:endParaRPr b="0" lang="zxx" sz="1800" spc="-1" strike="noStrike">
+              <a:solidFill>
+                <a:srgbClr val="000000"/>
+              </a:solidFill>
+              <a:uFill>
+                <a:solidFill>
+                  <a:srgbClr val="ffffff"/>
+                </a:solidFill>
+              </a:uFill>
+              <a:latin typeface="Arial"/>
+            </a:endParaRPr>
+          </a:p>
+          <a:p>
+            <a:r>
+              <a:rPr b="0" lang="zxx" sz="1500" spc="-1" strike="noStrike">
+                <a:solidFill>
+                  <a:srgbClr val="000000"/>
+                </a:solidFill>
+                <a:uFill>
+                  <a:solidFill>
+                    <a:srgbClr val="ffffff"/>
+                  </a:solidFill>
+                </a:uFill>
+                <a:latin typeface="Arial"/>
+              </a:rPr>
+              <a:t>2) python evaluateImage.py -i testImages/image_mouth_gray_resized.jpg</a:t>
+            </a:r>
+            <a:endParaRPr b="0" lang="zxx" sz="1800" spc="-1" strike="noStrike">
+              <a:solidFill>
+                <a:srgbClr val="000000"/>
+              </a:solidFill>
+              <a:uFill>
+                <a:solidFill>
+                  <a:srgbClr val="ffffff"/>
+                </a:solidFill>
+              </a:uFill>
+              <a:latin typeface="Arial"/>
+            </a:endParaRPr>
+          </a:p>
+          <a:p>
+            <a:r>
+              <a:rPr b="0" lang="zxx" sz="1500" spc="-1" strike="noStrike">
+                <a:solidFill>
+                  <a:srgbClr val="000000"/>
+                </a:solidFill>
+                <a:uFill>
+                  <a:solidFill>
+                    <a:srgbClr val="ffffff"/>
+                  </a:solidFill>
+                </a:uFill>
+                <a:latin typeface="Arial"/>
+              </a:rPr>
+              <a:t>	</a:t>
+            </a:r>
+            <a:r>
+              <a:rPr b="0" lang="zxx" sz="1500" spc="-1" strike="noStrike">
+                <a:solidFill>
+                  <a:srgbClr val="000000"/>
+                </a:solidFill>
+                <a:uFill>
+                  <a:solidFill>
+                    <a:srgbClr val="ffffff"/>
+                  </a:solidFill>
+                </a:uFill>
+                <a:latin typeface="Arial"/>
+              </a:rPr>
+              <a:t>	</a:t>
+            </a:r>
+            <a:r>
+              <a:rPr b="0" lang="zxx" sz="1500" spc="-1" strike="noStrike">
+                <a:solidFill>
+                  <a:srgbClr val="000000"/>
+                </a:solidFill>
+                <a:uFill>
+                  <a:solidFill>
+                    <a:srgbClr val="ffffff"/>
+                  </a:solidFill>
+                </a:uFill>
+                <a:latin typeface="Arial"/>
+              </a:rPr>
+              <a:t>	</a:t>
+            </a:r>
+            <a:r>
+              <a:rPr b="0" lang="zxx" sz="1500" spc="-1" strike="noStrike">
+                <a:solidFill>
+                  <a:srgbClr val="000000"/>
+                </a:solidFill>
+                <a:uFill>
+                  <a:solidFill>
+                    <a:srgbClr val="ffffff"/>
+                  </a:solidFill>
+                </a:uFill>
+                <a:latin typeface="Arial"/>
+              </a:rPr>
+              <a:t>	</a:t>
+            </a:r>
+            <a:r>
+              <a:rPr b="0" lang="zxx" sz="1500" spc="-1" strike="noStrike">
+                <a:solidFill>
+                  <a:srgbClr val="000000"/>
+                </a:solidFill>
+                <a:uFill>
+                  <a:solidFill>
+                    <a:srgbClr val="ffffff"/>
+                  </a:solidFill>
+                </a:uFill>
+                <a:latin typeface="Arial"/>
+              </a:rPr>
+              <a:t>	</a:t>
+            </a:r>
+            <a:r>
+              <a:rPr b="0" lang="zxx" sz="1500" spc="-1" strike="noStrike">
+                <a:solidFill>
+                  <a:srgbClr val="000000"/>
+                </a:solidFill>
+                <a:uFill>
+                  <a:solidFill>
+                    <a:srgbClr val="ffffff"/>
+                  </a:solidFill>
+                </a:uFill>
+                <a:latin typeface="Arial"/>
+              </a:rPr>
+              <a:t>   </a:t>
+            </a:r>
+            <a:r>
+              <a:rPr b="0" lang="zxx" sz="1500" spc="-1" strike="noStrike">
+                <a:solidFill>
+                  <a:srgbClr val="000000"/>
+                </a:solidFill>
+                <a:uFill>
+                  <a:solidFill>
+                    <a:srgbClr val="ffffff"/>
+                  </a:solidFill>
+                </a:uFill>
+                <a:latin typeface="Arial"/>
+              </a:rPr>
+              <a:t>-m results/ResNet50/allLipspeakers/allLipspeakers.npz</a:t>
+            </a:r>
+            <a:endParaRPr b="0" lang="zxx" sz="1800" spc="-1" strike="noStrike">
+              <a:solidFill>
+                <a:srgbClr val="000000"/>
+              </a:solidFill>
+              <a:uFill>
+                <a:solidFill>
+                  <a:srgbClr val="ffffff"/>
+                </a:solidFill>
+              </a:uFill>
+              <a:latin typeface="Arial"/>
+            </a:endParaRPr>
+          </a:p>
+        </p:txBody>
+      </p:sp>
     </p:spTree>
   </p:cSld>
   <p:timing>
@@ -20610,7 +20837,7 @@
                 <a:spcPct val="100000"/>
               </a:lnSpc>
             </a:pPr>
-            <a:fld id="{0E298C98-A399-44E0-BA55-5A444DF6AFAD}" type="slidenum">
+            <a:fld id="{B78EBF82-18CD-4AAD-8547-294946971102}" type="slidenum">
               <a:rPr b="0" lang="zxx" sz="1600" spc="-1" strike="noStrike">
                 <a:solidFill>
                   <a:srgbClr val="ffffff"/>
@@ -20623,7 +20850,7 @@
                 <a:latin typeface="Arial"/>
                 <a:ea typeface="DejaVu Sans"/>
               </a:rPr>
-              <a:t>&lt;number&gt;</a:t>
+              <a:t>1</a:t>
             </a:fld>
             <a:endParaRPr b="0" lang="zxx" sz="1800" spc="-1" strike="noStrike">
               <a:solidFill>
@@ -21145,7 +21372,7 @@
       </p:grpSpPr>
       <p:sp>
         <p:nvSpPr>
-          <p:cNvPr id="222" name="CustomShape 1"/>
+          <p:cNvPr id="223" name="CustomShape 1"/>
           <p:cNvSpPr/>
           <p:nvPr/>
         </p:nvSpPr>
@@ -21171,7 +21398,7 @@
       </p:sp>
       <p:sp>
         <p:nvSpPr>
-          <p:cNvPr id="223" name="CustomShape 2"/>
+          <p:cNvPr id="224" name="CustomShape 2"/>
           <p:cNvSpPr/>
           <p:nvPr/>
         </p:nvSpPr>
@@ -21197,7 +21424,7 @@
       </p:sp>
       <p:sp>
         <p:nvSpPr>
-          <p:cNvPr id="224" name="CustomShape 3"/>
+          <p:cNvPr id="225" name="CustomShape 3"/>
           <p:cNvSpPr/>
           <p:nvPr/>
         </p:nvSpPr>
@@ -21259,7 +21486,7 @@
       </p:sp>
       <p:sp>
         <p:nvSpPr>
-          <p:cNvPr id="225" name="CustomShape 4"/>
+          <p:cNvPr id="226" name="CustomShape 4"/>
           <p:cNvSpPr/>
           <p:nvPr/>
         </p:nvSpPr>
@@ -21290,7 +21517,7 @@
                 <a:spcPct val="100000"/>
               </a:lnSpc>
             </a:pPr>
-            <a:fld id="{B222F491-DFA3-442A-A3D2-B0627734F368}" type="slidenum">
+            <a:fld id="{4F2C2E95-FA1B-4329-BAF8-D2F89565F1FF}" type="slidenum">
               <a:rPr b="0" lang="zxx" sz="1600" spc="-1" strike="noStrike">
                 <a:solidFill>
                   <a:srgbClr val="ffffff"/>
@@ -21303,7 +21530,7 @@
                 <a:latin typeface="Arial"/>
                 <a:ea typeface="DejaVu Sans"/>
               </a:rPr>
-              <a:t>&lt;number&gt;</a:t>
+              <a:t>1</a:t>
             </a:fld>
             <a:endParaRPr b="0" lang="zxx" sz="1800" spc="-1" strike="noStrike">
               <a:solidFill>
@@ -21321,7 +21548,7 @@
       </p:sp>
       <p:sp>
         <p:nvSpPr>
-          <p:cNvPr id="226" name="CustomShape 5"/>
+          <p:cNvPr id="227" name="CustomShape 5"/>
           <p:cNvSpPr/>
           <p:nvPr/>
         </p:nvSpPr>
@@ -21425,7 +21652,7 @@
       </p:sp>
       <p:sp>
         <p:nvSpPr>
-          <p:cNvPr id="227" name="CustomShape 6"/>
+          <p:cNvPr id="228" name="CustomShape 6"/>
           <p:cNvSpPr/>
           <p:nvPr/>
         </p:nvSpPr>
@@ -21716,7 +21943,7 @@
       </p:grpSpPr>
       <p:sp>
         <p:nvSpPr>
-          <p:cNvPr id="228" name="CustomShape 1"/>
+          <p:cNvPr id="229" name="CustomShape 1"/>
           <p:cNvSpPr/>
           <p:nvPr/>
         </p:nvSpPr>
@@ -21742,7 +21969,7 @@
       </p:sp>
       <p:sp>
         <p:nvSpPr>
-          <p:cNvPr id="229" name="CustomShape 2"/>
+          <p:cNvPr id="230" name="CustomShape 2"/>
           <p:cNvSpPr/>
           <p:nvPr/>
         </p:nvSpPr>
@@ -21768,7 +21995,7 @@
       </p:sp>
       <p:sp>
         <p:nvSpPr>
-          <p:cNvPr id="230" name="CustomShape 3"/>
+          <p:cNvPr id="231" name="CustomShape 3"/>
           <p:cNvSpPr/>
           <p:nvPr/>
         </p:nvSpPr>
@@ -21830,7 +22057,7 @@
       </p:sp>
       <p:sp>
         <p:nvSpPr>
-          <p:cNvPr id="231" name="CustomShape 4"/>
+          <p:cNvPr id="232" name="CustomShape 4"/>
           <p:cNvSpPr/>
           <p:nvPr/>
         </p:nvSpPr>
@@ -21861,7 +22088,7 @@
                 <a:spcPct val="100000"/>
               </a:lnSpc>
             </a:pPr>
-            <a:fld id="{B3C8C72C-C979-4BF9-90C6-E2BA3361EDB1}" type="slidenum">
+            <a:fld id="{41368CA3-7BD0-40BC-A3E1-141F9D545243}" type="slidenum">
               <a:rPr b="0" lang="zxx" sz="1600" spc="-1" strike="noStrike">
                 <a:solidFill>
                   <a:srgbClr val="ffffff"/>
@@ -21874,7 +22101,7 @@
                 <a:latin typeface="Arial"/>
                 <a:ea typeface="DejaVu Sans"/>
               </a:rPr>
-              <a:t>&lt;number&gt;</a:t>
+              <a:t>1</a:t>
             </a:fld>
             <a:endParaRPr b="0" lang="zxx" sz="1800" spc="-1" strike="noStrike">
               <a:solidFill>
@@ -21892,7 +22119,7 @@
       </p:sp>
       <p:sp>
         <p:nvSpPr>
-          <p:cNvPr id="232" name="CustomShape 5"/>
+          <p:cNvPr id="233" name="CustomShape 5"/>
           <p:cNvSpPr/>
           <p:nvPr/>
         </p:nvSpPr>
@@ -21996,7 +22223,7 @@
       </p:sp>
       <p:sp>
         <p:nvSpPr>
-          <p:cNvPr id="233" name="CustomShape 6"/>
+          <p:cNvPr id="234" name="CustomShape 6"/>
           <p:cNvSpPr/>
           <p:nvPr/>
         </p:nvSpPr>
@@ -22797,7 +23024,7 @@
         </p:nvSpPr>
         <p:spPr>
           <a:xfrm>
-            <a:off x="251640" y="1268640"/>
+            <a:off x="457200" y="1280160"/>
             <a:ext cx="8784000" cy="4796280"/>
           </a:xfrm>
           <a:prstGeom prst="rect">
@@ -22817,13 +23044,8 @@
         <p:txBody>
           <a:bodyPr lIns="0" rIns="0" tIns="0" bIns="0"/>
           <a:p>
-            <a:pPr>
-              <a:lnSpc>
-                <a:spcPct val="100000"/>
-              </a:lnSpc>
-            </a:pPr>
-            <a:r>
-              <a:rPr b="1" lang="zxx" sz="2400" spc="-1" strike="noStrike">
+            <a:r>
+              <a:rPr b="0" lang="zxx" sz="2000" spc="-1" strike="noStrike">
                 <a:solidFill>
                   <a:srgbClr val="00407a"/>
                 </a:solidFill>
@@ -22850,19 +23072,15 @@
             </a:endParaRPr>
           </a:p>
           <a:p>
-            <a:pPr marL="432000" indent="-323280">
-              <a:lnSpc>
-                <a:spcPct val="100000"/>
-              </a:lnSpc>
+            <a:pPr marL="216000" indent="-216000">
               <a:buClr>
                 <a:srgbClr val="000000"/>
               </a:buClr>
-              <a:buSzPct val="45000"/>
-              <a:buFont typeface="Wingdings" charset="2"/>
-              <a:buChar char=""/>
-            </a:pPr>
-            <a:r>
-              <a:rPr b="1" lang="zxx" sz="2400" spc="-1" strike="noStrike">
+              <a:buFont typeface="Symbol" charset="2"/>
+              <a:buChar char=""/>
+            </a:pPr>
+            <a:r>
+              <a:rPr b="0" lang="zxx" sz="2000" spc="-1" strike="noStrike">
                 <a:solidFill>
                   <a:srgbClr val="00407a"/>
                 </a:solidFill>
@@ -22889,19 +23107,15 @@
             </a:endParaRPr>
           </a:p>
           <a:p>
-            <a:pPr marL="432000" indent="-323280">
-              <a:lnSpc>
-                <a:spcPct val="100000"/>
-              </a:lnSpc>
+            <a:pPr marL="216000" indent="-216000">
               <a:buClr>
                 <a:srgbClr val="000000"/>
               </a:buClr>
-              <a:buSzPct val="45000"/>
-              <a:buFont typeface="Wingdings" charset="2"/>
-              <a:buChar char=""/>
-            </a:pPr>
-            <a:r>
-              <a:rPr b="1" lang="zxx" sz="2400" spc="-1" strike="noStrike">
+              <a:buFont typeface="Symbol" charset="2"/>
+              <a:buChar char=""/>
+            </a:pPr>
+            <a:r>
+              <a:rPr b="0" lang="zxx" sz="2000" spc="-1" strike="noStrike">
                 <a:solidFill>
                   <a:srgbClr val="00407a"/>
                 </a:solidFill>
@@ -22928,19 +23142,15 @@
             </a:endParaRPr>
           </a:p>
           <a:p>
-            <a:pPr marL="432000" indent="-323280">
-              <a:lnSpc>
-                <a:spcPct val="100000"/>
-              </a:lnSpc>
+            <a:pPr marL="216000" indent="-216000">
               <a:buClr>
                 <a:srgbClr val="000000"/>
               </a:buClr>
-              <a:buSzPct val="45000"/>
-              <a:buFont typeface="Wingdings" charset="2"/>
-              <a:buChar char=""/>
-            </a:pPr>
-            <a:r>
-              <a:rPr b="1" lang="zxx" sz="2400" spc="-1" strike="noStrike">
+              <a:buFont typeface="Symbol" charset="2"/>
+              <a:buChar char=""/>
+            </a:pPr>
+            <a:r>
+              <a:rPr b="0" lang="zxx" sz="2000" spc="-1" strike="noStrike">
                 <a:solidFill>
                   <a:srgbClr val="00407a"/>
                 </a:solidFill>
@@ -22967,19 +23177,15 @@
             </a:endParaRPr>
           </a:p>
           <a:p>
-            <a:pPr marL="432000" indent="-323280">
-              <a:lnSpc>
-                <a:spcPct val="100000"/>
-              </a:lnSpc>
+            <a:pPr marL="216000" indent="-216000">
               <a:buClr>
                 <a:srgbClr val="000000"/>
               </a:buClr>
-              <a:buSzPct val="45000"/>
-              <a:buFont typeface="Wingdings" charset="2"/>
-              <a:buChar char=""/>
-            </a:pPr>
-            <a:r>
-              <a:rPr b="1" lang="zxx" sz="2400" spc="-1" strike="noStrike">
+              <a:buFont typeface="Symbol" charset="2"/>
+              <a:buChar char=""/>
+            </a:pPr>
+            <a:r>
+              <a:rPr b="0" lang="zxx" sz="2000" spc="-1" strike="noStrike">
                 <a:solidFill>
                   <a:srgbClr val="00407a"/>
                 </a:solidFill>
@@ -23006,19 +23212,15 @@
             </a:endParaRPr>
           </a:p>
           <a:p>
-            <a:pPr marL="432000" indent="-323280">
-              <a:lnSpc>
-                <a:spcPct val="100000"/>
-              </a:lnSpc>
+            <a:pPr marL="216000" indent="-216000">
               <a:buClr>
                 <a:srgbClr val="000000"/>
               </a:buClr>
-              <a:buSzPct val="45000"/>
-              <a:buFont typeface="Wingdings" charset="2"/>
-              <a:buChar char=""/>
-            </a:pPr>
-            <a:r>
-              <a:rPr b="1" lang="zxx" sz="2400" spc="-1" strike="noStrike">
+              <a:buFont typeface="Symbol" charset="2"/>
+              <a:buChar char=""/>
+            </a:pPr>
+            <a:r>
+              <a:rPr b="0" lang="zxx" sz="2000" spc="-1" strike="noStrike">
                 <a:solidFill>
                   <a:srgbClr val="00407a"/>
                 </a:solidFill>
@@ -23045,19 +23247,15 @@
             </a:endParaRPr>
           </a:p>
           <a:p>
-            <a:pPr marL="432000" indent="-323280">
-              <a:lnSpc>
-                <a:spcPct val="100000"/>
-              </a:lnSpc>
+            <a:pPr marL="216000" indent="-216000">
               <a:buClr>
                 <a:srgbClr val="000000"/>
               </a:buClr>
-              <a:buSzPct val="45000"/>
-              <a:buFont typeface="Wingdings" charset="2"/>
-              <a:buChar char=""/>
-            </a:pPr>
-            <a:r>
-              <a:rPr b="1" lang="zxx" sz="2400" spc="-1" strike="noStrike">
+              <a:buFont typeface="Symbol" charset="2"/>
+              <a:buChar char=""/>
+            </a:pPr>
+            <a:r>
+              <a:rPr b="0" lang="zxx" sz="2000" spc="-1" strike="noStrike">
                 <a:solidFill>
                   <a:srgbClr val="00407a"/>
                 </a:solidFill>
@@ -23084,19 +23282,15 @@
             </a:endParaRPr>
           </a:p>
           <a:p>
-            <a:pPr marL="432000" indent="-323280">
-              <a:lnSpc>
-                <a:spcPct val="100000"/>
-              </a:lnSpc>
+            <a:pPr marL="216000" indent="-216000">
               <a:buClr>
                 <a:srgbClr val="000000"/>
               </a:buClr>
-              <a:buSzPct val="45000"/>
-              <a:buFont typeface="Wingdings" charset="2"/>
-              <a:buChar char=""/>
-            </a:pPr>
-            <a:r>
-              <a:rPr b="1" lang="zxx" sz="2400" spc="-1" strike="noStrike">
+              <a:buFont typeface="Symbol" charset="2"/>
+              <a:buChar char=""/>
+            </a:pPr>
+            <a:r>
+              <a:rPr b="0" lang="zxx" sz="2000" spc="-1" strike="noStrike">
                 <a:solidFill>
                   <a:srgbClr val="00407a"/>
                 </a:solidFill>
@@ -23157,7 +23351,7 @@
                 <a:spcPct val="100000"/>
               </a:lnSpc>
             </a:pPr>
-            <a:fld id="{26017A3B-8827-4F56-995C-6CD247369D22}" type="slidenum">
+            <a:fld id="{E0AE61C0-1C0D-4B0C-8656-C1C68D7965C4}" type="slidenum">
               <a:rPr b="0" lang="zxx" sz="1600" spc="-1" strike="noStrike">
                 <a:solidFill>
                   <a:srgbClr val="ffffff"/>
@@ -23170,7 +23364,7 @@
                 <a:latin typeface="Arial"/>
                 <a:ea typeface="DejaVu Sans"/>
               </a:rPr>
-              <a:t>&lt;number&gt;</a:t>
+              <a:t>1</a:t>
             </a:fld>
             <a:endParaRPr b="0" lang="zxx" sz="1800" spc="-1" strike="noStrike">
               <a:solidFill>
@@ -23382,7 +23576,7 @@
                 <a:spcPct val="100000"/>
               </a:lnSpc>
             </a:pPr>
-            <a:fld id="{2827D925-1847-4678-A9F2-3F5E1C17D240}" type="slidenum">
+            <a:fld id="{E3900538-E7B7-4F56-8553-90D5809FAE29}" type="slidenum">
               <a:rPr b="0" lang="zxx" sz="1600" spc="-1" strike="noStrike">
                 <a:solidFill>
                   <a:srgbClr val="ffffff"/>
@@ -23395,7 +23589,7 @@
                 <a:latin typeface="Arial"/>
                 <a:ea typeface="DejaVu Sans"/>
               </a:rPr>
-              <a:t>&lt;number&gt;</a:t>
+              <a:t>1</a:t>
             </a:fld>
             <a:endParaRPr b="0" lang="zxx" sz="1800" spc="-1" strike="noStrike">
               <a:solidFill>
@@ -23543,19 +23737,101 @@
         <p:txBody>
           <a:bodyPr lIns="0" rIns="0" tIns="0" bIns="0"/>
           <a:p>
-            <a:pPr marL="432000" indent="-323280">
-              <a:lnSpc>
-                <a:spcPct val="100000"/>
-              </a:lnSpc>
+            <a:pPr marL="216000" indent="-216000">
+              <a:buClr>
+                <a:srgbClr val="000000"/>
+              </a:buClr>
+              <a:buFont typeface="Symbol" charset="2"/>
+              <a:buChar char=""/>
+            </a:pPr>
+            <a:r>
+              <a:rPr b="0" lang="zxx" sz="2000" spc="-1" strike="noStrike">
+                <a:solidFill>
+                  <a:srgbClr val="00407a"/>
+                </a:solidFill>
+                <a:uFill>
+                  <a:solidFill>
+                    <a:srgbClr val="ffffff"/>
+                  </a:solidFill>
+                </a:uFill>
+                <a:latin typeface="Arial"/>
+                <a:ea typeface="DejaVu Sans"/>
+              </a:rPr>
+              <a:t>In the past:</a:t>
+            </a:r>
+            <a:endParaRPr b="0" lang="zxx" sz="1800" spc="-1" strike="noStrike">
+              <a:solidFill>
+                <a:srgbClr val="000000"/>
+              </a:solidFill>
+              <a:uFill>
+                <a:solidFill>
+                  <a:srgbClr val="ffffff"/>
+                </a:solidFill>
+              </a:uFill>
+              <a:latin typeface="Arial"/>
+            </a:endParaRPr>
+          </a:p>
+          <a:p>
+            <a:pPr marL="216000" indent="-216000">
+              <a:buClr>
+                <a:srgbClr val="000000"/>
+              </a:buClr>
+              <a:buFont typeface="Symbol" charset="2"/>
+              <a:buChar char=""/>
+            </a:pPr>
+            <a:r>
+              <a:rPr b="0" lang="zxx" sz="2000" spc="-1" strike="noStrike">
+                <a:solidFill>
+                  <a:srgbClr val="00407a"/>
+                </a:solidFill>
+                <a:uFill>
+                  <a:solidFill>
+                    <a:srgbClr val="ffffff"/>
+                  </a:solidFill>
+                </a:uFill>
+                <a:latin typeface="Arial"/>
+                <a:ea typeface="DejaVu Sans"/>
+              </a:rPr>
+              <a:t> </a:t>
+            </a:r>
+            <a:r>
+              <a:rPr b="0" lang="zxx" sz="2000" spc="-1" strike="noStrike">
+                <a:solidFill>
+                  <a:srgbClr val="00407a"/>
+                </a:solidFill>
+                <a:uFill>
+                  <a:solidFill>
+                    <a:srgbClr val="ffffff"/>
+                  </a:solidFill>
+                </a:uFill>
+                <a:latin typeface="Arial"/>
+                <a:ea typeface="DejaVu Sans"/>
+              </a:rPr>
+              <a:t>	</a:t>
+            </a:r>
+            <a:endParaRPr b="0" lang="zxx" sz="1800" spc="-1" strike="noStrike">
+              <a:solidFill>
+                <a:srgbClr val="000000"/>
+              </a:solidFill>
+              <a:uFill>
+                <a:solidFill>
+                  <a:srgbClr val="ffffff"/>
+                </a:solidFill>
+              </a:uFill>
+              <a:latin typeface="Arial"/>
+            </a:endParaRPr>
+          </a:p>
+          <a:p>
+            <a:pPr lvl="1" marL="432000" indent="-216000">
               <a:buClr>
                 <a:srgbClr val="000000"/>
               </a:buClr>
               <a:buSzPct val="45000"/>
-              <a:buFont typeface="Wingdings" charset="2"/>
-              <a:buChar char=""/>
-            </a:pPr>
-            <a:r>
-              <a:rPr b="1" lang="zxx" sz="2400" spc="-1" strike="noStrike">
+              <a:buFont typeface="Symbol" charset="2"/>
+              <a:buChar char=""/>
+            </a:pPr>
+            <a:r>
+              <a:rPr b="0" lang="zxx" sz="2000" spc="-1" strike="noStrike">
                 <a:solidFill>
                   <a:srgbClr val="00407a"/>
                 </a:solidFill>
@@ -23567,166 +23843,31 @@
                 <a:latin typeface="Arial"/>
                 <a:ea typeface="DejaVu Sans"/>
               </a:rPr>
-              <a:t>Past: </a:t>
-            </a:r>
-            <a:r>
-              <a:rPr b="1" lang="zxx" sz="2400" spc="-1" strike="noStrike">
-                <a:solidFill>
-                  <a:srgbClr val="00407a"/>
-                </a:solidFill>
-                <a:uFill>
-                  <a:solidFill>
-                    <a:srgbClr val="ffffff"/>
-                  </a:solidFill>
-                </a:uFill>
-                <a:latin typeface="Arial"/>
-                <a:ea typeface="DejaVu Sans"/>
-              </a:rPr>
-              <a:t>	</a:t>
-            </a:r>
-            <a:endParaRPr b="0" lang="zxx" sz="1800" spc="-1" strike="noStrike">
-              <a:solidFill>
-                <a:srgbClr val="000000"/>
-              </a:solidFill>
-              <a:uFill>
-                <a:solidFill>
-                  <a:srgbClr val="ffffff"/>
-                </a:solidFill>
-              </a:uFill>
-              <a:latin typeface="Arial"/>
-            </a:endParaRPr>
-          </a:p>
-          <a:p>
-            <a:pPr lvl="1" marL="864000" indent="-323280">
-              <a:lnSpc>
-                <a:spcPct val="100000"/>
-              </a:lnSpc>
-              <a:buClr>
-                <a:srgbClr val="000000"/>
-              </a:buClr>
-              <a:buSzPct val="75000"/>
-              <a:buFont typeface="Symbol"/>
-              <a:buChar char=""/>
-            </a:pPr>
-            <a:r>
-              <a:rPr b="1" lang="zxx" sz="2400" spc="-1" strike="noStrike">
-                <a:solidFill>
-                  <a:srgbClr val="00407a"/>
-                </a:solidFill>
-                <a:uFill>
-                  <a:solidFill>
-                    <a:srgbClr val="ffffff"/>
-                  </a:solidFill>
-                </a:uFill>
-                <a:latin typeface="Arial"/>
-                <a:ea typeface="DejaVu Sans"/>
-              </a:rPr>
-              <a:t>Mostly audio</a:t>
-            </a:r>
-            <a:endParaRPr b="0" lang="zxx" sz="1800" spc="-1" strike="noStrike">
-              <a:solidFill>
-                <a:srgbClr val="000000"/>
-              </a:solidFill>
-              <a:uFill>
-                <a:solidFill>
-                  <a:srgbClr val="ffffff"/>
-                </a:solidFill>
-              </a:uFill>
-              <a:latin typeface="Arial"/>
-            </a:endParaRPr>
-          </a:p>
-          <a:p>
-            <a:pPr lvl="1" marL="864000" indent="-323280">
-              <a:lnSpc>
-                <a:spcPct val="100000"/>
-              </a:lnSpc>
-              <a:buClr>
-                <a:srgbClr val="000000"/>
-              </a:buClr>
-              <a:buSzPct val="75000"/>
-              <a:buFont typeface="Symbol"/>
-              <a:buChar char=""/>
-            </a:pPr>
-            <a:r>
-              <a:rPr b="1" lang="zxx" sz="2400" spc="-1" strike="noStrike">
-                <a:solidFill>
-                  <a:srgbClr val="00407a"/>
-                </a:solidFill>
-                <a:uFill>
-                  <a:solidFill>
-                    <a:srgbClr val="ffffff"/>
-                  </a:solidFill>
-                </a:uFill>
-                <a:latin typeface="Arial"/>
-                <a:ea typeface="DejaVu Sans"/>
-              </a:rPr>
-              <a:t>Acoustic model: formants, fricatives,...</a:t>
-            </a:r>
-            <a:endParaRPr b="0" lang="zxx" sz="1800" spc="-1" strike="noStrike">
-              <a:solidFill>
-                <a:srgbClr val="000000"/>
-              </a:solidFill>
-              <a:uFill>
-                <a:solidFill>
-                  <a:srgbClr val="ffffff"/>
-                </a:solidFill>
-              </a:uFill>
-              <a:latin typeface="Arial"/>
-            </a:endParaRPr>
-          </a:p>
-          <a:p>
-            <a:pPr lvl="1" marL="864000" indent="-323280">
-              <a:lnSpc>
-                <a:spcPct val="100000"/>
-              </a:lnSpc>
-              <a:buClr>
-                <a:srgbClr val="000000"/>
-              </a:buClr>
-              <a:buSzPct val="75000"/>
-              <a:buFont typeface="Symbol"/>
-              <a:buChar char=""/>
-            </a:pPr>
-            <a:r>
-              <a:rPr b="1" lang="zxx" sz="2400" spc="-1" strike="noStrike">
-                <a:solidFill>
-                  <a:srgbClr val="00407a"/>
-                </a:solidFill>
-                <a:uFill>
-                  <a:solidFill>
-                    <a:srgbClr val="ffffff"/>
-                  </a:solidFill>
-                </a:uFill>
-                <a:latin typeface="Arial"/>
-                <a:ea typeface="DejaVu Sans"/>
-              </a:rPr>
-              <a:t>Record sounds, statistical correlation of spectrals</a:t>
-            </a:r>
-            <a:endParaRPr b="0" lang="zxx" sz="1800" spc="-1" strike="noStrike">
-              <a:solidFill>
-                <a:srgbClr val="000000"/>
-              </a:solidFill>
-              <a:uFill>
-                <a:solidFill>
-                  <a:srgbClr val="ffffff"/>
-                </a:solidFill>
-              </a:uFill>
-              <a:latin typeface="Arial"/>
-            </a:endParaRPr>
-          </a:p>
-          <a:p>
-            <a:pPr lvl="2" marL="1296000" indent="-287280">
-              <a:lnSpc>
-                <a:spcPct val="100000"/>
-              </a:lnSpc>
+              <a:t>Mostly audio SR</a:t>
+            </a:r>
+            <a:endParaRPr b="0" lang="zxx" sz="1800" spc="-1" strike="noStrike">
+              <a:solidFill>
+                <a:srgbClr val="000000"/>
+              </a:solidFill>
+              <a:uFill>
+                <a:solidFill>
+                  <a:srgbClr val="ffffff"/>
+                </a:solidFill>
+              </a:uFill>
+              <a:latin typeface="Arial"/>
+            </a:endParaRPr>
+          </a:p>
+          <a:p>
+            <a:pPr lvl="1" marL="432000" indent="-216000">
               <a:buClr>
                 <a:srgbClr val="000000"/>
               </a:buClr>
               <a:buSzPct val="45000"/>
-              <a:buFont typeface="Wingdings" charset="2"/>
-              <a:buChar char=""/>
-            </a:pPr>
-            <a:r>
-              <a:rPr b="1" lang="zxx" sz="2400" spc="-1" strike="noStrike">
+              <a:buFont typeface="Symbol" charset="2"/>
+              <a:buChar char=""/>
+            </a:pPr>
+            <a:r>
+              <a:rPr b="0" lang="zxx" sz="2000" spc="-1" strike="noStrike">
                 <a:solidFill>
                   <a:srgbClr val="00407a"/>
                 </a:solidFill>
@@ -23738,127 +23879,31 @@
                 <a:latin typeface="Arial"/>
                 <a:ea typeface="DejaVu Sans"/>
               </a:rPr>
-              <a:t>→ </a:t>
-            </a:r>
-            <a:r>
-              <a:rPr b="1" lang="zxx" sz="2400" spc="-1" strike="noStrike">
-                <a:solidFill>
-                  <a:srgbClr val="00407a"/>
-                </a:solidFill>
-                <a:uFill>
-                  <a:solidFill>
-                    <a:srgbClr val="ffffff"/>
-                  </a:solidFill>
-                </a:uFill>
-                <a:latin typeface="Arial"/>
-                <a:ea typeface="DejaVu Sans"/>
-              </a:rPr>
-              <a:t>Hidden Markov Models (HMM)</a:t>
-            </a:r>
-            <a:endParaRPr b="0" lang="zxx" sz="1800" spc="-1" strike="noStrike">
-              <a:solidFill>
-                <a:srgbClr val="000000"/>
-              </a:solidFill>
-              <a:uFill>
-                <a:solidFill>
-                  <a:srgbClr val="ffffff"/>
-                </a:solidFill>
-              </a:uFill>
-              <a:latin typeface="Arial"/>
-            </a:endParaRPr>
-          </a:p>
-          <a:p>
-            <a:pPr lvl="1" marL="864000" indent="-323280">
-              <a:lnSpc>
-                <a:spcPct val="100000"/>
-              </a:lnSpc>
-              <a:buClr>
-                <a:srgbClr val="000000"/>
-              </a:buClr>
-              <a:buSzPct val="75000"/>
-              <a:buFont typeface="Symbol"/>
-              <a:buChar char=""/>
-            </a:pPr>
-            <a:r>
-              <a:rPr b="1" lang="zxx" sz="2400" spc="-1" strike="noStrike">
-                <a:solidFill>
-                  <a:srgbClr val="00407a"/>
-                </a:solidFill>
-                <a:uFill>
-                  <a:solidFill>
-                    <a:srgbClr val="ffffff"/>
-                  </a:solidFill>
-                </a:uFill>
-                <a:latin typeface="Arial"/>
-                <a:ea typeface="DejaVu Sans"/>
-              </a:rPr>
-              <a:t>Language model on top</a:t>
-            </a:r>
-            <a:endParaRPr b="0" lang="zxx" sz="1800" spc="-1" strike="noStrike">
-              <a:solidFill>
-                <a:srgbClr val="000000"/>
-              </a:solidFill>
-              <a:uFill>
-                <a:solidFill>
-                  <a:srgbClr val="ffffff"/>
-                </a:solidFill>
-              </a:uFill>
-              <a:latin typeface="Arial"/>
-            </a:endParaRPr>
-          </a:p>
-          <a:p>
-            <a:pPr lvl="1" marL="864000" indent="-323280">
-              <a:lnSpc>
-                <a:spcPct val="100000"/>
-              </a:lnSpc>
-              <a:buClr>
-                <a:srgbClr val="000000"/>
-              </a:buClr>
-              <a:buSzPct val="75000"/>
-              <a:buFont typeface="Symbol"/>
-              <a:buChar char=""/>
-            </a:pPr>
-            <a:r>
-              <a:rPr b="1" lang="zxx" sz="2400" spc="-1" strike="noStrike">
-                <a:solidFill>
-                  <a:srgbClr val="00407a"/>
-                </a:solidFill>
-                <a:uFill>
-                  <a:solidFill>
-                    <a:srgbClr val="ffffff"/>
-                  </a:solidFill>
-                </a:uFill>
-                <a:latin typeface="Arial"/>
-                <a:ea typeface="DejaVu Sans"/>
-              </a:rPr>
-              <a:t>Often limited in scope (eg. Phone support)</a:t>
-            </a:r>
-            <a:endParaRPr b="0" lang="zxx" sz="1800" spc="-1" strike="noStrike">
-              <a:solidFill>
-                <a:srgbClr val="000000"/>
-              </a:solidFill>
-              <a:uFill>
-                <a:solidFill>
-                  <a:srgbClr val="ffffff"/>
-                </a:solidFill>
-              </a:uFill>
-              <a:latin typeface="Arial"/>
-            </a:endParaRPr>
-          </a:p>
-          <a:p>
-            <a:pPr lvl="2" marL="1296000" indent="-287280">
-              <a:lnSpc>
-                <a:spcPct val="100000"/>
-              </a:lnSpc>
+              <a:t>Acoustic model: formants, fricatives,...</a:t>
+            </a:r>
+            <a:endParaRPr b="0" lang="zxx" sz="1800" spc="-1" strike="noStrike">
+              <a:solidFill>
+                <a:srgbClr val="000000"/>
+              </a:solidFill>
+              <a:uFill>
+                <a:solidFill>
+                  <a:srgbClr val="ffffff"/>
+                </a:solidFill>
+              </a:uFill>
+              <a:latin typeface="Arial"/>
+            </a:endParaRPr>
+          </a:p>
+          <a:p>
+            <a:pPr lvl="1" marL="432000" indent="-216000">
               <a:buClr>
                 <a:srgbClr val="000000"/>
               </a:buClr>
               <a:buSzPct val="45000"/>
-              <a:buFont typeface="Wingdings" charset="2"/>
-              <a:buChar char=""/>
-            </a:pPr>
-            <a:r>
-              <a:rPr b="1" lang="zxx" sz="2400" spc="-1" strike="noStrike">
+              <a:buFont typeface="Symbol" charset="2"/>
+              <a:buChar char=""/>
+            </a:pPr>
+            <a:r>
+              <a:rPr b="0" lang="zxx" sz="2000" spc="-1" strike="noStrike">
                 <a:solidFill>
                   <a:srgbClr val="00407a"/>
                 </a:solidFill>
@@ -23870,7 +23915,130 @@
                 <a:latin typeface="Arial"/>
                 <a:ea typeface="DejaVu Sans"/>
               </a:rPr>
-              <a:t> </a:t>
+              <a:t>Record sounds, statistical correlation of spectrals</a:t>
+            </a:r>
+            <a:endParaRPr b="0" lang="zxx" sz="1800" spc="-1" strike="noStrike">
+              <a:solidFill>
+                <a:srgbClr val="000000"/>
+              </a:solidFill>
+              <a:uFill>
+                <a:solidFill>
+                  <a:srgbClr val="ffffff"/>
+                </a:solidFill>
+              </a:uFill>
+              <a:latin typeface="Arial"/>
+            </a:endParaRPr>
+          </a:p>
+          <a:p>
+            <a:pPr lvl="2" marL="648000" indent="-216000">
+              <a:buClr>
+                <a:srgbClr val="000000"/>
+              </a:buClr>
+              <a:buSzPct val="45000"/>
+              <a:buFont typeface="Symbol" charset="2"/>
+              <a:buChar char=""/>
+            </a:pPr>
+            <a:r>
+              <a:rPr b="0" lang="zxx" sz="2000" spc="-1" strike="noStrike">
+                <a:solidFill>
+                  <a:srgbClr val="00407a"/>
+                </a:solidFill>
+                <a:uFill>
+                  <a:solidFill>
+                    <a:srgbClr val="ffffff"/>
+                  </a:solidFill>
+                </a:uFill>
+                <a:latin typeface="Arial"/>
+                <a:ea typeface="DejaVu Sans"/>
+              </a:rPr>
+              <a:t>→ </a:t>
+            </a:r>
+            <a:r>
+              <a:rPr b="0" lang="zxx" sz="2000" spc="-1" strike="noStrike">
+                <a:solidFill>
+                  <a:srgbClr val="00407a"/>
+                </a:solidFill>
+                <a:uFill>
+                  <a:solidFill>
+                    <a:srgbClr val="ffffff"/>
+                  </a:solidFill>
+                </a:uFill>
+                <a:latin typeface="Arial"/>
+                <a:ea typeface="DejaVu Sans"/>
+              </a:rPr>
+              <a:t>Hidden Markov Models (HMM)</a:t>
+            </a:r>
+            <a:endParaRPr b="0" lang="zxx" sz="1800" spc="-1" strike="noStrike">
+              <a:solidFill>
+                <a:srgbClr val="000000"/>
+              </a:solidFill>
+              <a:uFill>
+                <a:solidFill>
+                  <a:srgbClr val="ffffff"/>
+                </a:solidFill>
+              </a:uFill>
+              <a:latin typeface="Arial"/>
+            </a:endParaRPr>
+          </a:p>
+          <a:p>
+            <a:pPr lvl="1" marL="432000" indent="-216000">
+              <a:buClr>
+                <a:srgbClr val="000000"/>
+              </a:buClr>
+              <a:buSzPct val="45000"/>
+              <a:buFont typeface="Symbol" charset="2"/>
+              <a:buChar char=""/>
+            </a:pPr>
+            <a:r>
+              <a:rPr b="0" lang="zxx" sz="2000" spc="-1" strike="noStrike">
+                <a:solidFill>
+                  <a:srgbClr val="00407a"/>
+                </a:solidFill>
+                <a:uFill>
+                  <a:solidFill>
+                    <a:srgbClr val="ffffff"/>
+                  </a:solidFill>
+                </a:uFill>
+                <a:latin typeface="Arial"/>
+                <a:ea typeface="DejaVu Sans"/>
+              </a:rPr>
+              <a:t>Language model on top</a:t>
+            </a:r>
+            <a:endParaRPr b="0" lang="zxx" sz="1800" spc="-1" strike="noStrike">
+              <a:solidFill>
+                <a:srgbClr val="000000"/>
+              </a:solidFill>
+              <a:uFill>
+                <a:solidFill>
+                  <a:srgbClr val="ffffff"/>
+                </a:solidFill>
+              </a:uFill>
+              <a:latin typeface="Arial"/>
+            </a:endParaRPr>
+          </a:p>
+          <a:p>
+            <a:pPr lvl="1" marL="432000" indent="-216000">
+              <a:buClr>
+                <a:srgbClr val="000000"/>
+              </a:buClr>
+              <a:buSzPct val="45000"/>
+              <a:buFont typeface="Symbol" charset="2"/>
+              <a:buChar char=""/>
+            </a:pPr>
+            <a:r>
+              <a:rPr b="0" lang="zxx" sz="2000" spc="-1" strike="noStrike">
+                <a:solidFill>
+                  <a:srgbClr val="00407a"/>
+                </a:solidFill>
+                <a:uFill>
+                  <a:solidFill>
+                    <a:srgbClr val="ffffff"/>
+                  </a:solidFill>
+                </a:uFill>
+                <a:latin typeface="Arial"/>
+                <a:ea typeface="DejaVu Sans"/>
+              </a:rPr>
+              <a:t>Often limited in scope (eg. Phone support) </a:t>
             </a:r>
             <a:endParaRPr b="0" lang="zxx" sz="1800" spc="-1" strike="noStrike">
               <a:solidFill>
@@ -24082,7 +24250,7 @@
                 <a:spcPct val="100000"/>
               </a:lnSpc>
             </a:pPr>
-            <a:fld id="{5A96FC1A-A2A2-4735-BDBF-FC9F661649D4}" type="slidenum">
+            <a:fld id="{C9D48F38-EBD8-4BDB-B1CB-C8E05F7EB017}" type="slidenum">
               <a:rPr b="0" lang="zxx" sz="1600" spc="-1" strike="noStrike">
                 <a:solidFill>
                   <a:srgbClr val="ffffff"/>
@@ -24095,7 +24263,7 @@
                 <a:latin typeface="Arial"/>
                 <a:ea typeface="DejaVu Sans"/>
               </a:rPr>
-              <a:t>&lt;number&gt;</a:t>
+              <a:t>1</a:t>
             </a:fld>
             <a:endParaRPr b="0" lang="zxx" sz="1800" spc="-1" strike="noStrike">
               <a:solidFill>
@@ -24139,19 +24307,101 @@
         <p:txBody>
           <a:bodyPr lIns="0" rIns="0" tIns="0" bIns="0"/>
           <a:p>
-            <a:pPr marL="432000" indent="-323280">
-              <a:lnSpc>
-                <a:spcPct val="100000"/>
-              </a:lnSpc>
+            <a:pPr marL="216000" indent="-216000">
+              <a:buClr>
+                <a:srgbClr val="000000"/>
+              </a:buClr>
+              <a:buFont typeface="Symbol" charset="2"/>
+              <a:buChar char=""/>
+            </a:pPr>
+            <a:r>
+              <a:rPr b="0" lang="zxx" sz="2000" spc="-1" strike="noStrike">
+                <a:solidFill>
+                  <a:srgbClr val="00407a"/>
+                </a:solidFill>
+                <a:uFill>
+                  <a:solidFill>
+                    <a:srgbClr val="ffffff"/>
+                  </a:solidFill>
+                </a:uFill>
+                <a:latin typeface="Arial"/>
+                <a:ea typeface="DejaVu Sans"/>
+              </a:rPr>
+              <a:t>Current:</a:t>
+            </a:r>
+            <a:endParaRPr b="0" lang="zxx" sz="1800" spc="-1" strike="noStrike">
+              <a:solidFill>
+                <a:srgbClr val="000000"/>
+              </a:solidFill>
+              <a:uFill>
+                <a:solidFill>
+                  <a:srgbClr val="ffffff"/>
+                </a:solidFill>
+              </a:uFill>
+              <a:latin typeface="Arial"/>
+            </a:endParaRPr>
+          </a:p>
+          <a:p>
+            <a:pPr marL="216000" indent="-216000">
+              <a:buClr>
+                <a:srgbClr val="000000"/>
+              </a:buClr>
+              <a:buFont typeface="Symbol" charset="2"/>
+              <a:buChar char=""/>
+            </a:pPr>
+            <a:r>
+              <a:rPr b="0" lang="zxx" sz="2000" spc="-1" strike="noStrike">
+                <a:solidFill>
+                  <a:srgbClr val="00407a"/>
+                </a:solidFill>
+                <a:uFill>
+                  <a:solidFill>
+                    <a:srgbClr val="ffffff"/>
+                  </a:solidFill>
+                </a:uFill>
+                <a:latin typeface="Arial"/>
+                <a:ea typeface="DejaVu Sans"/>
+              </a:rPr>
+              <a:t> </a:t>
+            </a:r>
+            <a:r>
+              <a:rPr b="0" lang="zxx" sz="2000" spc="-1" strike="noStrike">
+                <a:solidFill>
+                  <a:srgbClr val="00407a"/>
+                </a:solidFill>
+                <a:uFill>
+                  <a:solidFill>
+                    <a:srgbClr val="ffffff"/>
+                  </a:solidFill>
+                </a:uFill>
+                <a:latin typeface="Arial"/>
+                <a:ea typeface="DejaVu Sans"/>
+              </a:rPr>
+              <a:t>	</a:t>
+            </a:r>
+            <a:endParaRPr b="0" lang="zxx" sz="1800" spc="-1" strike="noStrike">
+              <a:solidFill>
+                <a:srgbClr val="000000"/>
+              </a:solidFill>
+              <a:uFill>
+                <a:solidFill>
+                  <a:srgbClr val="ffffff"/>
+                </a:solidFill>
+              </a:uFill>
+              <a:latin typeface="Arial"/>
+            </a:endParaRPr>
+          </a:p>
+          <a:p>
+            <a:pPr lvl="1" marL="432000" indent="-216000">
               <a:buClr>
                 <a:srgbClr val="000000"/>
               </a:buClr>
               <a:buSzPct val="45000"/>
-              <a:buFont typeface="Wingdings" charset="2"/>
-              <a:buChar char=""/>
-            </a:pPr>
-            <a:r>
-              <a:rPr b="1" lang="zxx" sz="2400" spc="-1" strike="noStrike">
+              <a:buFont typeface="Symbol" charset="2"/>
+              <a:buChar char=""/>
+            </a:pPr>
+            <a:r>
+              <a:rPr b="0" lang="zxx" sz="2000" spc="-1" strike="noStrike">
                 <a:solidFill>
                   <a:srgbClr val="00407a"/>
                 </a:solidFill>
@@ -24163,60 +24413,6 @@
                 <a:latin typeface="Arial"/>
                 <a:ea typeface="DejaVu Sans"/>
               </a:rPr>
-              <a:t>Current: </a:t>
-            </a:r>
-            <a:r>
-              <a:rPr b="1" lang="zxx" sz="2400" spc="-1" strike="noStrike">
-                <a:solidFill>
-                  <a:srgbClr val="00407a"/>
-                </a:solidFill>
-                <a:uFill>
-                  <a:solidFill>
-                    <a:srgbClr val="ffffff"/>
-                  </a:solidFill>
-                </a:uFill>
-                <a:latin typeface="Arial"/>
-                <a:ea typeface="DejaVu Sans"/>
-              </a:rPr>
-              <a:t>	</a:t>
-            </a:r>
-            <a:endParaRPr b="0" lang="zxx" sz="1800" spc="-1" strike="noStrike">
-              <a:solidFill>
-                <a:srgbClr val="000000"/>
-              </a:solidFill>
-              <a:uFill>
-                <a:solidFill>
-                  <a:srgbClr val="ffffff"/>
-                </a:solidFill>
-              </a:uFill>
-              <a:latin typeface="Arial"/>
-            </a:endParaRPr>
-          </a:p>
-          <a:p>
-            <a:pPr lvl="1" marL="864000" indent="-323280">
-              <a:lnSpc>
-                <a:spcPct val="100000"/>
-              </a:lnSpc>
-              <a:buClr>
-                <a:srgbClr val="000000"/>
-              </a:buClr>
-              <a:buSzPct val="75000"/>
-              <a:buFont typeface="Symbol"/>
-              <a:buChar char=""/>
-            </a:pPr>
-            <a:r>
-              <a:rPr b="1" lang="zxx" sz="2400" spc="-1" strike="noStrike">
-                <a:solidFill>
-                  <a:srgbClr val="00407a"/>
-                </a:solidFill>
-                <a:uFill>
-                  <a:solidFill>
-                    <a:srgbClr val="ffffff"/>
-                  </a:solidFill>
-                </a:uFill>
-                <a:latin typeface="Arial"/>
-                <a:ea typeface="DejaVu Sans"/>
-              </a:rPr>
               <a:t>Still mostly audio</a:t>
             </a:r>
             <a:endParaRPr b="0" lang="zxx" sz="1800" spc="-1" strike="noStrike">
@@ -24232,283 +24428,16 @@
             </a:endParaRPr>
           </a:p>
           <a:p>
-            <a:pPr lvl="1" marL="864000" indent="-323280">
-              <a:lnSpc>
-                <a:spcPct val="100000"/>
-              </a:lnSpc>
-              <a:buClr>
-                <a:srgbClr val="000000"/>
-              </a:buClr>
-              <a:buSzPct val="75000"/>
-              <a:buFont typeface="Symbol"/>
-              <a:buChar char=""/>
-            </a:pPr>
-            <a:r>
-              <a:rPr b="1" lang="zxx" sz="2400" spc="-1" strike="sngStrike">
-                <a:solidFill>
-                  <a:srgbClr val="00407a"/>
-                </a:solidFill>
-                <a:uFill>
-                  <a:solidFill>
-                    <a:srgbClr val="ffffff"/>
-                  </a:solidFill>
-                </a:uFill>
-                <a:latin typeface="Arial"/>
-                <a:ea typeface="DejaVu Sans"/>
-              </a:rPr>
-              <a:t>Acoustic model: formants, fricatives,</a:t>
-            </a:r>
-            <a:r>
-              <a:rPr b="1" lang="zxx" sz="2400" spc="-1" strike="noStrike">
-                <a:solidFill>
-                  <a:srgbClr val="00407a"/>
-                </a:solidFill>
-                <a:uFill>
-                  <a:solidFill>
-                    <a:srgbClr val="ffffff"/>
-                  </a:solidFill>
-                </a:uFill>
-                <a:latin typeface="Arial"/>
-                <a:ea typeface="DejaVu Sans"/>
-              </a:rPr>
-              <a:t>… </a:t>
-            </a:r>
-            <a:endParaRPr b="0" lang="zxx" sz="1800" spc="-1" strike="noStrike">
-              <a:solidFill>
-                <a:srgbClr val="000000"/>
-              </a:solidFill>
-              <a:uFill>
-                <a:solidFill>
-                  <a:srgbClr val="ffffff"/>
-                </a:solidFill>
-              </a:uFill>
-              <a:latin typeface="Arial"/>
-            </a:endParaRPr>
-          </a:p>
-          <a:p>
-            <a:pPr lvl="1" marL="864000" indent="-323280">
-              <a:lnSpc>
-                <a:spcPct val="100000"/>
-              </a:lnSpc>
-              <a:buClr>
-                <a:srgbClr val="000000"/>
-              </a:buClr>
-              <a:buSzPct val="75000"/>
-              <a:buFont typeface="Symbol"/>
-              <a:buChar char=""/>
-            </a:pPr>
-            <a:r>
-              <a:rPr b="1" lang="zxx" sz="2400" spc="-1" strike="sngStrike">
-                <a:solidFill>
-                  <a:srgbClr val="00407a"/>
-                </a:solidFill>
-                <a:uFill>
-                  <a:solidFill>
-                    <a:srgbClr val="ffffff"/>
-                  </a:solidFill>
-                </a:uFill>
-                <a:latin typeface="Arial"/>
-                <a:ea typeface="DejaVu Sans"/>
-              </a:rPr>
-              <a:t>Record sounds, statistical correlation of spectrals</a:t>
-            </a:r>
-            <a:endParaRPr b="0" lang="zxx" sz="1800" spc="-1" strike="noStrike">
-              <a:solidFill>
-                <a:srgbClr val="000000"/>
-              </a:solidFill>
-              <a:uFill>
-                <a:solidFill>
-                  <a:srgbClr val="ffffff"/>
-                </a:solidFill>
-              </a:uFill>
-              <a:latin typeface="Arial"/>
-            </a:endParaRPr>
-          </a:p>
-          <a:p>
-            <a:pPr lvl="3" marL="1728000" indent="-215280">
-              <a:lnSpc>
-                <a:spcPct val="100000"/>
-              </a:lnSpc>
-              <a:buClr>
-                <a:srgbClr val="000000"/>
-              </a:buClr>
-              <a:buSzPct val="75000"/>
-              <a:buFont typeface="Symbol"/>
-              <a:buChar char=""/>
-            </a:pPr>
-            <a:r>
-              <a:rPr b="1" lang="zxx" sz="2400" spc="-1" strike="noStrike">
-                <a:solidFill>
-                  <a:srgbClr val="00407a"/>
-                </a:solidFill>
-                <a:uFill>
-                  <a:solidFill>
-                    <a:srgbClr val="ffffff"/>
-                  </a:solidFill>
-                </a:uFill>
-                <a:latin typeface="Arial"/>
-                <a:ea typeface="DejaVu Sans"/>
-              </a:rPr>
-              <a:t>→  </a:t>
-            </a:r>
-            <a:r>
-              <a:rPr b="1" lang="zxx" sz="2400" spc="-1" strike="noStrike">
-                <a:solidFill>
-                  <a:srgbClr val="00407a"/>
-                </a:solidFill>
-                <a:uFill>
-                  <a:solidFill>
-                    <a:srgbClr val="ffffff"/>
-                  </a:solidFill>
-                </a:uFill>
-                <a:latin typeface="Arial"/>
-                <a:ea typeface="DejaVu Sans"/>
-              </a:rPr>
-              <a:t>Convolutional Neural Networks</a:t>
-            </a:r>
-            <a:endParaRPr b="0" lang="zxx" sz="1800" spc="-1" strike="noStrike">
-              <a:solidFill>
-                <a:srgbClr val="000000"/>
-              </a:solidFill>
-              <a:uFill>
-                <a:solidFill>
-                  <a:srgbClr val="ffffff"/>
-                </a:solidFill>
-              </a:uFill>
-              <a:latin typeface="Arial"/>
-            </a:endParaRPr>
-          </a:p>
-          <a:p>
-            <a:pPr lvl="1" marL="864000" indent="-323280">
-              <a:lnSpc>
-                <a:spcPct val="100000"/>
-              </a:lnSpc>
-              <a:buClr>
-                <a:srgbClr val="000000"/>
-              </a:buClr>
-              <a:buSzPct val="75000"/>
-              <a:buFont typeface="Symbol"/>
-              <a:buChar char=""/>
-            </a:pPr>
-            <a:r>
-              <a:rPr b="1" lang="zxx" sz="2400" spc="-1" strike="noStrike">
-                <a:solidFill>
-                  <a:srgbClr val="00407a"/>
-                </a:solidFill>
-                <a:uFill>
-                  <a:solidFill>
-                    <a:srgbClr val="ffffff"/>
-                  </a:solidFill>
-                </a:uFill>
-                <a:latin typeface="Arial"/>
-                <a:ea typeface="DejaVu Sans"/>
-              </a:rPr>
-              <a:t>Language model on top (also NN? )</a:t>
-            </a:r>
-            <a:endParaRPr b="0" lang="zxx" sz="1800" spc="-1" strike="noStrike">
-              <a:solidFill>
-                <a:srgbClr val="000000"/>
-              </a:solidFill>
-              <a:uFill>
-                <a:solidFill>
-                  <a:srgbClr val="ffffff"/>
-                </a:solidFill>
-              </a:uFill>
-              <a:latin typeface="Arial"/>
-            </a:endParaRPr>
-          </a:p>
-          <a:p>
-            <a:pPr lvl="1" marL="864000" indent="-323280">
-              <a:lnSpc>
-                <a:spcPct val="100000"/>
-              </a:lnSpc>
-              <a:buClr>
-                <a:srgbClr val="000000"/>
-              </a:buClr>
-              <a:buSzPct val="75000"/>
-              <a:buFont typeface="Symbol"/>
-              <a:buChar char=""/>
-            </a:pPr>
-            <a:r>
-              <a:rPr b="1" lang="zxx" sz="2400" spc="-1" strike="noStrike">
-                <a:solidFill>
-                  <a:srgbClr val="00407a"/>
-                </a:solidFill>
-                <a:uFill>
-                  <a:solidFill>
-                    <a:srgbClr val="ffffff"/>
-                  </a:solidFill>
-                </a:uFill>
-                <a:latin typeface="Arial"/>
-                <a:ea typeface="DejaVu Sans"/>
-              </a:rPr>
-              <a:t>Much broader in scope (Siri, Cortana)</a:t>
-            </a:r>
-            <a:endParaRPr b="0" lang="zxx" sz="1800" spc="-1" strike="noStrike">
-              <a:solidFill>
-                <a:srgbClr val="000000"/>
-              </a:solidFill>
-              <a:uFill>
-                <a:solidFill>
-                  <a:srgbClr val="ffffff"/>
-                </a:solidFill>
-              </a:uFill>
-              <a:latin typeface="Arial"/>
-            </a:endParaRPr>
-          </a:p>
-          <a:p>
-            <a:pPr lvl="1" marL="864000" indent="-323280">
-              <a:lnSpc>
-                <a:spcPct val="100000"/>
-              </a:lnSpc>
-              <a:buClr>
-                <a:srgbClr val="000000"/>
-              </a:buClr>
-              <a:buSzPct val="75000"/>
-              <a:buFont typeface="Symbol"/>
-              <a:buChar char=""/>
-            </a:pPr>
-            <a:r>
-              <a:rPr b="1" lang="zxx" sz="2400" spc="-1" strike="noStrike">
-                <a:solidFill>
-                  <a:srgbClr val="00407a"/>
-                </a:solidFill>
-                <a:uFill>
-                  <a:solidFill>
-                    <a:srgbClr val="ffffff"/>
-                  </a:solidFill>
-                </a:uFill>
-                <a:latin typeface="Arial"/>
-                <a:ea typeface="DejaVu Sans"/>
-              </a:rPr>
-              <a:t> </a:t>
-            </a:r>
-            <a:endParaRPr b="0" lang="zxx" sz="1800" spc="-1" strike="noStrike">
-              <a:solidFill>
-                <a:srgbClr val="000000"/>
-              </a:solidFill>
-              <a:uFill>
-                <a:solidFill>
-                  <a:srgbClr val="ffffff"/>
-                </a:solidFill>
-              </a:uFill>
-              <a:latin typeface="Arial"/>
-            </a:endParaRPr>
-          </a:p>
-          <a:p>
-            <a:pPr lvl="2" marL="1296000" indent="-287280">
-              <a:lnSpc>
-                <a:spcPct val="100000"/>
-              </a:lnSpc>
+            <a:pPr lvl="1" marL="432000" indent="-216000">
               <a:buClr>
                 <a:srgbClr val="000000"/>
               </a:buClr>
               <a:buSzPct val="45000"/>
-              <a:buFont typeface="Wingdings" charset="2"/>
-              <a:buChar char=""/>
-            </a:pPr>
-            <a:r>
-              <a:rPr b="1" lang="zxx" sz="2400" spc="-1" strike="noStrike">
+              <a:buFont typeface="Symbol" charset="2"/>
+              <a:buChar char=""/>
+            </a:pPr>
+            <a:r>
+              <a:rPr b="0" lang="zxx" sz="2000" spc="-1" strike="noStrike">
                 <a:solidFill>
                   <a:srgbClr val="00407a"/>
                 </a:solidFill>
@@ -24520,7 +24449,202 @@
                 <a:latin typeface="Arial"/>
                 <a:ea typeface="DejaVu Sans"/>
               </a:rPr>
+              <a:t>Acoustic model: formants, fricatives,… </a:t>
+            </a:r>
+            <a:endParaRPr b="0" lang="zxx" sz="1800" spc="-1" strike="noStrike">
+              <a:solidFill>
+                <a:srgbClr val="000000"/>
+              </a:solidFill>
+              <a:uFill>
+                <a:solidFill>
+                  <a:srgbClr val="ffffff"/>
+                </a:solidFill>
+              </a:uFill>
+              <a:latin typeface="Arial"/>
+            </a:endParaRPr>
+          </a:p>
+          <a:p>
+            <a:pPr lvl="1" marL="432000" indent="-216000">
+              <a:buClr>
+                <a:srgbClr val="000000"/>
+              </a:buClr>
+              <a:buSzPct val="45000"/>
+              <a:buFont typeface="Symbol" charset="2"/>
+              <a:buChar char=""/>
+            </a:pPr>
+            <a:r>
+              <a:rPr b="0" lang="zxx" sz="2000" spc="-1" strike="noStrike">
+                <a:solidFill>
+                  <a:srgbClr val="00407a"/>
+                </a:solidFill>
+                <a:uFill>
+                  <a:solidFill>
+                    <a:srgbClr val="ffffff"/>
+                  </a:solidFill>
+                </a:uFill>
+                <a:latin typeface="Arial"/>
+                <a:ea typeface="DejaVu Sans"/>
+              </a:rPr>
+              <a:t>Record sounds, statistical correlation of spectrals</a:t>
+            </a:r>
+            <a:endParaRPr b="0" lang="zxx" sz="1800" spc="-1" strike="noStrike">
+              <a:solidFill>
+                <a:srgbClr val="000000"/>
+              </a:solidFill>
+              <a:uFill>
+                <a:solidFill>
+                  <a:srgbClr val="ffffff"/>
+                </a:solidFill>
+              </a:uFill>
+              <a:latin typeface="Arial"/>
+            </a:endParaRPr>
+          </a:p>
+          <a:p>
+            <a:pPr lvl="3" marL="864000" indent="-216000">
+              <a:buClr>
+                <a:srgbClr val="000000"/>
+              </a:buClr>
+              <a:buSzPct val="45000"/>
+              <a:buFont typeface="Symbol" charset="2"/>
+              <a:buChar char=""/>
+            </a:pPr>
+            <a:r>
+              <a:rPr b="0" lang="zxx" sz="2000" spc="-1" strike="noStrike">
+                <a:solidFill>
+                  <a:srgbClr val="00407a"/>
+                </a:solidFill>
+                <a:uFill>
+                  <a:solidFill>
+                    <a:srgbClr val="ffffff"/>
+                  </a:solidFill>
+                </a:uFill>
+                <a:latin typeface="Arial"/>
+                <a:ea typeface="DejaVu Sans"/>
+              </a:rPr>
+              <a:t>→  </a:t>
+            </a:r>
+            <a:r>
+              <a:rPr b="0" lang="zxx" sz="2000" spc="-1" strike="noStrike">
+                <a:solidFill>
+                  <a:srgbClr val="00407a"/>
+                </a:solidFill>
+                <a:uFill>
+                  <a:solidFill>
+                    <a:srgbClr val="ffffff"/>
+                  </a:solidFill>
+                </a:uFill>
+                <a:latin typeface="Arial"/>
+                <a:ea typeface="DejaVu Sans"/>
+              </a:rPr>
+              <a:t>Convolutional Neural Networks</a:t>
+            </a:r>
+            <a:endParaRPr b="0" lang="zxx" sz="1800" spc="-1" strike="noStrike">
+              <a:solidFill>
+                <a:srgbClr val="000000"/>
+              </a:solidFill>
+              <a:uFill>
+                <a:solidFill>
+                  <a:srgbClr val="ffffff"/>
+                </a:solidFill>
+              </a:uFill>
+              <a:latin typeface="Arial"/>
+            </a:endParaRPr>
+          </a:p>
+          <a:p>
+            <a:pPr lvl="3" marL="864000" indent="-216000">
+              <a:buClr>
+                <a:srgbClr val="000000"/>
+              </a:buClr>
+              <a:buSzPct val="45000"/>
+              <a:buFont typeface="Symbol" charset="2"/>
+              <a:buChar char=""/>
+            </a:pPr>
+            <a:r>
+              <a:rPr b="0" lang="zxx" sz="2000" spc="-1" strike="noStrike">
+                <a:solidFill>
+                  <a:srgbClr val="00407a"/>
+                </a:solidFill>
+                <a:uFill>
+                  <a:solidFill>
+                    <a:srgbClr val="ffffff"/>
+                  </a:solidFill>
+                </a:uFill>
+                <a:latin typeface="Arial"/>
+                <a:ea typeface="DejaVu Sans"/>
+              </a:rPr>
               <a:t> </a:t>
+            </a:r>
+            <a:endParaRPr b="0" lang="zxx" sz="1800" spc="-1" strike="noStrike">
+              <a:solidFill>
+                <a:srgbClr val="000000"/>
+              </a:solidFill>
+              <a:uFill>
+                <a:solidFill>
+                  <a:srgbClr val="ffffff"/>
+                </a:solidFill>
+              </a:uFill>
+              <a:latin typeface="Arial"/>
+            </a:endParaRPr>
+          </a:p>
+          <a:p>
+            <a:pPr lvl="1" marL="432000" indent="-216000">
+              <a:buClr>
+                <a:srgbClr val="000000"/>
+              </a:buClr>
+              <a:buSzPct val="45000"/>
+              <a:buFont typeface="Symbol" charset="2"/>
+              <a:buChar char=""/>
+            </a:pPr>
+            <a:r>
+              <a:rPr b="0" lang="zxx" sz="2000" spc="-1" strike="noStrike">
+                <a:solidFill>
+                  <a:srgbClr val="00407a"/>
+                </a:solidFill>
+                <a:uFill>
+                  <a:solidFill>
+                    <a:srgbClr val="ffffff"/>
+                  </a:solidFill>
+                </a:uFill>
+                <a:latin typeface="Arial"/>
+                <a:ea typeface="DejaVu Sans"/>
+              </a:rPr>
+              <a:t>Language model on top (possibly DNN? )</a:t>
+            </a:r>
+            <a:endParaRPr b="0" lang="zxx" sz="1800" spc="-1" strike="noStrike">
+              <a:solidFill>
+                <a:srgbClr val="000000"/>
+              </a:solidFill>
+              <a:uFill>
+                <a:solidFill>
+                  <a:srgbClr val="ffffff"/>
+                </a:solidFill>
+              </a:uFill>
+              <a:latin typeface="Arial"/>
+            </a:endParaRPr>
+          </a:p>
+          <a:p>
+            <a:pPr lvl="1" marL="432000" indent="-216000">
+              <a:buClr>
+                <a:srgbClr val="000000"/>
+              </a:buClr>
+              <a:buSzPct val="45000"/>
+              <a:buFont typeface="Symbol" charset="2"/>
+              <a:buChar char=""/>
+            </a:pPr>
+            <a:r>
+              <a:rPr b="0" lang="zxx" sz="2000" spc="-1" strike="noStrike">
+                <a:solidFill>
+                  <a:srgbClr val="00407a"/>
+                </a:solidFill>
+                <a:uFill>
+                  <a:solidFill>
+                    <a:srgbClr val="ffffff"/>
+                  </a:solidFill>
+                </a:uFill>
+                <a:latin typeface="Arial"/>
+                <a:ea typeface="DejaVu Sans"/>
+              </a:rPr>
+              <a:t>Much broader in scope (Siri, Cortana, SR 'in the wild') </a:t>
             </a:r>
             <a:endParaRPr b="0" lang="zxx" sz="1800" spc="-1" strike="noStrike">
               <a:solidFill>
@@ -24732,7 +24856,7 @@
                 <a:spcPct val="100000"/>
               </a:lnSpc>
             </a:pPr>
-            <a:fld id="{2681EC3D-FA0C-429B-A115-7152BF7C7EFF}" type="slidenum">
+            <a:fld id="{77943F53-5DD2-4DEE-ABCE-B78E155A3EE8}" type="slidenum">
               <a:rPr b="0" lang="zxx" sz="1600" spc="-1" strike="noStrike">
                 <a:solidFill>
                   <a:srgbClr val="ffffff"/>
@@ -24745,7 +24869,7 @@
                 <a:latin typeface="Arial"/>
                 <a:ea typeface="DejaVu Sans"/>
               </a:rPr>
-              <a:t>&lt;number&gt;</a:t>
+              <a:t>1</a:t>
             </a:fld>
             <a:endParaRPr b="0" lang="zxx" sz="1800" spc="-1" strike="noStrike">
               <a:solidFill>
@@ -25260,7 +25384,7 @@
                 <a:spcPct val="100000"/>
               </a:lnSpc>
             </a:pPr>
-            <a:fld id="{221EFC2C-5EFB-4A04-A5D8-7FB32FE689F2}" type="slidenum">
+            <a:fld id="{71178CD4-BE15-4EA0-BFEA-979107FE68D9}" type="slidenum">
               <a:rPr b="0" lang="zxx" sz="1600" spc="-1" strike="noStrike">
                 <a:solidFill>
                   <a:srgbClr val="ffffff"/>
@@ -25273,7 +25397,7 @@
                 <a:latin typeface="Arial"/>
                 <a:ea typeface="DejaVu Sans"/>
               </a:rPr>
-              <a:t>&lt;number&gt;</a:t>
+              <a:t>1</a:t>
             </a:fld>
             <a:endParaRPr b="0" lang="zxx" sz="1800" spc="-1" strike="noStrike">
               <a:solidFill>
@@ -26290,7 +26414,7 @@
                 <a:spcPct val="100000"/>
               </a:lnSpc>
             </a:pPr>
-            <a:fld id="{EDAEC51B-EACF-4AD8-9F4F-C4A89EDD29D9}" type="slidenum">
+            <a:fld id="{9B26058E-A8D8-4A1A-967F-58AB12B0C63D}" type="slidenum">
               <a:rPr b="0" lang="zxx" sz="1600" spc="-1" strike="noStrike">
                 <a:solidFill>
                   <a:srgbClr val="ffffff"/>
@@ -26303,7 +26427,7 @@
                 <a:latin typeface="Arial"/>
                 <a:ea typeface="DejaVu Sans"/>
               </a:rPr>
-              <a:t>&lt;number&gt;</a:t>
+              <a:t>1</a:t>
             </a:fld>
             <a:endParaRPr b="0" lang="zxx" sz="1800" spc="-1" strike="noStrike">
               <a:solidFill>
@@ -27361,7 +27485,7 @@
                 <a:spcPct val="100000"/>
               </a:lnSpc>
             </a:pPr>
-            <a:fld id="{F5BADACD-4309-4D4A-A45C-E2DBD0536E1D}" type="slidenum">
+            <a:fld id="{4AEBEA27-9AE6-4438-8AC2-E0551584AEAE}" type="slidenum">
               <a:rPr b="0" lang="zxx" sz="1600" spc="-1" strike="noStrike">
                 <a:solidFill>
                   <a:srgbClr val="ffffff"/>
@@ -27374,7 +27498,7 @@
                 <a:latin typeface="Arial"/>
                 <a:ea typeface="DejaVu Sans"/>
               </a:rPr>
-              <a:t>&lt;number&gt;</a:t>
+              <a:t>1</a:t>
             </a:fld>
             <a:endParaRPr b="0" lang="zxx" sz="1800" spc="-1" strike="noStrike">
               <a:solidFill>
